--- a/ArgoUML.pptx
+++ b/ArgoUML.pptx
@@ -5,18 +5,22 @@
     <p:sldMasterId id="2147483732" r:id="rId1"/>
   </p:sldMasterIdLst>
   <p:sldIdLst>
-    <p:sldId id="256" r:id="rId2"/>
-    <p:sldId id="267" r:id="rId3"/>
-    <p:sldId id="257" r:id="rId4"/>
-    <p:sldId id="258" r:id="rId5"/>
-    <p:sldId id="259" r:id="rId6"/>
-    <p:sldId id="261" r:id="rId7"/>
-    <p:sldId id="264" r:id="rId8"/>
-    <p:sldId id="265" r:id="rId9"/>
-    <p:sldId id="266" r:id="rId10"/>
-    <p:sldId id="260" r:id="rId11"/>
-    <p:sldId id="262" r:id="rId12"/>
-    <p:sldId id="263" r:id="rId13"/>
+    <p:sldId id="269" r:id="rId2"/>
+    <p:sldId id="271" r:id="rId3"/>
+    <p:sldId id="276" r:id="rId4"/>
+    <p:sldId id="256" r:id="rId5"/>
+    <p:sldId id="272" r:id="rId6"/>
+    <p:sldId id="273" r:id="rId7"/>
+    <p:sldId id="274" r:id="rId8"/>
+    <p:sldId id="275" r:id="rId9"/>
+    <p:sldId id="264" r:id="rId10"/>
+    <p:sldId id="270" r:id="rId11"/>
+    <p:sldId id="260" r:id="rId12"/>
+    <p:sldId id="278" r:id="rId13"/>
+    <p:sldId id="282" r:id="rId14"/>
+    <p:sldId id="279" r:id="rId15"/>
+    <p:sldId id="280" r:id="rId16"/>
+    <p:sldId id="281" r:id="rId17"/>
   </p:sldIdLst>
   <p:sldSz cx="12192000" cy="6858000"/>
   <p:notesSz cx="6858000" cy="9144000"/>
@@ -254,7 +258,7 @@
           <a:p>
             <a:fld id="{16818C3A-B718-42E2-86A8-61414A9A137F}" type="datetimeFigureOut">
               <a:rPr lang="en-US" smtClean="0"/>
-              <a:t>2/13/2022</a:t>
+              <a:t>2/14/2022</a:t>
             </a:fld>
             <a:endParaRPr lang="en-US"/>
           </a:p>
@@ -424,7 +428,7 @@
           <a:p>
             <a:fld id="{16818C3A-B718-42E2-86A8-61414A9A137F}" type="datetimeFigureOut">
               <a:rPr lang="en-US" smtClean="0"/>
-              <a:t>2/13/2022</a:t>
+              <a:t>2/14/2022</a:t>
             </a:fld>
             <a:endParaRPr lang="en-US"/>
           </a:p>
@@ -604,7 +608,7 @@
           <a:p>
             <a:fld id="{16818C3A-B718-42E2-86A8-61414A9A137F}" type="datetimeFigureOut">
               <a:rPr lang="en-US" smtClean="0"/>
-              <a:t>2/13/2022</a:t>
+              <a:t>2/14/2022</a:t>
             </a:fld>
             <a:endParaRPr lang="en-US"/>
           </a:p>
@@ -774,7 +778,7 @@
           <a:p>
             <a:fld id="{16818C3A-B718-42E2-86A8-61414A9A137F}" type="datetimeFigureOut">
               <a:rPr lang="en-US" smtClean="0"/>
-              <a:t>2/13/2022</a:t>
+              <a:t>2/14/2022</a:t>
             </a:fld>
             <a:endParaRPr lang="en-US"/>
           </a:p>
@@ -1020,7 +1024,7 @@
           <a:p>
             <a:fld id="{16818C3A-B718-42E2-86A8-61414A9A137F}" type="datetimeFigureOut">
               <a:rPr lang="en-US" smtClean="0"/>
-              <a:t>2/13/2022</a:t>
+              <a:t>2/14/2022</a:t>
             </a:fld>
             <a:endParaRPr lang="en-US"/>
           </a:p>
@@ -1252,7 +1256,7 @@
           <a:p>
             <a:fld id="{16818C3A-B718-42E2-86A8-61414A9A137F}" type="datetimeFigureOut">
               <a:rPr lang="en-US" smtClean="0"/>
-              <a:t>2/13/2022</a:t>
+              <a:t>2/14/2022</a:t>
             </a:fld>
             <a:endParaRPr lang="en-US"/>
           </a:p>
@@ -1619,7 +1623,7 @@
           <a:p>
             <a:fld id="{16818C3A-B718-42E2-86A8-61414A9A137F}" type="datetimeFigureOut">
               <a:rPr lang="en-US" smtClean="0"/>
-              <a:t>2/13/2022</a:t>
+              <a:t>2/14/2022</a:t>
             </a:fld>
             <a:endParaRPr lang="en-US"/>
           </a:p>
@@ -1737,7 +1741,7 @@
           <a:p>
             <a:fld id="{16818C3A-B718-42E2-86A8-61414A9A137F}" type="datetimeFigureOut">
               <a:rPr lang="en-US" smtClean="0"/>
-              <a:t>2/13/2022</a:t>
+              <a:t>2/14/2022</a:t>
             </a:fld>
             <a:endParaRPr lang="en-US"/>
           </a:p>
@@ -1832,7 +1836,7 @@
           <a:p>
             <a:fld id="{16818C3A-B718-42E2-86A8-61414A9A137F}" type="datetimeFigureOut">
               <a:rPr lang="en-US" smtClean="0"/>
-              <a:t>2/13/2022</a:t>
+              <a:t>2/14/2022</a:t>
             </a:fld>
             <a:endParaRPr lang="en-US"/>
           </a:p>
@@ -2109,7 +2113,7 @@
           <a:p>
             <a:fld id="{16818C3A-B718-42E2-86A8-61414A9A137F}" type="datetimeFigureOut">
               <a:rPr lang="en-US" smtClean="0"/>
-              <a:t>2/13/2022</a:t>
+              <a:t>2/14/2022</a:t>
             </a:fld>
             <a:endParaRPr lang="en-US"/>
           </a:p>
@@ -2362,7 +2366,7 @@
           <a:p>
             <a:fld id="{16818C3A-B718-42E2-86A8-61414A9A137F}" type="datetimeFigureOut">
               <a:rPr lang="en-US" smtClean="0"/>
-              <a:t>2/13/2022</a:t>
+              <a:t>2/14/2022</a:t>
             </a:fld>
             <a:endParaRPr lang="en-US"/>
           </a:p>
@@ -2427,9 +2431,14 @@
 <p:sldMaster xmlns:a="http://schemas.openxmlformats.org/drawingml/2006/main" xmlns:r="http://schemas.openxmlformats.org/officeDocument/2006/relationships" xmlns:p="http://schemas.openxmlformats.org/presentationml/2006/main">
   <p:cSld>
     <p:bg>
-      <p:bgRef idx="1001">
-        <a:schemeClr val="bg1"/>
-      </p:bgRef>
+      <p:bgPr>
+        <a:solidFill>
+          <a:schemeClr val="bg1">
+            <a:lumMod val="95000"/>
+          </a:schemeClr>
+        </a:solidFill>
+        <a:effectLst/>
+      </p:bgPr>
     </p:bg>
     <p:spTree>
       <p:nvGrpSpPr>
@@ -2575,7 +2584,7 @@
           <a:p>
             <a:fld id="{16818C3A-B718-42E2-86A8-61414A9A137F}" type="datetimeFigureOut">
               <a:rPr lang="en-US" smtClean="0"/>
-              <a:t>2/13/2022</a:t>
+              <a:t>2/14/2022</a:t>
             </a:fld>
             <a:endParaRPr lang="en-US"/>
           </a:p>
@@ -2966,6 +2975,14 @@
 <file path=ppt/slides/slide1.xml><?xml version="1.0" encoding="utf-8"?>
 <p:sld xmlns:a="http://schemas.openxmlformats.org/drawingml/2006/main" xmlns:r="http://schemas.openxmlformats.org/officeDocument/2006/relationships" xmlns:p="http://schemas.openxmlformats.org/presentationml/2006/main">
   <p:cSld>
+    <p:bg>
+      <p:bgPr>
+        <a:solidFill>
+          <a:schemeClr val="bg1"/>
+        </a:solidFill>
+        <a:effectLst/>
+      </p:bgPr>
+    </p:bg>
     <p:spTree>
       <p:nvGrpSpPr>
         <p:cNvPr id="1" name=""/>
@@ -2980,47 +2997,591 @@
           <a:chExt cx="0" cy="0"/>
         </a:xfrm>
       </p:grpSpPr>
+      <p:pic>
+        <p:nvPicPr>
+          <p:cNvPr id="6" name="Content Placeholder 5"/>
+          <p:cNvPicPr>
+            <a:picLocks noGrp="1" noChangeAspect="1"/>
+          </p:cNvPicPr>
+          <p:nvPr>
+            <p:ph idx="4294967295"/>
+          </p:nvPr>
+        </p:nvPicPr>
+        <p:blipFill>
+          <a:blip r:embed="rId2" cstate="print">
+            <a:extLst>
+              <a:ext uri="{28A0092B-C50C-407E-A947-70E740481C1C}">
+                <a14:useLocalDpi xmlns:a14="http://schemas.microsoft.com/office/drawing/2010/main" val="0"/>
+              </a:ext>
+            </a:extLst>
+          </a:blip>
+          <a:stretch>
+            <a:fillRect/>
+          </a:stretch>
+        </p:blipFill>
+        <p:spPr>
+          <a:xfrm>
+            <a:off x="0" y="0"/>
+            <a:ext cx="8848578" cy="6884988"/>
+          </a:xfrm>
+        </p:spPr>
+      </p:pic>
+      <p:grpSp>
+        <p:nvGrpSpPr>
+          <p:cNvPr id="31" name="Google Shape;410;p19"/>
+          <p:cNvGrpSpPr/>
+          <p:nvPr/>
+        </p:nvGrpSpPr>
+        <p:grpSpPr>
+          <a:xfrm>
+            <a:off x="9949634" y="5106835"/>
+            <a:ext cx="1061241" cy="1040222"/>
+            <a:chOff x="4568697" y="5245097"/>
+            <a:chExt cx="1061241" cy="1040222"/>
+          </a:xfrm>
+        </p:grpSpPr>
+        <p:grpSp>
+          <p:nvGrpSpPr>
+            <p:cNvPr id="32" name="Google Shape;411;p19"/>
+            <p:cNvGrpSpPr/>
+            <p:nvPr/>
+          </p:nvGrpSpPr>
+          <p:grpSpPr>
+            <a:xfrm>
+              <a:off x="4568697" y="5245097"/>
+              <a:ext cx="719170" cy="701656"/>
+              <a:chOff x="7044125" y="4266813"/>
+              <a:chExt cx="1967095" cy="1919190"/>
+            </a:xfrm>
+          </p:grpSpPr>
+          <p:sp>
+            <p:nvSpPr>
+              <p:cNvPr id="34" name="Google Shape;412;p19"/>
+              <p:cNvSpPr/>
+              <p:nvPr/>
+            </p:nvSpPr>
+            <p:spPr>
+              <a:xfrm>
+                <a:off x="7271874" y="4466242"/>
+                <a:ext cx="495300" cy="507900"/>
+              </a:xfrm>
+              <a:prstGeom prst="ellipse">
+                <a:avLst/>
+              </a:prstGeom>
+              <a:solidFill>
+                <a:srgbClr val="EAEAEA"/>
+              </a:solidFill>
+              <a:ln>
+                <a:noFill/>
+              </a:ln>
+            </p:spPr>
+            <p:txBody>
+              <a:bodyPr spcFirstLastPara="1" wrap="square" lIns="91425" tIns="91425" rIns="91425" bIns="91425" anchor="ctr" anchorCtr="0">
+                <a:noAutofit/>
+              </a:bodyPr>
+              <a:lstStyle/>
+              <a:p>
+                <a:pPr marL="0" lvl="0" indent="0" algn="l" rtl="0">
+                  <a:spcBef>
+                    <a:spcPts val="0"/>
+                  </a:spcBef>
+                  <a:spcAft>
+                    <a:spcPts val="0"/>
+                  </a:spcAft>
+                  <a:buNone/>
+                </a:pPr>
+                <a:endParaRPr/>
+              </a:p>
+            </p:txBody>
+          </p:sp>
+          <p:sp>
+            <p:nvSpPr>
+              <p:cNvPr id="35" name="Google Shape;413;p19"/>
+              <p:cNvSpPr/>
+              <p:nvPr/>
+            </p:nvSpPr>
+            <p:spPr>
+              <a:xfrm>
+                <a:off x="7780013" y="4266813"/>
+                <a:ext cx="495300" cy="507900"/>
+              </a:xfrm>
+              <a:prstGeom prst="ellipse">
+                <a:avLst/>
+              </a:prstGeom>
+              <a:solidFill>
+                <a:srgbClr val="EAEAEA"/>
+              </a:solidFill>
+              <a:ln>
+                <a:noFill/>
+              </a:ln>
+            </p:spPr>
+            <p:txBody>
+              <a:bodyPr spcFirstLastPara="1" wrap="square" lIns="91425" tIns="91425" rIns="91425" bIns="91425" anchor="ctr" anchorCtr="0">
+                <a:noAutofit/>
+              </a:bodyPr>
+              <a:lstStyle/>
+              <a:p>
+                <a:pPr marL="0" marR="0" lvl="0" indent="0" algn="l" rtl="0">
+                  <a:lnSpc>
+                    <a:spcPct val="100000"/>
+                  </a:lnSpc>
+                  <a:spcBef>
+                    <a:spcPts val="0"/>
+                  </a:spcBef>
+                  <a:spcAft>
+                    <a:spcPts val="0"/>
+                  </a:spcAft>
+                  <a:buNone/>
+                </a:pPr>
+                <a:endParaRPr/>
+              </a:p>
+            </p:txBody>
+          </p:sp>
+          <p:sp>
+            <p:nvSpPr>
+              <p:cNvPr id="36" name="Google Shape;414;p19"/>
+              <p:cNvSpPr/>
+              <p:nvPr/>
+            </p:nvSpPr>
+            <p:spPr>
+              <a:xfrm>
+                <a:off x="8288165" y="4474492"/>
+                <a:ext cx="495300" cy="507900"/>
+              </a:xfrm>
+              <a:prstGeom prst="ellipse">
+                <a:avLst/>
+              </a:prstGeom>
+              <a:solidFill>
+                <a:srgbClr val="D9D9D9"/>
+              </a:solidFill>
+              <a:ln>
+                <a:noFill/>
+              </a:ln>
+            </p:spPr>
+            <p:txBody>
+              <a:bodyPr spcFirstLastPara="1" wrap="square" lIns="91425" tIns="91425" rIns="91425" bIns="91425" anchor="ctr" anchorCtr="0">
+                <a:noAutofit/>
+              </a:bodyPr>
+              <a:lstStyle/>
+              <a:p>
+                <a:pPr marL="0" marR="0" lvl="0" indent="0" algn="l" rtl="0">
+                  <a:lnSpc>
+                    <a:spcPct val="100000"/>
+                  </a:lnSpc>
+                  <a:spcBef>
+                    <a:spcPts val="0"/>
+                  </a:spcBef>
+                  <a:spcAft>
+                    <a:spcPts val="0"/>
+                  </a:spcAft>
+                  <a:buNone/>
+                </a:pPr>
+                <a:endParaRPr/>
+              </a:p>
+            </p:txBody>
+          </p:sp>
+          <p:sp>
+            <p:nvSpPr>
+              <p:cNvPr id="37" name="Google Shape;415;p19"/>
+              <p:cNvSpPr/>
+              <p:nvPr/>
+            </p:nvSpPr>
+            <p:spPr>
+              <a:xfrm>
+                <a:off x="8515920" y="4982390"/>
+                <a:ext cx="495300" cy="507900"/>
+              </a:xfrm>
+              <a:prstGeom prst="ellipse">
+                <a:avLst/>
+              </a:prstGeom>
+              <a:solidFill>
+                <a:srgbClr val="CCCCCC"/>
+              </a:solidFill>
+              <a:ln>
+                <a:noFill/>
+              </a:ln>
+            </p:spPr>
+            <p:txBody>
+              <a:bodyPr spcFirstLastPara="1" wrap="square" lIns="91425" tIns="91425" rIns="91425" bIns="91425" anchor="ctr" anchorCtr="0">
+                <a:noAutofit/>
+              </a:bodyPr>
+              <a:lstStyle/>
+              <a:p>
+                <a:pPr marL="0" marR="0" lvl="0" indent="0" algn="l" rtl="0">
+                  <a:lnSpc>
+                    <a:spcPct val="100000"/>
+                  </a:lnSpc>
+                  <a:spcBef>
+                    <a:spcPts val="0"/>
+                  </a:spcBef>
+                  <a:spcAft>
+                    <a:spcPts val="0"/>
+                  </a:spcAft>
+                  <a:buNone/>
+                </a:pPr>
+                <a:endParaRPr/>
+              </a:p>
+            </p:txBody>
+          </p:sp>
+          <p:sp>
+            <p:nvSpPr>
+              <p:cNvPr id="38" name="Google Shape;416;p19"/>
+              <p:cNvSpPr/>
+              <p:nvPr/>
+            </p:nvSpPr>
+            <p:spPr>
+              <a:xfrm>
+                <a:off x="8288181" y="5498557"/>
+                <a:ext cx="495300" cy="507900"/>
+              </a:xfrm>
+              <a:prstGeom prst="ellipse">
+                <a:avLst/>
+              </a:prstGeom>
+              <a:solidFill>
+                <a:srgbClr val="B7B7B7"/>
+              </a:solidFill>
+              <a:ln>
+                <a:noFill/>
+              </a:ln>
+            </p:spPr>
+            <p:txBody>
+              <a:bodyPr spcFirstLastPara="1" wrap="square" lIns="91425" tIns="91425" rIns="91425" bIns="91425" anchor="ctr" anchorCtr="0">
+                <a:noAutofit/>
+              </a:bodyPr>
+              <a:lstStyle/>
+              <a:p>
+                <a:pPr marL="0" marR="0" lvl="0" indent="0" algn="l" rtl="0">
+                  <a:lnSpc>
+                    <a:spcPct val="100000"/>
+                  </a:lnSpc>
+                  <a:spcBef>
+                    <a:spcPts val="0"/>
+                  </a:spcBef>
+                  <a:spcAft>
+                    <a:spcPts val="0"/>
+                  </a:spcAft>
+                  <a:buNone/>
+                </a:pPr>
+                <a:endParaRPr/>
+              </a:p>
+            </p:txBody>
+          </p:sp>
+          <p:sp>
+            <p:nvSpPr>
+              <p:cNvPr id="39" name="Google Shape;417;p19"/>
+              <p:cNvSpPr/>
+              <p:nvPr/>
+            </p:nvSpPr>
+            <p:spPr>
+              <a:xfrm>
+                <a:off x="7780013" y="5678102"/>
+                <a:ext cx="495300" cy="507900"/>
+              </a:xfrm>
+              <a:prstGeom prst="ellipse">
+                <a:avLst/>
+              </a:prstGeom>
+              <a:solidFill>
+                <a:srgbClr val="999999"/>
+              </a:solidFill>
+              <a:ln>
+                <a:noFill/>
+              </a:ln>
+            </p:spPr>
+            <p:txBody>
+              <a:bodyPr spcFirstLastPara="1" wrap="square" lIns="91425" tIns="91425" rIns="91425" bIns="91425" anchor="ctr" anchorCtr="0">
+                <a:noAutofit/>
+              </a:bodyPr>
+              <a:lstStyle/>
+              <a:p>
+                <a:pPr marL="0" marR="0" lvl="0" indent="0" algn="l" rtl="0">
+                  <a:lnSpc>
+                    <a:spcPct val="100000"/>
+                  </a:lnSpc>
+                  <a:spcBef>
+                    <a:spcPts val="0"/>
+                  </a:spcBef>
+                  <a:spcAft>
+                    <a:spcPts val="0"/>
+                  </a:spcAft>
+                  <a:buNone/>
+                </a:pPr>
+                <a:endParaRPr/>
+              </a:p>
+            </p:txBody>
+          </p:sp>
+          <p:sp>
+            <p:nvSpPr>
+              <p:cNvPr id="40" name="Google Shape;418;p19"/>
+              <p:cNvSpPr/>
+              <p:nvPr/>
+            </p:nvSpPr>
+            <p:spPr>
+              <a:xfrm>
+                <a:off x="7271880" y="5498539"/>
+                <a:ext cx="495300" cy="507900"/>
+              </a:xfrm>
+              <a:prstGeom prst="ellipse">
+                <a:avLst/>
+              </a:prstGeom>
+              <a:solidFill>
+                <a:srgbClr val="666666"/>
+              </a:solidFill>
+              <a:ln>
+                <a:noFill/>
+              </a:ln>
+            </p:spPr>
+            <p:txBody>
+              <a:bodyPr spcFirstLastPara="1" wrap="square" lIns="91425" tIns="91425" rIns="91425" bIns="91425" anchor="ctr" anchorCtr="0">
+                <a:noAutofit/>
+              </a:bodyPr>
+              <a:lstStyle/>
+              <a:p>
+                <a:pPr marL="0" marR="0" lvl="0" indent="0" algn="l" rtl="0">
+                  <a:lnSpc>
+                    <a:spcPct val="100000"/>
+                  </a:lnSpc>
+                  <a:spcBef>
+                    <a:spcPts val="0"/>
+                  </a:spcBef>
+                  <a:spcAft>
+                    <a:spcPts val="0"/>
+                  </a:spcAft>
+                  <a:buNone/>
+                </a:pPr>
+                <a:endParaRPr/>
+              </a:p>
+            </p:txBody>
+          </p:sp>
+          <p:sp>
+            <p:nvSpPr>
+              <p:cNvPr id="41" name="Google Shape;419;p19"/>
+              <p:cNvSpPr/>
+              <p:nvPr/>
+            </p:nvSpPr>
+            <p:spPr>
+              <a:xfrm>
+                <a:off x="7044125" y="4982408"/>
+                <a:ext cx="495300" cy="507900"/>
+              </a:xfrm>
+              <a:prstGeom prst="ellipse">
+                <a:avLst/>
+              </a:prstGeom>
+              <a:solidFill>
+                <a:srgbClr val="434343"/>
+              </a:solidFill>
+              <a:ln>
+                <a:noFill/>
+              </a:ln>
+            </p:spPr>
+            <p:txBody>
+              <a:bodyPr spcFirstLastPara="1" wrap="square" lIns="91425" tIns="91425" rIns="91425" bIns="91425" anchor="ctr" anchorCtr="0">
+                <a:noAutofit/>
+              </a:bodyPr>
+              <a:lstStyle/>
+              <a:p>
+                <a:pPr marL="0" lvl="0" indent="0" algn="l" rtl="0">
+                  <a:spcBef>
+                    <a:spcPts val="0"/>
+                  </a:spcBef>
+                  <a:spcAft>
+                    <a:spcPts val="0"/>
+                  </a:spcAft>
+                  <a:buNone/>
+                </a:pPr>
+                <a:endParaRPr/>
+              </a:p>
+            </p:txBody>
+          </p:sp>
+        </p:grpSp>
+        <p:sp>
+          <p:nvSpPr>
+            <p:cNvPr id="33" name="Google Shape;420;p19"/>
+            <p:cNvSpPr/>
+            <p:nvPr/>
+          </p:nvSpPr>
+          <p:spPr>
+            <a:xfrm>
+              <a:off x="5116044" y="5771425"/>
+              <a:ext cx="513894" cy="513894"/>
+            </a:xfrm>
+            <a:custGeom>
+              <a:avLst/>
+              <a:gdLst/>
+              <a:ahLst/>
+              <a:cxnLst/>
+              <a:rect l="l" t="t" r="r" b="b"/>
+              <a:pathLst>
+                <a:path w="7441" h="7441" extrusionOk="0">
+                  <a:moveTo>
+                    <a:pt x="232" y="1"/>
+                  </a:moveTo>
+                  <a:cubicBezTo>
+                    <a:pt x="107" y="1"/>
+                    <a:pt x="0" y="108"/>
+                    <a:pt x="0" y="233"/>
+                  </a:cubicBezTo>
+                  <a:cubicBezTo>
+                    <a:pt x="0" y="268"/>
+                    <a:pt x="18" y="286"/>
+                    <a:pt x="18" y="304"/>
+                  </a:cubicBezTo>
+                  <a:lnTo>
+                    <a:pt x="2284" y="7138"/>
+                  </a:lnTo>
+                  <a:cubicBezTo>
+                    <a:pt x="2327" y="7237"/>
+                    <a:pt x="2415" y="7291"/>
+                    <a:pt x="2512" y="7291"/>
+                  </a:cubicBezTo>
+                  <a:cubicBezTo>
+                    <a:pt x="2537" y="7291"/>
+                    <a:pt x="2562" y="7288"/>
+                    <a:pt x="2588" y="7280"/>
+                  </a:cubicBezTo>
+                  <a:cubicBezTo>
+                    <a:pt x="2641" y="7263"/>
+                    <a:pt x="2695" y="7209"/>
+                    <a:pt x="2730" y="7138"/>
+                  </a:cubicBezTo>
+                  <a:lnTo>
+                    <a:pt x="3587" y="4765"/>
+                  </a:lnTo>
+                  <a:lnTo>
+                    <a:pt x="6263" y="7441"/>
+                  </a:lnTo>
+                  <a:lnTo>
+                    <a:pt x="7441" y="6263"/>
+                  </a:lnTo>
+                  <a:lnTo>
+                    <a:pt x="4764" y="3587"/>
+                  </a:lnTo>
+                  <a:lnTo>
+                    <a:pt x="7137" y="2731"/>
+                  </a:lnTo>
+                  <a:cubicBezTo>
+                    <a:pt x="7262" y="2677"/>
+                    <a:pt x="7316" y="2552"/>
+                    <a:pt x="7280" y="2427"/>
+                  </a:cubicBezTo>
+                  <a:cubicBezTo>
+                    <a:pt x="7262" y="2374"/>
+                    <a:pt x="7191" y="2302"/>
+                    <a:pt x="7137" y="2284"/>
+                  </a:cubicBezTo>
+                  <a:lnTo>
+                    <a:pt x="304" y="18"/>
+                  </a:lnTo>
+                  <a:cubicBezTo>
+                    <a:pt x="286" y="1"/>
+                    <a:pt x="250" y="1"/>
+                    <a:pt x="232" y="1"/>
+                  </a:cubicBezTo>
+                  <a:close/>
+                </a:path>
+              </a:pathLst>
+            </a:custGeom>
+            <a:ln>
+              <a:headEnd type="none" w="sm" len="sm"/>
+              <a:tailEnd type="none" w="sm" len="sm"/>
+            </a:ln>
+          </p:spPr>
+          <p:style>
+            <a:lnRef idx="3">
+              <a:schemeClr val="lt1"/>
+            </a:lnRef>
+            <a:fillRef idx="1">
+              <a:schemeClr val="dk1"/>
+            </a:fillRef>
+            <a:effectRef idx="1">
+              <a:schemeClr val="dk1"/>
+            </a:effectRef>
+            <a:fontRef idx="minor">
+              <a:schemeClr val="lt1"/>
+            </a:fontRef>
+          </p:style>
+          <p:txBody>
+            <a:bodyPr spcFirstLastPara="1" wrap="square" lIns="91425" tIns="91425" rIns="91425" bIns="91425" anchor="ctr" anchorCtr="0">
+              <a:noAutofit/>
+            </a:bodyPr>
+            <a:lstStyle/>
+            <a:p>
+              <a:pPr marL="0" lvl="0" indent="0" algn="l" rtl="0">
+                <a:spcBef>
+                  <a:spcPts val="0"/>
+                </a:spcBef>
+                <a:spcAft>
+                  <a:spcPts val="0"/>
+                </a:spcAft>
+                <a:buNone/>
+              </a:pPr>
+              <a:endParaRPr/>
+            </a:p>
+          </p:txBody>
+        </p:sp>
+      </p:grpSp>
       <p:sp>
         <p:nvSpPr>
-          <p:cNvPr id="2" name="Title 1"/>
-          <p:cNvSpPr>
-            <a:spLocks noGrp="1"/>
-          </p:cNvSpPr>
-          <p:nvPr>
-            <p:ph type="ctrTitle"/>
-          </p:nvPr>
+          <p:cNvPr id="42" name="TextBox 41"/>
+          <p:cNvSpPr txBox="1"/>
+          <p:nvPr/>
         </p:nvSpPr>
         <p:spPr>
           <a:xfrm>
-            <a:off x="1266422" y="2101158"/>
-            <a:ext cx="9144000" cy="2387600"/>
+            <a:off x="8384345" y="2027087"/>
+            <a:ext cx="3587261" cy="1754326"/>
           </a:xfrm>
+          <a:prstGeom prst="rect">
+            <a:avLst/>
+          </a:prstGeom>
+          <a:noFill/>
         </p:spPr>
         <p:txBody>
-          <a:bodyPr>
-            <a:normAutofit/>
+          <a:bodyPr wrap="square" rtlCol="0">
+            <a:spAutoFit/>
           </a:bodyPr>
           <a:lstStyle/>
           <a:p>
             <a:r>
-              <a:rPr lang="en-US" dirty="0" err="1" smtClean="0"/>
-              <a:t>ArgoUML</a:t>
+              <a:rPr lang="en-GB" sz="3600" kern="0" dirty="0" smtClean="0">
+                <a:solidFill>
+                  <a:srgbClr val="000000"/>
+                </a:solidFill>
+                <a:latin typeface="Press Start 2P"/>
+                <a:sym typeface="Press Start 2P"/>
+              </a:rPr>
+              <a:t>Railway</a:t>
             </a:r>
+          </a:p>
+          <a:p>
             <a:r>
-              <a:rPr lang="en-US" b="1" dirty="0" smtClean="0"/>
-              <a:t> </a:t>
+              <a:rPr lang="en-GB" sz="3600" kern="0" dirty="0" smtClean="0">
+                <a:solidFill>
+                  <a:srgbClr val="000000"/>
+                </a:solidFill>
+                <a:latin typeface="Press Start 2P"/>
+                <a:sym typeface="Press Start 2P"/>
+              </a:rPr>
+              <a:t>	Reservation</a:t>
             </a:r>
-            <a:br>
-              <a:rPr lang="en-US" b="1" dirty="0" smtClean="0"/>
-            </a:br>
-            <a:endParaRPr lang="en-US" dirty="0"/>
+          </a:p>
+          <a:p>
+            <a:r>
+              <a:rPr lang="en-GB" sz="3600" kern="0" dirty="0" smtClean="0">
+                <a:solidFill>
+                  <a:srgbClr val="000000"/>
+                </a:solidFill>
+                <a:latin typeface="Press Start 2P"/>
+                <a:sym typeface="Press Start 2P"/>
+              </a:rPr>
+              <a:t>system</a:t>
+            </a:r>
           </a:p>
         </p:txBody>
       </p:sp>
     </p:spTree>
     <p:extLst>
       <p:ext uri="{BB962C8B-B14F-4D97-AF65-F5344CB8AC3E}">
-        <p14:creationId xmlns:p14="http://schemas.microsoft.com/office/powerpoint/2010/main" val="1573909719"/>
+        <p14:creationId xmlns:p14="http://schemas.microsoft.com/office/powerpoint/2010/main" val="556569632"/>
       </p:ext>
     </p:extLst>
   </p:cSld>
@@ -3040,6 +3601,14 @@
 <file path=ppt/slides/slide10.xml><?xml version="1.0" encoding="utf-8"?>
 <p:sld xmlns:a="http://schemas.openxmlformats.org/drawingml/2006/main" xmlns:r="http://schemas.openxmlformats.org/officeDocument/2006/relationships" xmlns:p="http://schemas.openxmlformats.org/presentationml/2006/main">
   <p:cSld>
+    <p:bg>
+      <p:bgPr>
+        <a:solidFill>
+          <a:schemeClr val="bg1"/>
+        </a:solidFill>
+        <a:effectLst/>
+      </p:bgPr>
+    </p:bg>
     <p:spTree>
       <p:nvGrpSpPr>
         <p:cNvPr id="1" name=""/>
@@ -3054,9 +3623,131 @@
           <a:chExt cx="0" cy="0"/>
         </a:xfrm>
       </p:grpSpPr>
+      <p:sp>
+        <p:nvSpPr>
+          <p:cNvPr id="20" name="Text Placeholder 19"/>
+          <p:cNvSpPr>
+            <a:spLocks noGrp="1"/>
+          </p:cNvSpPr>
+          <p:nvPr>
+            <p:ph type="body" sz="half" idx="2"/>
+          </p:nvPr>
+        </p:nvSpPr>
+        <p:spPr>
+          <a:xfrm>
+            <a:off x="0" y="-1"/>
+            <a:ext cx="8174736" cy="6858001"/>
+          </a:xfrm>
+        </p:spPr>
+        <p:style>
+          <a:lnRef idx="1">
+            <a:schemeClr val="accent3"/>
+          </a:lnRef>
+          <a:fillRef idx="2">
+            <a:schemeClr val="accent3"/>
+          </a:fillRef>
+          <a:effectRef idx="1">
+            <a:schemeClr val="accent3"/>
+          </a:effectRef>
+          <a:fontRef idx="minor">
+            <a:schemeClr val="dk1"/>
+          </a:fontRef>
+        </p:style>
+        <p:txBody>
+          <a:bodyPr/>
+          <a:lstStyle/>
+          <a:p>
+            <a:endParaRPr lang="en-US" dirty="0"/>
+          </a:p>
+          <a:p>
+            <a:endParaRPr lang="en-US" dirty="0"/>
+          </a:p>
+        </p:txBody>
+      </p:sp>
+      <p:sp>
+        <p:nvSpPr>
+          <p:cNvPr id="26" name="TextBox 25"/>
+          <p:cNvSpPr txBox="1"/>
+          <p:nvPr/>
+        </p:nvSpPr>
+        <p:spPr>
+          <a:xfrm>
+            <a:off x="0" y="407962"/>
+            <a:ext cx="7976382" cy="1200329"/>
+          </a:xfrm>
+          <a:prstGeom prst="rect">
+            <a:avLst/>
+          </a:prstGeom>
+          <a:noFill/>
+        </p:spPr>
+        <p:txBody>
+          <a:bodyPr wrap="square" rtlCol="0">
+            <a:spAutoFit/>
+          </a:bodyPr>
+          <a:lstStyle/>
+          <a:p>
+            <a:r>
+              <a:rPr lang="en-US" b="1" dirty="0"/>
+              <a:t>Component</a:t>
+            </a:r>
+          </a:p>
+          <a:p>
+            <a:r>
+              <a:rPr lang="en-US" dirty="0"/>
+              <a:t>A component is a logical unit block of the system, a slightly higher abstraction than classes.</a:t>
+            </a:r>
+            <a:endParaRPr lang="en-US" b="1" dirty="0"/>
+          </a:p>
+          <a:p>
+            <a:endParaRPr lang="en-US" dirty="0"/>
+          </a:p>
+        </p:txBody>
+      </p:sp>
+      <p:sp>
+        <p:nvSpPr>
+          <p:cNvPr id="27" name="TextBox 26"/>
+          <p:cNvSpPr txBox="1"/>
+          <p:nvPr/>
+        </p:nvSpPr>
+        <p:spPr>
+          <a:xfrm>
+            <a:off x="0" y="1821668"/>
+            <a:ext cx="8240846" cy="923330"/>
+          </a:xfrm>
+          <a:prstGeom prst="rect">
+            <a:avLst/>
+          </a:prstGeom>
+          <a:noFill/>
+        </p:spPr>
+        <p:txBody>
+          <a:bodyPr wrap="none" rtlCol="0">
+            <a:spAutoFit/>
+          </a:bodyPr>
+          <a:lstStyle/>
+          <a:p>
+            <a:r>
+              <a:rPr lang="en-US" dirty="0"/>
+              <a:t> </a:t>
+            </a:r>
+            <a:r>
+              <a:rPr lang="en-US" b="1" dirty="0"/>
+              <a:t>interface </a:t>
+            </a:r>
+          </a:p>
+          <a:p>
+            <a:r>
+              <a:rPr lang="en-US" dirty="0"/>
+              <a:t> describes a group of operations used (required) or created (provided) by components</a:t>
+            </a:r>
+          </a:p>
+          <a:p>
+            <a:endParaRPr lang="en-US" dirty="0"/>
+          </a:p>
+        </p:txBody>
+      </p:sp>
       <p:pic>
         <p:nvPicPr>
-          <p:cNvPr id="4" name="Picture 3"/>
+          <p:cNvPr id="28" name="Picture 27"/>
           <p:cNvPicPr>
             <a:picLocks noChangeAspect="1"/>
           </p:cNvPicPr>
@@ -3076,8 +3767,183 @@
         </p:blipFill>
         <p:spPr>
           <a:xfrm>
-            <a:off x="0" y="0"/>
-            <a:ext cx="12192000" cy="6858000"/>
+            <a:off x="8395392" y="1821668"/>
+            <a:ext cx="3646353" cy="1067667"/>
+          </a:xfrm>
+          <a:prstGeom prst="rect">
+            <a:avLst/>
+          </a:prstGeom>
+        </p:spPr>
+      </p:pic>
+      <p:sp>
+        <p:nvSpPr>
+          <p:cNvPr id="29" name="TextBox 28"/>
+          <p:cNvSpPr txBox="1"/>
+          <p:nvPr/>
+        </p:nvSpPr>
+        <p:spPr>
+          <a:xfrm>
+            <a:off x="0" y="3341588"/>
+            <a:ext cx="8174736" cy="1200329"/>
+          </a:xfrm>
+          <a:prstGeom prst="rect">
+            <a:avLst/>
+          </a:prstGeom>
+          <a:noFill/>
+        </p:spPr>
+        <p:txBody>
+          <a:bodyPr wrap="square" rtlCol="0">
+            <a:spAutoFit/>
+          </a:bodyPr>
+          <a:lstStyle/>
+          <a:p>
+            <a:r>
+              <a:rPr lang="en-US" b="1" dirty="0"/>
+              <a:t>Dependencies</a:t>
+            </a:r>
+          </a:p>
+          <a:p>
+            <a:r>
+              <a:rPr lang="en-US" dirty="0"/>
+              <a:t>A dependency is a relationship that signifies that a single or a set of model elements requires other model elements for their </a:t>
+            </a:r>
+            <a:r>
+              <a:rPr lang="en-US" dirty="0" smtClean="0"/>
+              <a:t>implementation</a:t>
+            </a:r>
+            <a:r>
+              <a:rPr lang="en-US" dirty="0"/>
+              <a:t>.</a:t>
+            </a:r>
+            <a:endParaRPr lang="en-US" b="1" dirty="0"/>
+          </a:p>
+          <a:p>
+            <a:endParaRPr lang="en-US" dirty="0"/>
+          </a:p>
+        </p:txBody>
+      </p:sp>
+      <p:pic>
+        <p:nvPicPr>
+          <p:cNvPr id="30" name="Picture 29"/>
+          <p:cNvPicPr>
+            <a:picLocks noChangeAspect="1"/>
+          </p:cNvPicPr>
+          <p:nvPr/>
+        </p:nvPicPr>
+        <p:blipFill>
+          <a:blip r:embed="rId3">
+            <a:extLst>
+              <a:ext uri="{28A0092B-C50C-407E-A947-70E740481C1C}">
+                <a14:useLocalDpi xmlns:a14="http://schemas.microsoft.com/office/drawing/2010/main" val="0"/>
+              </a:ext>
+            </a:extLst>
+          </a:blip>
+          <a:stretch>
+            <a:fillRect/>
+          </a:stretch>
+        </p:blipFill>
+        <p:spPr>
+          <a:xfrm>
+            <a:off x="8240846" y="3502830"/>
+            <a:ext cx="3838575" cy="1123950"/>
+          </a:xfrm>
+          <a:prstGeom prst="rect">
+            <a:avLst/>
+          </a:prstGeom>
+        </p:spPr>
+      </p:pic>
+      <p:sp>
+        <p:nvSpPr>
+          <p:cNvPr id="31" name="TextBox 30"/>
+          <p:cNvSpPr txBox="1"/>
+          <p:nvPr/>
+        </p:nvSpPr>
+        <p:spPr>
+          <a:xfrm>
+            <a:off x="126609" y="5138507"/>
+            <a:ext cx="6786666" cy="923330"/>
+          </a:xfrm>
+          <a:prstGeom prst="rect">
+            <a:avLst/>
+          </a:prstGeom>
+          <a:noFill/>
+        </p:spPr>
+        <p:txBody>
+          <a:bodyPr wrap="none" rtlCol="0">
+            <a:spAutoFit/>
+          </a:bodyPr>
+          <a:lstStyle/>
+          <a:p>
+            <a:r>
+              <a:rPr lang="en-US" b="1" dirty="0"/>
+              <a:t>Port</a:t>
+            </a:r>
+          </a:p>
+          <a:p>
+            <a:r>
+              <a:rPr lang="en-US" dirty="0"/>
+              <a:t>used to help expose required and provided interfaces of a component.</a:t>
+            </a:r>
+          </a:p>
+          <a:p>
+            <a:endParaRPr lang="en-US" dirty="0"/>
+          </a:p>
+        </p:txBody>
+      </p:sp>
+      <p:pic>
+        <p:nvPicPr>
+          <p:cNvPr id="32" name="Picture 31"/>
+          <p:cNvPicPr>
+            <a:picLocks noChangeAspect="1"/>
+          </p:cNvPicPr>
+          <p:nvPr/>
+        </p:nvPicPr>
+        <p:blipFill>
+          <a:blip r:embed="rId4">
+            <a:extLst>
+              <a:ext uri="{28A0092B-C50C-407E-A947-70E740481C1C}">
+                <a14:useLocalDpi xmlns:a14="http://schemas.microsoft.com/office/drawing/2010/main" val="0"/>
+              </a:ext>
+            </a:extLst>
+          </a:blip>
+          <a:stretch>
+            <a:fillRect/>
+          </a:stretch>
+        </p:blipFill>
+        <p:spPr>
+          <a:xfrm>
+            <a:off x="8203170" y="5240275"/>
+            <a:ext cx="3838575" cy="1123950"/>
+          </a:xfrm>
+          <a:prstGeom prst="rect">
+            <a:avLst/>
+          </a:prstGeom>
+        </p:spPr>
+      </p:pic>
+      <p:pic>
+        <p:nvPicPr>
+          <p:cNvPr id="33" name="Picture 32"/>
+          <p:cNvPicPr>
+            <a:picLocks noChangeAspect="1"/>
+          </p:cNvPicPr>
+          <p:nvPr/>
+        </p:nvPicPr>
+        <p:blipFill>
+          <a:blip r:embed="rId5">
+            <a:extLst>
+              <a:ext uri="{28A0092B-C50C-407E-A947-70E740481C1C}">
+                <a14:useLocalDpi xmlns:a14="http://schemas.microsoft.com/office/drawing/2010/main" val="0"/>
+              </a:ext>
+            </a:extLst>
+          </a:blip>
+          <a:stretch>
+            <a:fillRect/>
+          </a:stretch>
+        </p:blipFill>
+        <p:spPr>
+          <a:xfrm>
+            <a:off x="8975555" y="407962"/>
+            <a:ext cx="2486025" cy="838200"/>
           </a:xfrm>
           <a:prstGeom prst="rect">
             <a:avLst/>
@@ -3087,7 +3953,7 @@
     </p:spTree>
     <p:extLst>
       <p:ext uri="{BB962C8B-B14F-4D97-AF65-F5344CB8AC3E}">
-        <p14:creationId xmlns:p14="http://schemas.microsoft.com/office/powerpoint/2010/main" val="2200775832"/>
+        <p14:creationId xmlns:p14="http://schemas.microsoft.com/office/powerpoint/2010/main" val="1985385218"/>
       </p:ext>
     </p:extLst>
   </p:cSld>
@@ -3123,14 +3989,23 @@
       </p:grpSpPr>
       <p:pic>
         <p:nvPicPr>
-          <p:cNvPr id="8" name="Picture 7"/>
+          <p:cNvPr id="4" name="Picture 3"/>
           <p:cNvPicPr>
             <a:picLocks noChangeAspect="1"/>
           </p:cNvPicPr>
           <p:nvPr/>
         </p:nvPicPr>
         <p:blipFill>
-          <a:blip r:embed="rId2" cstate="print">
+          <a:blip r:embed="rId2">
+            <a:duotone>
+              <a:prstClr val="black"/>
+              <a:schemeClr val="tx1">
+                <a:lumMod val="50000"/>
+                <a:lumOff val="50000"/>
+                <a:tint val="45000"/>
+                <a:satMod val="400000"/>
+              </a:schemeClr>
+            </a:duotone>
             <a:extLst>
               <a:ext uri="{28A0092B-C50C-407E-A947-70E740481C1C}">
                 <a14:useLocalDpi xmlns:a14="http://schemas.microsoft.com/office/drawing/2010/main" val="0"/>
@@ -3143,7 +4018,7 @@
         </p:blipFill>
         <p:spPr>
           <a:xfrm>
-            <a:off x="0" y="0"/>
+            <a:off x="0" y="-14068"/>
             <a:ext cx="12192000" cy="6858000"/>
           </a:xfrm>
           <a:prstGeom prst="rect">
@@ -3154,7 +4029,7 @@
     </p:spTree>
     <p:extLst>
       <p:ext uri="{BB962C8B-B14F-4D97-AF65-F5344CB8AC3E}">
-        <p14:creationId xmlns:p14="http://schemas.microsoft.com/office/powerpoint/2010/main" val="3286898893"/>
+        <p14:creationId xmlns:p14="http://schemas.microsoft.com/office/powerpoint/2010/main" val="2200775832"/>
       </p:ext>
     </p:extLst>
   </p:cSld>
@@ -3174,6 +4049,341 @@
 <file path=ppt/slides/slide12.xml><?xml version="1.0" encoding="utf-8"?>
 <p:sld xmlns:a="http://schemas.openxmlformats.org/drawingml/2006/main" xmlns:r="http://schemas.openxmlformats.org/officeDocument/2006/relationships" xmlns:p="http://schemas.openxmlformats.org/presentationml/2006/main">
   <p:cSld>
+    <p:bg>
+      <p:bgPr>
+        <a:solidFill>
+          <a:schemeClr val="bg1"/>
+        </a:solidFill>
+        <a:effectLst/>
+      </p:bgPr>
+    </p:bg>
+    <p:spTree>
+      <p:nvGrpSpPr>
+        <p:cNvPr id="1" name=""/>
+        <p:cNvGrpSpPr/>
+        <p:nvPr/>
+      </p:nvGrpSpPr>
+      <p:grpSpPr>
+        <a:xfrm>
+          <a:off x="0" y="0"/>
+          <a:ext cx="0" cy="0"/>
+          <a:chOff x="0" y="0"/>
+          <a:chExt cx="0" cy="0"/>
+        </a:xfrm>
+      </p:grpSpPr>
+      <p:sp>
+        <p:nvSpPr>
+          <p:cNvPr id="2" name="Text Placeholder 19"/>
+          <p:cNvSpPr txBox="1">
+            <a:spLocks/>
+          </p:cNvSpPr>
+          <p:nvPr/>
+        </p:nvSpPr>
+        <p:spPr>
+          <a:xfrm>
+            <a:off x="0" y="-1"/>
+            <a:ext cx="8174736" cy="6858001"/>
+          </a:xfrm>
+          <a:prstGeom prst="rect">
+            <a:avLst/>
+          </a:prstGeom>
+        </p:spPr>
+        <p:style>
+          <a:lnRef idx="1">
+            <a:schemeClr val="accent3"/>
+          </a:lnRef>
+          <a:fillRef idx="2">
+            <a:schemeClr val="accent3"/>
+          </a:fillRef>
+          <a:effectRef idx="1">
+            <a:schemeClr val="accent3"/>
+          </a:effectRef>
+          <a:fontRef idx="minor">
+            <a:schemeClr val="dk1"/>
+          </a:fontRef>
+        </p:style>
+        <p:txBody>
+          <a:bodyPr/>
+          <a:lstStyle>
+            <a:lvl1pPr marL="228600" indent="-228600" algn="l" defTabSz="914400" rtl="0" eaLnBrk="1" latinLnBrk="0" hangingPunct="1">
+              <a:lnSpc>
+                <a:spcPct val="90000"/>
+              </a:lnSpc>
+              <a:spcBef>
+                <a:spcPts val="1000"/>
+              </a:spcBef>
+              <a:buFont typeface="Arial" panose="020B0604020202020204" pitchFamily="34" charset="0"/>
+              <a:buChar char="•"/>
+              <a:defRPr sz="2800" kern="1200">
+                <a:solidFill>
+                  <a:schemeClr val="dk1"/>
+                </a:solidFill>
+                <a:latin typeface="+mn-lt"/>
+                <a:ea typeface="+mn-ea"/>
+                <a:cs typeface="+mn-cs"/>
+              </a:defRPr>
+            </a:lvl1pPr>
+            <a:lvl2pPr marL="685800" indent="-228600" algn="l" defTabSz="914400" rtl="0" eaLnBrk="1" latinLnBrk="0" hangingPunct="1">
+              <a:lnSpc>
+                <a:spcPct val="90000"/>
+              </a:lnSpc>
+              <a:spcBef>
+                <a:spcPts val="500"/>
+              </a:spcBef>
+              <a:buFont typeface="Arial" panose="020B0604020202020204" pitchFamily="34" charset="0"/>
+              <a:buChar char="•"/>
+              <a:defRPr sz="2400" kern="1200">
+                <a:solidFill>
+                  <a:schemeClr val="dk1"/>
+                </a:solidFill>
+                <a:latin typeface="+mn-lt"/>
+                <a:ea typeface="+mn-ea"/>
+                <a:cs typeface="+mn-cs"/>
+              </a:defRPr>
+            </a:lvl2pPr>
+            <a:lvl3pPr marL="1143000" indent="-228600" algn="l" defTabSz="914400" rtl="0" eaLnBrk="1" latinLnBrk="0" hangingPunct="1">
+              <a:lnSpc>
+                <a:spcPct val="90000"/>
+              </a:lnSpc>
+              <a:spcBef>
+                <a:spcPts val="500"/>
+              </a:spcBef>
+              <a:buFont typeface="Arial" panose="020B0604020202020204" pitchFamily="34" charset="0"/>
+              <a:buChar char="•"/>
+              <a:defRPr sz="2000" kern="1200">
+                <a:solidFill>
+                  <a:schemeClr val="dk1"/>
+                </a:solidFill>
+                <a:latin typeface="+mn-lt"/>
+                <a:ea typeface="+mn-ea"/>
+                <a:cs typeface="+mn-cs"/>
+              </a:defRPr>
+            </a:lvl3pPr>
+            <a:lvl4pPr marL="1600200" indent="-228600" algn="l" defTabSz="914400" rtl="0" eaLnBrk="1" latinLnBrk="0" hangingPunct="1">
+              <a:lnSpc>
+                <a:spcPct val="90000"/>
+              </a:lnSpc>
+              <a:spcBef>
+                <a:spcPts val="500"/>
+              </a:spcBef>
+              <a:buFont typeface="Arial" panose="020B0604020202020204" pitchFamily="34" charset="0"/>
+              <a:buChar char="•"/>
+              <a:defRPr sz="1800" kern="1200">
+                <a:solidFill>
+                  <a:schemeClr val="dk1"/>
+                </a:solidFill>
+                <a:latin typeface="+mn-lt"/>
+                <a:ea typeface="+mn-ea"/>
+                <a:cs typeface="+mn-cs"/>
+              </a:defRPr>
+            </a:lvl4pPr>
+            <a:lvl5pPr marL="2057400" indent="-228600" algn="l" defTabSz="914400" rtl="0" eaLnBrk="1" latinLnBrk="0" hangingPunct="1">
+              <a:lnSpc>
+                <a:spcPct val="90000"/>
+              </a:lnSpc>
+              <a:spcBef>
+                <a:spcPts val="500"/>
+              </a:spcBef>
+              <a:buFont typeface="Arial" panose="020B0604020202020204" pitchFamily="34" charset="0"/>
+              <a:buChar char="•"/>
+              <a:defRPr sz="1800" kern="1200">
+                <a:solidFill>
+                  <a:schemeClr val="dk1"/>
+                </a:solidFill>
+                <a:latin typeface="+mn-lt"/>
+                <a:ea typeface="+mn-ea"/>
+                <a:cs typeface="+mn-cs"/>
+              </a:defRPr>
+            </a:lvl5pPr>
+            <a:lvl6pPr marL="2514600" indent="-228600" algn="l" defTabSz="914400" rtl="0" eaLnBrk="1" latinLnBrk="0" hangingPunct="1">
+              <a:lnSpc>
+                <a:spcPct val="90000"/>
+              </a:lnSpc>
+              <a:spcBef>
+                <a:spcPts val="500"/>
+              </a:spcBef>
+              <a:buFont typeface="Arial" panose="020B0604020202020204" pitchFamily="34" charset="0"/>
+              <a:buChar char="•"/>
+              <a:defRPr sz="1800" kern="1200">
+                <a:solidFill>
+                  <a:schemeClr val="dk1"/>
+                </a:solidFill>
+                <a:latin typeface="+mn-lt"/>
+                <a:ea typeface="+mn-ea"/>
+                <a:cs typeface="+mn-cs"/>
+              </a:defRPr>
+            </a:lvl6pPr>
+            <a:lvl7pPr marL="2971800" indent="-228600" algn="l" defTabSz="914400" rtl="0" eaLnBrk="1" latinLnBrk="0" hangingPunct="1">
+              <a:lnSpc>
+                <a:spcPct val="90000"/>
+              </a:lnSpc>
+              <a:spcBef>
+                <a:spcPts val="500"/>
+              </a:spcBef>
+              <a:buFont typeface="Arial" panose="020B0604020202020204" pitchFamily="34" charset="0"/>
+              <a:buChar char="•"/>
+              <a:defRPr sz="1800" kern="1200">
+                <a:solidFill>
+                  <a:schemeClr val="dk1"/>
+                </a:solidFill>
+                <a:latin typeface="+mn-lt"/>
+                <a:ea typeface="+mn-ea"/>
+                <a:cs typeface="+mn-cs"/>
+              </a:defRPr>
+            </a:lvl7pPr>
+            <a:lvl8pPr marL="3429000" indent="-228600" algn="l" defTabSz="914400" rtl="0" eaLnBrk="1" latinLnBrk="0" hangingPunct="1">
+              <a:lnSpc>
+                <a:spcPct val="90000"/>
+              </a:lnSpc>
+              <a:spcBef>
+                <a:spcPts val="500"/>
+              </a:spcBef>
+              <a:buFont typeface="Arial" panose="020B0604020202020204" pitchFamily="34" charset="0"/>
+              <a:buChar char="•"/>
+              <a:defRPr sz="1800" kern="1200">
+                <a:solidFill>
+                  <a:schemeClr val="dk1"/>
+                </a:solidFill>
+                <a:latin typeface="+mn-lt"/>
+                <a:ea typeface="+mn-ea"/>
+                <a:cs typeface="+mn-cs"/>
+              </a:defRPr>
+            </a:lvl8pPr>
+            <a:lvl9pPr marL="3886200" indent="-228600" algn="l" defTabSz="914400" rtl="0" eaLnBrk="1" latinLnBrk="0" hangingPunct="1">
+              <a:lnSpc>
+                <a:spcPct val="90000"/>
+              </a:lnSpc>
+              <a:spcBef>
+                <a:spcPts val="500"/>
+              </a:spcBef>
+              <a:buFont typeface="Arial" panose="020B0604020202020204" pitchFamily="34" charset="0"/>
+              <a:buChar char="•"/>
+              <a:defRPr sz="1800" kern="1200">
+                <a:solidFill>
+                  <a:schemeClr val="dk1"/>
+                </a:solidFill>
+                <a:latin typeface="+mn-lt"/>
+                <a:ea typeface="+mn-ea"/>
+                <a:cs typeface="+mn-cs"/>
+              </a:defRPr>
+            </a:lvl9pPr>
+          </a:lstStyle>
+          <a:p>
+            <a:endParaRPr lang="en-US" smtClean="0"/>
+          </a:p>
+          <a:p>
+            <a:endParaRPr lang="en-US" dirty="0"/>
+          </a:p>
+        </p:txBody>
+      </p:sp>
+      <p:pic>
+        <p:nvPicPr>
+          <p:cNvPr id="3" name="Picture 2"/>
+          <p:cNvPicPr>
+            <a:picLocks noChangeAspect="1"/>
+          </p:cNvPicPr>
+          <p:nvPr/>
+        </p:nvPicPr>
+        <p:blipFill>
+          <a:blip r:embed="rId2">
+            <a:extLst>
+              <a:ext uri="{28A0092B-C50C-407E-A947-70E740481C1C}">
+                <a14:useLocalDpi xmlns:a14="http://schemas.microsoft.com/office/drawing/2010/main" val="0"/>
+              </a:ext>
+            </a:extLst>
+          </a:blip>
+          <a:stretch>
+            <a:fillRect/>
+          </a:stretch>
+        </p:blipFill>
+        <p:spPr>
+          <a:xfrm>
+            <a:off x="1876439" y="925698"/>
+            <a:ext cx="4218814" cy="4218814"/>
+          </a:xfrm>
+          <a:prstGeom prst="rect">
+            <a:avLst/>
+          </a:prstGeom>
+        </p:spPr>
+      </p:pic>
+      <p:sp>
+        <p:nvSpPr>
+          <p:cNvPr id="4" name="TextBox 3"/>
+          <p:cNvSpPr txBox="1"/>
+          <p:nvPr/>
+        </p:nvSpPr>
+        <p:spPr>
+          <a:xfrm>
+            <a:off x="8412481" y="3246046"/>
+            <a:ext cx="3549370" cy="984885"/>
+          </a:xfrm>
+          <a:prstGeom prst="rect">
+            <a:avLst/>
+          </a:prstGeom>
+          <a:noFill/>
+        </p:spPr>
+        <p:txBody>
+          <a:bodyPr wrap="none" rtlCol="0">
+            <a:spAutoFit/>
+          </a:bodyPr>
+          <a:lstStyle/>
+          <a:p>
+            <a:pPr lvl="0"/>
+            <a:r>
+              <a:rPr lang="en-US" sz="4000" dirty="0" smtClean="0">
+                <a:solidFill>
+                  <a:prstClr val="black"/>
+                </a:solidFill>
+                <a:latin typeface="Press Start 2P"/>
+              </a:rPr>
+              <a:t>Class Diagram</a:t>
+            </a:r>
+            <a:endParaRPr lang="en-US" sz="4000" dirty="0">
+              <a:solidFill>
+                <a:prstClr val="black"/>
+              </a:solidFill>
+              <a:latin typeface="Press Start 2P"/>
+            </a:endParaRPr>
+          </a:p>
+          <a:p>
+            <a:endParaRPr lang="en-US" dirty="0"/>
+          </a:p>
+        </p:txBody>
+      </p:sp>
+    </p:spTree>
+    <p:extLst>
+      <p:ext uri="{BB962C8B-B14F-4D97-AF65-F5344CB8AC3E}">
+        <p14:creationId xmlns:p14="http://schemas.microsoft.com/office/powerpoint/2010/main" val="3573481650"/>
+      </p:ext>
+    </p:extLst>
+  </p:cSld>
+  <p:clrMapOvr>
+    <a:masterClrMapping/>
+  </p:clrMapOvr>
+  <p:timing>
+    <p:tnLst>
+      <p:par>
+        <p:cTn id="1" dur="indefinite" restart="never" nodeType="tmRoot"/>
+      </p:par>
+    </p:tnLst>
+  </p:timing>
+</p:sld>
+</file>
+
+<file path=ppt/slides/slide13.xml><?xml version="1.0" encoding="utf-8"?>
+<p:sld xmlns:a="http://schemas.openxmlformats.org/drawingml/2006/main" xmlns:r="http://schemas.openxmlformats.org/officeDocument/2006/relationships" xmlns:p="http://schemas.openxmlformats.org/presentationml/2006/main">
+  <p:cSld>
+    <p:bg>
+      <p:bgPr>
+        <a:solidFill>
+          <a:schemeClr val="tx1">
+            <a:lumMod val="50000"/>
+            <a:lumOff val="50000"/>
+          </a:schemeClr>
+        </a:solidFill>
+        <a:effectLst/>
+      </p:bgPr>
+    </p:bg>
     <p:spTree>
       <p:nvGrpSpPr>
         <p:cNvPr id="1" name=""/>
@@ -3198,6 +4408,15 @@
         </p:nvPicPr>
         <p:blipFill>
           <a:blip r:embed="rId2">
+            <a:duotone>
+              <a:prstClr val="black"/>
+              <a:schemeClr val="tx1">
+                <a:lumMod val="50000"/>
+                <a:lumOff val="50000"/>
+                <a:tint val="45000"/>
+                <a:satMod val="400000"/>
+              </a:schemeClr>
+            </a:duotone>
             <a:extLst>
               <a:ext uri="{28A0092B-C50C-407E-A947-70E740481C1C}">
                 <a14:useLocalDpi xmlns:a14="http://schemas.microsoft.com/office/drawing/2010/main" val="0"/>
@@ -3210,8 +4429,8 @@
         </p:blipFill>
         <p:spPr>
           <a:xfrm>
-            <a:off x="676141" y="475980"/>
-            <a:ext cx="10579994" cy="6362293"/>
+            <a:off x="-1" y="1"/>
+            <a:ext cx="12192001" cy="6858000"/>
           </a:xfrm>
           <a:prstGeom prst="rect">
             <a:avLst/>
@@ -3221,7 +4440,618 @@
     </p:spTree>
     <p:extLst>
       <p:ext uri="{BB962C8B-B14F-4D97-AF65-F5344CB8AC3E}">
-        <p14:creationId xmlns:p14="http://schemas.microsoft.com/office/powerpoint/2010/main" val="2288874018"/>
+        <p14:creationId xmlns:p14="http://schemas.microsoft.com/office/powerpoint/2010/main" val="221342521"/>
+      </p:ext>
+    </p:extLst>
+  </p:cSld>
+  <p:clrMapOvr>
+    <a:masterClrMapping/>
+  </p:clrMapOvr>
+  <p:timing>
+    <p:tnLst>
+      <p:par>
+        <p:cTn id="1" dur="indefinite" restart="never" nodeType="tmRoot"/>
+      </p:par>
+    </p:tnLst>
+  </p:timing>
+</p:sld>
+</file>
+
+<file path=ppt/slides/slide14.xml><?xml version="1.0" encoding="utf-8"?>
+<p:sld xmlns:a="http://schemas.openxmlformats.org/drawingml/2006/main" xmlns:r="http://schemas.openxmlformats.org/officeDocument/2006/relationships" xmlns:p="http://schemas.openxmlformats.org/presentationml/2006/main">
+  <p:cSld>
+    <p:bg>
+      <p:bgPr>
+        <a:solidFill>
+          <a:schemeClr val="bg1"/>
+        </a:solidFill>
+        <a:effectLst/>
+      </p:bgPr>
+    </p:bg>
+    <p:spTree>
+      <p:nvGrpSpPr>
+        <p:cNvPr id="1" name=""/>
+        <p:cNvGrpSpPr/>
+        <p:nvPr/>
+      </p:nvGrpSpPr>
+      <p:grpSpPr>
+        <a:xfrm>
+          <a:off x="0" y="0"/>
+          <a:ext cx="0" cy="0"/>
+          <a:chOff x="0" y="0"/>
+          <a:chExt cx="0" cy="0"/>
+        </a:xfrm>
+      </p:grpSpPr>
+      <p:pic>
+        <p:nvPicPr>
+          <p:cNvPr id="4" name="Picture 3"/>
+          <p:cNvPicPr>
+            <a:picLocks noChangeAspect="1"/>
+          </p:cNvPicPr>
+          <p:nvPr/>
+        </p:nvPicPr>
+        <p:blipFill>
+          <a:blip r:embed="rId2">
+            <a:duotone>
+              <a:prstClr val="black"/>
+              <a:schemeClr val="tx1">
+                <a:lumMod val="50000"/>
+                <a:lumOff val="50000"/>
+                <a:tint val="45000"/>
+                <a:satMod val="400000"/>
+              </a:schemeClr>
+            </a:duotone>
+          </a:blip>
+          <a:stretch>
+            <a:fillRect/>
+          </a:stretch>
+        </p:blipFill>
+        <p:spPr>
+          <a:xfrm>
+            <a:off x="-1" y="0"/>
+            <a:ext cx="7132321" cy="6858000"/>
+          </a:xfrm>
+          <a:prstGeom prst="rect">
+            <a:avLst/>
+          </a:prstGeom>
+        </p:spPr>
+      </p:pic>
+      <p:sp>
+        <p:nvSpPr>
+          <p:cNvPr id="5" name="TextBox 4"/>
+          <p:cNvSpPr txBox="1"/>
+          <p:nvPr/>
+        </p:nvSpPr>
+        <p:spPr>
+          <a:xfrm>
+            <a:off x="7920110" y="2982351"/>
+            <a:ext cx="3890809" cy="1261884"/>
+          </a:xfrm>
+          <a:prstGeom prst="rect">
+            <a:avLst/>
+          </a:prstGeom>
+          <a:noFill/>
+        </p:spPr>
+        <p:txBody>
+          <a:bodyPr wrap="none" rtlCol="0">
+            <a:spAutoFit/>
+          </a:bodyPr>
+          <a:lstStyle/>
+          <a:p>
+            <a:pPr lvl="0"/>
+            <a:r>
+              <a:rPr lang="en-US" sz="4000" dirty="0" smtClean="0">
+                <a:solidFill>
+                  <a:prstClr val="black"/>
+                </a:solidFill>
+                <a:latin typeface="Press Start 2P"/>
+              </a:rPr>
+              <a:t>Activity Diagram</a:t>
+            </a:r>
+            <a:endParaRPr lang="en-US" sz="4000" dirty="0">
+              <a:solidFill>
+                <a:prstClr val="black"/>
+              </a:solidFill>
+              <a:latin typeface="Press Start 2P"/>
+            </a:endParaRPr>
+          </a:p>
+          <a:p>
+            <a:pPr lvl="0"/>
+            <a:endParaRPr lang="en-US" dirty="0">
+              <a:solidFill>
+                <a:prstClr val="black"/>
+              </a:solidFill>
+            </a:endParaRPr>
+          </a:p>
+          <a:p>
+            <a:endParaRPr lang="en-US" dirty="0"/>
+          </a:p>
+        </p:txBody>
+      </p:sp>
+    </p:spTree>
+    <p:extLst>
+      <p:ext uri="{BB962C8B-B14F-4D97-AF65-F5344CB8AC3E}">
+        <p14:creationId xmlns:p14="http://schemas.microsoft.com/office/powerpoint/2010/main" val="1946256319"/>
+      </p:ext>
+    </p:extLst>
+  </p:cSld>
+  <p:clrMapOvr>
+    <a:masterClrMapping/>
+  </p:clrMapOvr>
+  <p:timing>
+    <p:tnLst>
+      <p:par>
+        <p:cTn id="1" dur="indefinite" restart="never" nodeType="tmRoot"/>
+      </p:par>
+    </p:tnLst>
+  </p:timing>
+</p:sld>
+</file>
+
+<file path=ppt/slides/slide15.xml><?xml version="1.0" encoding="utf-8"?>
+<p:sld xmlns:a="http://schemas.openxmlformats.org/drawingml/2006/main" xmlns:r="http://schemas.openxmlformats.org/officeDocument/2006/relationships" xmlns:p="http://schemas.openxmlformats.org/presentationml/2006/main">
+  <p:cSld>
+    <p:bg>
+      <p:bgPr>
+        <a:solidFill>
+          <a:schemeClr val="bg1"/>
+        </a:solidFill>
+        <a:effectLst/>
+      </p:bgPr>
+    </p:bg>
+    <p:spTree>
+      <p:nvGrpSpPr>
+        <p:cNvPr id="1" name=""/>
+        <p:cNvGrpSpPr/>
+        <p:nvPr/>
+      </p:nvGrpSpPr>
+      <p:grpSpPr>
+        <a:xfrm>
+          <a:off x="0" y="0"/>
+          <a:ext cx="0" cy="0"/>
+          <a:chOff x="0" y="0"/>
+          <a:chExt cx="0" cy="0"/>
+        </a:xfrm>
+      </p:grpSpPr>
+      <p:sp>
+        <p:nvSpPr>
+          <p:cNvPr id="2" name="Text Placeholder 19"/>
+          <p:cNvSpPr txBox="1">
+            <a:spLocks/>
+          </p:cNvSpPr>
+          <p:nvPr/>
+        </p:nvSpPr>
+        <p:spPr>
+          <a:xfrm>
+            <a:off x="0" y="-1"/>
+            <a:ext cx="8174736" cy="6858001"/>
+          </a:xfrm>
+          <a:prstGeom prst="rect">
+            <a:avLst/>
+          </a:prstGeom>
+        </p:spPr>
+        <p:style>
+          <a:lnRef idx="1">
+            <a:schemeClr val="accent3"/>
+          </a:lnRef>
+          <a:fillRef idx="2">
+            <a:schemeClr val="accent3"/>
+          </a:fillRef>
+          <a:effectRef idx="1">
+            <a:schemeClr val="accent3"/>
+          </a:effectRef>
+          <a:fontRef idx="minor">
+            <a:schemeClr val="dk1"/>
+          </a:fontRef>
+        </p:style>
+        <p:txBody>
+          <a:bodyPr/>
+          <a:lstStyle>
+            <a:lvl1pPr marL="228600" indent="-228600" algn="l" defTabSz="914400" rtl="0" eaLnBrk="1" latinLnBrk="0" hangingPunct="1">
+              <a:lnSpc>
+                <a:spcPct val="90000"/>
+              </a:lnSpc>
+              <a:spcBef>
+                <a:spcPts val="1000"/>
+              </a:spcBef>
+              <a:buFont typeface="Arial" panose="020B0604020202020204" pitchFamily="34" charset="0"/>
+              <a:buChar char="•"/>
+              <a:defRPr sz="2800" kern="1200">
+                <a:solidFill>
+                  <a:schemeClr val="dk1"/>
+                </a:solidFill>
+                <a:latin typeface="+mn-lt"/>
+                <a:ea typeface="+mn-ea"/>
+                <a:cs typeface="+mn-cs"/>
+              </a:defRPr>
+            </a:lvl1pPr>
+            <a:lvl2pPr marL="685800" indent="-228600" algn="l" defTabSz="914400" rtl="0" eaLnBrk="1" latinLnBrk="0" hangingPunct="1">
+              <a:lnSpc>
+                <a:spcPct val="90000"/>
+              </a:lnSpc>
+              <a:spcBef>
+                <a:spcPts val="500"/>
+              </a:spcBef>
+              <a:buFont typeface="Arial" panose="020B0604020202020204" pitchFamily="34" charset="0"/>
+              <a:buChar char="•"/>
+              <a:defRPr sz="2400" kern="1200">
+                <a:solidFill>
+                  <a:schemeClr val="dk1"/>
+                </a:solidFill>
+                <a:latin typeface="+mn-lt"/>
+                <a:ea typeface="+mn-ea"/>
+                <a:cs typeface="+mn-cs"/>
+              </a:defRPr>
+            </a:lvl2pPr>
+            <a:lvl3pPr marL="1143000" indent="-228600" algn="l" defTabSz="914400" rtl="0" eaLnBrk="1" latinLnBrk="0" hangingPunct="1">
+              <a:lnSpc>
+                <a:spcPct val="90000"/>
+              </a:lnSpc>
+              <a:spcBef>
+                <a:spcPts val="500"/>
+              </a:spcBef>
+              <a:buFont typeface="Arial" panose="020B0604020202020204" pitchFamily="34" charset="0"/>
+              <a:buChar char="•"/>
+              <a:defRPr sz="2000" kern="1200">
+                <a:solidFill>
+                  <a:schemeClr val="dk1"/>
+                </a:solidFill>
+                <a:latin typeface="+mn-lt"/>
+                <a:ea typeface="+mn-ea"/>
+                <a:cs typeface="+mn-cs"/>
+              </a:defRPr>
+            </a:lvl3pPr>
+            <a:lvl4pPr marL="1600200" indent="-228600" algn="l" defTabSz="914400" rtl="0" eaLnBrk="1" latinLnBrk="0" hangingPunct="1">
+              <a:lnSpc>
+                <a:spcPct val="90000"/>
+              </a:lnSpc>
+              <a:spcBef>
+                <a:spcPts val="500"/>
+              </a:spcBef>
+              <a:buFont typeface="Arial" panose="020B0604020202020204" pitchFamily="34" charset="0"/>
+              <a:buChar char="•"/>
+              <a:defRPr sz="1800" kern="1200">
+                <a:solidFill>
+                  <a:schemeClr val="dk1"/>
+                </a:solidFill>
+                <a:latin typeface="+mn-lt"/>
+                <a:ea typeface="+mn-ea"/>
+                <a:cs typeface="+mn-cs"/>
+              </a:defRPr>
+            </a:lvl4pPr>
+            <a:lvl5pPr marL="2057400" indent="-228600" algn="l" defTabSz="914400" rtl="0" eaLnBrk="1" latinLnBrk="0" hangingPunct="1">
+              <a:lnSpc>
+                <a:spcPct val="90000"/>
+              </a:lnSpc>
+              <a:spcBef>
+                <a:spcPts val="500"/>
+              </a:spcBef>
+              <a:buFont typeface="Arial" panose="020B0604020202020204" pitchFamily="34" charset="0"/>
+              <a:buChar char="•"/>
+              <a:defRPr sz="1800" kern="1200">
+                <a:solidFill>
+                  <a:schemeClr val="dk1"/>
+                </a:solidFill>
+                <a:latin typeface="+mn-lt"/>
+                <a:ea typeface="+mn-ea"/>
+                <a:cs typeface="+mn-cs"/>
+              </a:defRPr>
+            </a:lvl5pPr>
+            <a:lvl6pPr marL="2514600" indent="-228600" algn="l" defTabSz="914400" rtl="0" eaLnBrk="1" latinLnBrk="0" hangingPunct="1">
+              <a:lnSpc>
+                <a:spcPct val="90000"/>
+              </a:lnSpc>
+              <a:spcBef>
+                <a:spcPts val="500"/>
+              </a:spcBef>
+              <a:buFont typeface="Arial" panose="020B0604020202020204" pitchFamily="34" charset="0"/>
+              <a:buChar char="•"/>
+              <a:defRPr sz="1800" kern="1200">
+                <a:solidFill>
+                  <a:schemeClr val="dk1"/>
+                </a:solidFill>
+                <a:latin typeface="+mn-lt"/>
+                <a:ea typeface="+mn-ea"/>
+                <a:cs typeface="+mn-cs"/>
+              </a:defRPr>
+            </a:lvl6pPr>
+            <a:lvl7pPr marL="2971800" indent="-228600" algn="l" defTabSz="914400" rtl="0" eaLnBrk="1" latinLnBrk="0" hangingPunct="1">
+              <a:lnSpc>
+                <a:spcPct val="90000"/>
+              </a:lnSpc>
+              <a:spcBef>
+                <a:spcPts val="500"/>
+              </a:spcBef>
+              <a:buFont typeface="Arial" panose="020B0604020202020204" pitchFamily="34" charset="0"/>
+              <a:buChar char="•"/>
+              <a:defRPr sz="1800" kern="1200">
+                <a:solidFill>
+                  <a:schemeClr val="dk1"/>
+                </a:solidFill>
+                <a:latin typeface="+mn-lt"/>
+                <a:ea typeface="+mn-ea"/>
+                <a:cs typeface="+mn-cs"/>
+              </a:defRPr>
+            </a:lvl7pPr>
+            <a:lvl8pPr marL="3429000" indent="-228600" algn="l" defTabSz="914400" rtl="0" eaLnBrk="1" latinLnBrk="0" hangingPunct="1">
+              <a:lnSpc>
+                <a:spcPct val="90000"/>
+              </a:lnSpc>
+              <a:spcBef>
+                <a:spcPts val="500"/>
+              </a:spcBef>
+              <a:buFont typeface="Arial" panose="020B0604020202020204" pitchFamily="34" charset="0"/>
+              <a:buChar char="•"/>
+              <a:defRPr sz="1800" kern="1200">
+                <a:solidFill>
+                  <a:schemeClr val="dk1"/>
+                </a:solidFill>
+                <a:latin typeface="+mn-lt"/>
+                <a:ea typeface="+mn-ea"/>
+                <a:cs typeface="+mn-cs"/>
+              </a:defRPr>
+            </a:lvl8pPr>
+            <a:lvl9pPr marL="3886200" indent="-228600" algn="l" defTabSz="914400" rtl="0" eaLnBrk="1" latinLnBrk="0" hangingPunct="1">
+              <a:lnSpc>
+                <a:spcPct val="90000"/>
+              </a:lnSpc>
+              <a:spcBef>
+                <a:spcPts val="500"/>
+              </a:spcBef>
+              <a:buFont typeface="Arial" panose="020B0604020202020204" pitchFamily="34" charset="0"/>
+              <a:buChar char="•"/>
+              <a:defRPr sz="1800" kern="1200">
+                <a:solidFill>
+                  <a:schemeClr val="dk1"/>
+                </a:solidFill>
+                <a:latin typeface="+mn-lt"/>
+                <a:ea typeface="+mn-ea"/>
+                <a:cs typeface="+mn-cs"/>
+              </a:defRPr>
+            </a:lvl9pPr>
+          </a:lstStyle>
+          <a:p>
+            <a:endParaRPr lang="en-US" smtClean="0"/>
+          </a:p>
+          <a:p>
+            <a:endParaRPr lang="en-US" dirty="0"/>
+          </a:p>
+        </p:txBody>
+      </p:sp>
+      <p:pic>
+        <p:nvPicPr>
+          <p:cNvPr id="3" name="Picture 2"/>
+          <p:cNvPicPr>
+            <a:picLocks noChangeAspect="1"/>
+          </p:cNvPicPr>
+          <p:nvPr/>
+        </p:nvPicPr>
+        <p:blipFill>
+          <a:blip r:embed="rId2">
+            <a:extLst>
+              <a:ext uri="{28A0092B-C50C-407E-A947-70E740481C1C}">
+                <a14:useLocalDpi xmlns:a14="http://schemas.microsoft.com/office/drawing/2010/main" val="0"/>
+              </a:ext>
+            </a:extLst>
+          </a:blip>
+          <a:stretch>
+            <a:fillRect/>
+          </a:stretch>
+        </p:blipFill>
+        <p:spPr>
+          <a:xfrm>
+            <a:off x="-265748" y="811247"/>
+            <a:ext cx="8706231" cy="5235503"/>
+          </a:xfrm>
+          <a:prstGeom prst="rect">
+            <a:avLst/>
+          </a:prstGeom>
+        </p:spPr>
+      </p:pic>
+      <p:sp>
+        <p:nvSpPr>
+          <p:cNvPr id="4" name="TextBox 3"/>
+          <p:cNvSpPr txBox="1"/>
+          <p:nvPr/>
+        </p:nvSpPr>
+        <p:spPr>
+          <a:xfrm>
+            <a:off x="8301191" y="2996419"/>
+            <a:ext cx="3980577" cy="1477328"/>
+          </a:xfrm>
+          <a:prstGeom prst="rect">
+            <a:avLst/>
+          </a:prstGeom>
+          <a:noFill/>
+        </p:spPr>
+        <p:txBody>
+          <a:bodyPr wrap="none" rtlCol="0">
+            <a:spAutoFit/>
+          </a:bodyPr>
+          <a:lstStyle/>
+          <a:p>
+            <a:pPr lvl="0"/>
+            <a:r>
+              <a:rPr lang="en-US" sz="3600" dirty="0" smtClean="0">
+                <a:solidFill>
+                  <a:prstClr val="black"/>
+                </a:solidFill>
+                <a:latin typeface="Press Start 2P"/>
+              </a:rPr>
+              <a:t>Use case Diagram</a:t>
+            </a:r>
+            <a:endParaRPr lang="en-US" sz="3600" dirty="0">
+              <a:solidFill>
+                <a:prstClr val="black"/>
+              </a:solidFill>
+              <a:latin typeface="Press Start 2P"/>
+            </a:endParaRPr>
+          </a:p>
+          <a:p>
+            <a:pPr lvl="0"/>
+            <a:endParaRPr lang="en-US" dirty="0">
+              <a:solidFill>
+                <a:prstClr val="black"/>
+              </a:solidFill>
+            </a:endParaRPr>
+          </a:p>
+          <a:p>
+            <a:pPr lvl="0"/>
+            <a:endParaRPr lang="en-US" dirty="0">
+              <a:solidFill>
+                <a:prstClr val="black"/>
+              </a:solidFill>
+            </a:endParaRPr>
+          </a:p>
+          <a:p>
+            <a:endParaRPr lang="en-US" dirty="0"/>
+          </a:p>
+        </p:txBody>
+      </p:sp>
+    </p:spTree>
+    <p:extLst>
+      <p:ext uri="{BB962C8B-B14F-4D97-AF65-F5344CB8AC3E}">
+        <p14:creationId xmlns:p14="http://schemas.microsoft.com/office/powerpoint/2010/main" val="3806974141"/>
+      </p:ext>
+    </p:extLst>
+  </p:cSld>
+  <p:clrMapOvr>
+    <a:masterClrMapping/>
+  </p:clrMapOvr>
+  <p:timing>
+    <p:tnLst>
+      <p:par>
+        <p:cTn id="1" dur="indefinite" restart="never" nodeType="tmRoot"/>
+      </p:par>
+    </p:tnLst>
+  </p:timing>
+</p:sld>
+</file>
+
+<file path=ppt/slides/slide16.xml><?xml version="1.0" encoding="utf-8"?>
+<p:sld xmlns:a="http://schemas.openxmlformats.org/drawingml/2006/main" xmlns:r="http://schemas.openxmlformats.org/officeDocument/2006/relationships" xmlns:p="http://schemas.openxmlformats.org/presentationml/2006/main">
+  <p:cSld>
+    <p:bg>
+      <p:bgPr>
+        <a:solidFill>
+          <a:schemeClr val="bg1"/>
+        </a:solidFill>
+        <a:effectLst/>
+      </p:bgPr>
+    </p:bg>
+    <p:spTree>
+      <p:nvGrpSpPr>
+        <p:cNvPr id="1" name=""/>
+        <p:cNvGrpSpPr/>
+        <p:nvPr/>
+      </p:nvGrpSpPr>
+      <p:grpSpPr>
+        <a:xfrm>
+          <a:off x="0" y="0"/>
+          <a:ext cx="0" cy="0"/>
+          <a:chOff x="0" y="0"/>
+          <a:chExt cx="0" cy="0"/>
+        </a:xfrm>
+      </p:grpSpPr>
+      <p:pic>
+        <p:nvPicPr>
+          <p:cNvPr id="2" name="Picture 1"/>
+          <p:cNvPicPr>
+            <a:picLocks noChangeAspect="1"/>
+          </p:cNvPicPr>
+          <p:nvPr/>
+        </p:nvPicPr>
+        <p:blipFill>
+          <a:blip r:embed="rId2"/>
+          <a:stretch>
+            <a:fillRect/>
+          </a:stretch>
+        </p:blipFill>
+        <p:spPr>
+          <a:xfrm>
+            <a:off x="1" y="0"/>
+            <a:ext cx="9101796" cy="6858000"/>
+          </a:xfrm>
+          <a:prstGeom prst="rect">
+            <a:avLst/>
+          </a:prstGeom>
+        </p:spPr>
+      </p:pic>
+      <p:sp>
+        <p:nvSpPr>
+          <p:cNvPr id="3" name="TextBox 2"/>
+          <p:cNvSpPr txBox="1"/>
+          <p:nvPr/>
+        </p:nvSpPr>
+        <p:spPr>
+          <a:xfrm>
+            <a:off x="9101797" y="2996418"/>
+            <a:ext cx="3206327" cy="1631216"/>
+          </a:xfrm>
+          <a:prstGeom prst="rect">
+            <a:avLst/>
+          </a:prstGeom>
+          <a:noFill/>
+        </p:spPr>
+        <p:txBody>
+          <a:bodyPr wrap="none" rtlCol="0">
+            <a:spAutoFit/>
+          </a:bodyPr>
+          <a:lstStyle/>
+          <a:p>
+            <a:pPr lvl="0"/>
+            <a:r>
+              <a:rPr lang="en-US" sz="2800" dirty="0" smtClean="0">
+                <a:solidFill>
+                  <a:prstClr val="black"/>
+                </a:solidFill>
+                <a:latin typeface="Press Start 2P"/>
+              </a:rPr>
+              <a:t>sequence </a:t>
+            </a:r>
+            <a:r>
+              <a:rPr lang="en-US" sz="2800" dirty="0">
+                <a:solidFill>
+                  <a:prstClr val="black"/>
+                </a:solidFill>
+                <a:latin typeface="Press Start 2P"/>
+              </a:rPr>
+              <a:t>Diagram</a:t>
+            </a:r>
+          </a:p>
+          <a:p>
+            <a:pPr lvl="0"/>
+            <a:endParaRPr lang="en-US" dirty="0">
+              <a:solidFill>
+                <a:prstClr val="black"/>
+              </a:solidFill>
+            </a:endParaRPr>
+          </a:p>
+          <a:p>
+            <a:pPr lvl="0"/>
+            <a:endParaRPr lang="en-US" dirty="0">
+              <a:solidFill>
+                <a:prstClr val="black"/>
+              </a:solidFill>
+            </a:endParaRPr>
+          </a:p>
+          <a:p>
+            <a:pPr lvl="0"/>
+            <a:endParaRPr lang="en-US" dirty="0">
+              <a:solidFill>
+                <a:prstClr val="black"/>
+              </a:solidFill>
+            </a:endParaRPr>
+          </a:p>
+          <a:p>
+            <a:endParaRPr lang="en-US" dirty="0"/>
+          </a:p>
+        </p:txBody>
+      </p:sp>
+    </p:spTree>
+    <p:extLst>
+      <p:ext uri="{BB962C8B-B14F-4D97-AF65-F5344CB8AC3E}">
+        <p14:creationId xmlns:p14="http://schemas.microsoft.com/office/powerpoint/2010/main" val="3049126396"/>
       </p:ext>
     </p:extLst>
   </p:cSld>
@@ -3241,6 +5071,14 @@
 <file path=ppt/slides/slide2.xml><?xml version="1.0" encoding="utf-8"?>
 <p:sld xmlns:a="http://schemas.openxmlformats.org/drawingml/2006/main" xmlns:r="http://schemas.openxmlformats.org/officeDocument/2006/relationships" xmlns:p="http://schemas.openxmlformats.org/presentationml/2006/main">
   <p:cSld>
+    <p:bg>
+      <p:bgPr>
+        <a:solidFill>
+          <a:schemeClr val="bg1"/>
+        </a:solidFill>
+        <a:effectLst/>
+      </p:bgPr>
+    </p:bg>
     <p:spTree>
       <p:nvGrpSpPr>
         <p:cNvPr id="1" name=""/>
@@ -3255,1161 +5093,50 @@
           <a:chExt cx="0" cy="0"/>
         </a:xfrm>
       </p:grpSpPr>
+      <p:sp>
+        <p:nvSpPr>
+          <p:cNvPr id="7" name="Text Placeholder 19"/>
+          <p:cNvSpPr>
+            <a:spLocks noGrp="1"/>
+          </p:cNvSpPr>
+          <p:nvPr>
+            <p:ph type="body" sz="half" idx="2"/>
+          </p:nvPr>
+        </p:nvSpPr>
+        <p:spPr>
+          <a:xfrm>
+            <a:off x="1" y="-1"/>
+            <a:ext cx="6527408" cy="6858001"/>
+          </a:xfrm>
+        </p:spPr>
+        <p:style>
+          <a:lnRef idx="1">
+            <a:schemeClr val="accent3"/>
+          </a:lnRef>
+          <a:fillRef idx="2">
+            <a:schemeClr val="accent3"/>
+          </a:fillRef>
+          <a:effectRef idx="1">
+            <a:schemeClr val="accent3"/>
+          </a:effectRef>
+          <a:fontRef idx="minor">
+            <a:schemeClr val="dk1"/>
+          </a:fontRef>
+        </p:style>
+        <p:txBody>
+          <a:bodyPr/>
+          <a:lstStyle/>
+          <a:p>
+            <a:endParaRPr lang="en-US" dirty="0" smtClean="0"/>
+          </a:p>
+          <a:p>
+            <a:endParaRPr lang="en-US" dirty="0"/>
+          </a:p>
+        </p:txBody>
+      </p:sp>
       <p:grpSp>
         <p:nvGrpSpPr>
           <p:cNvPr id="8" name="Group 7">
-            <a:extLst>
-              <a:ext uri="{FF2B5EF4-FFF2-40B4-BE49-F238E27FC236}">
-                <a16:creationId xmlns:a16="http://schemas.microsoft.com/office/drawing/2014/main" xmlns="" id="{017E760F-0E2B-456D-B964-BF4266447548}"/>
-              </a:ext>
-            </a:extLst>
-          </p:cNvPr>
-          <p:cNvGrpSpPr/>
-          <p:nvPr/>
-        </p:nvGrpSpPr>
-        <p:grpSpPr>
-          <a:xfrm>
-            <a:off x="4718800" y="1020903"/>
-            <a:ext cx="5363972" cy="723274"/>
-            <a:chOff x="5888286" y="876016"/>
-            <a:chExt cx="5363972" cy="723274"/>
-          </a:xfrm>
-        </p:grpSpPr>
-        <p:grpSp>
-          <p:nvGrpSpPr>
-            <p:cNvPr id="9" name="Group 8">
-              <a:extLst>
-                <a:ext uri="{FF2B5EF4-FFF2-40B4-BE49-F238E27FC236}">
-                  <a16:creationId xmlns:a16="http://schemas.microsoft.com/office/drawing/2014/main" xmlns="" id="{898B64AD-4559-417F-8A7E-33D6DE905A6C}"/>
-                </a:ext>
-              </a:extLst>
-            </p:cNvPr>
-            <p:cNvGrpSpPr/>
-            <p:nvPr/>
-          </p:nvGrpSpPr>
-          <p:grpSpPr>
-            <a:xfrm>
-              <a:off x="7203583" y="876016"/>
-              <a:ext cx="4048675" cy="615553"/>
-              <a:chOff x="6557475" y="1411926"/>
-              <a:chExt cx="4048675" cy="615553"/>
-            </a:xfrm>
-          </p:grpSpPr>
-          <p:sp>
-            <p:nvSpPr>
-              <p:cNvPr id="13" name="TextBox 12">
-                <a:extLst>
-                  <a:ext uri="{FF2B5EF4-FFF2-40B4-BE49-F238E27FC236}">
-                    <a16:creationId xmlns:a16="http://schemas.microsoft.com/office/drawing/2014/main" xmlns="" id="{5C283375-F863-40D8-A19F-40F5EEEF5A42}"/>
-                  </a:ext>
-                </a:extLst>
-              </p:cNvPr>
-              <p:cNvSpPr txBox="1"/>
-              <p:nvPr/>
-            </p:nvSpPr>
-            <p:spPr>
-              <a:xfrm>
-                <a:off x="6557475" y="1750480"/>
-                <a:ext cx="4048675" cy="276999"/>
-              </a:xfrm>
-              <a:prstGeom prst="rect">
-                <a:avLst/>
-              </a:prstGeom>
-              <a:noFill/>
-            </p:spPr>
-            <p:txBody>
-              <a:bodyPr wrap="square" rtlCol="0">
-                <a:spAutoFit/>
-              </a:bodyPr>
-              <a:lstStyle/>
-              <a:p>
-                <a:endParaRPr lang="en-US" altLang="ko-KR" sz="1200" dirty="0">
-                  <a:solidFill>
-                    <a:schemeClr val="tx1">
-                      <a:lumMod val="85000"/>
-                      <a:lumOff val="15000"/>
-                    </a:schemeClr>
-                  </a:solidFill>
-                  <a:cs typeface="Arial" pitchFamily="34" charset="0"/>
-                </a:endParaRPr>
-              </a:p>
-            </p:txBody>
-          </p:sp>
-          <p:sp>
-            <p:nvSpPr>
-              <p:cNvPr id="14" name="TextBox 13">
-                <a:extLst>
-                  <a:ext uri="{FF2B5EF4-FFF2-40B4-BE49-F238E27FC236}">
-                    <a16:creationId xmlns:a16="http://schemas.microsoft.com/office/drawing/2014/main" xmlns="" id="{EBB43628-375E-4AAC-975E-B22C0BAAE01C}"/>
-                  </a:ext>
-                </a:extLst>
-              </p:cNvPr>
-              <p:cNvSpPr txBox="1"/>
-              <p:nvPr/>
-            </p:nvSpPr>
-            <p:spPr>
-              <a:xfrm>
-                <a:off x="6557475" y="1411926"/>
-                <a:ext cx="4048675" cy="369332"/>
-              </a:xfrm>
-              <a:prstGeom prst="rect">
-                <a:avLst/>
-              </a:prstGeom>
-              <a:noFill/>
-            </p:spPr>
-            <p:txBody>
-              <a:bodyPr wrap="square" lIns="108000" rIns="108000" rtlCol="0">
-                <a:spAutoFit/>
-              </a:bodyPr>
-              <a:lstStyle/>
-              <a:p>
-                <a:r>
-                  <a:rPr lang="en-US" altLang="ko-KR" b="1" dirty="0">
-                    <a:cs typeface="Arial" pitchFamily="34" charset="0"/>
-                  </a:rPr>
-                  <a:t>Contents</a:t>
-                </a:r>
-                <a:endParaRPr lang="ko-KR" altLang="en-US" b="1" dirty="0">
-                  <a:cs typeface="Arial" pitchFamily="34" charset="0"/>
-                </a:endParaRPr>
-              </a:p>
-            </p:txBody>
-          </p:sp>
-        </p:grpSp>
-        <p:sp>
-          <p:nvSpPr>
-            <p:cNvPr id="12" name="TextBox 11">
-              <a:extLst>
-                <a:ext uri="{FF2B5EF4-FFF2-40B4-BE49-F238E27FC236}">
-                  <a16:creationId xmlns:a16="http://schemas.microsoft.com/office/drawing/2014/main" xmlns="" id="{0A052780-47E3-4835-BB43-70FA2653BCB1}"/>
-                </a:ext>
-              </a:extLst>
-            </p:cNvPr>
-            <p:cNvSpPr txBox="1"/>
-            <p:nvPr/>
-          </p:nvSpPr>
-          <p:spPr>
-            <a:xfrm>
-              <a:off x="5888286" y="952959"/>
-              <a:ext cx="958096" cy="646331"/>
-            </a:xfrm>
-            <a:prstGeom prst="rect">
-              <a:avLst/>
-            </a:prstGeom>
-            <a:noFill/>
-          </p:spPr>
-          <p:txBody>
-            <a:bodyPr wrap="square" lIns="108000" rIns="108000" rtlCol="0">
-              <a:spAutoFit/>
-            </a:bodyPr>
-            <a:lstStyle/>
-            <a:p>
-              <a:pPr algn="ctr"/>
-              <a:r>
-                <a:rPr lang="en-US" altLang="ko-KR" sz="3600" b="1" dirty="0">
-                  <a:solidFill>
-                    <a:schemeClr val="bg1"/>
-                  </a:solidFill>
-                  <a:cs typeface="Arial" pitchFamily="34" charset="0"/>
-                </a:rPr>
-                <a:t>01</a:t>
-              </a:r>
-              <a:endParaRPr lang="ko-KR" altLang="en-US" sz="3600" b="1" dirty="0">
-                <a:solidFill>
-                  <a:schemeClr val="bg1"/>
-                </a:solidFill>
-                <a:cs typeface="Arial" pitchFamily="34" charset="0"/>
-              </a:endParaRPr>
-            </a:p>
-          </p:txBody>
-        </p:sp>
-      </p:grpSp>
-      <p:grpSp>
-        <p:nvGrpSpPr>
-          <p:cNvPr id="15" name="Group 14">
-            <a:extLst>
-              <a:ext uri="{FF2B5EF4-FFF2-40B4-BE49-F238E27FC236}">
-                <a16:creationId xmlns:a16="http://schemas.microsoft.com/office/drawing/2014/main" xmlns="" id="{29CF4DB0-323D-44D2-A583-60E5A52DE08D}"/>
-              </a:ext>
-            </a:extLst>
-          </p:cNvPr>
-          <p:cNvGrpSpPr/>
-          <p:nvPr/>
-        </p:nvGrpSpPr>
-        <p:grpSpPr>
-          <a:xfrm>
-            <a:off x="5265953" y="2359562"/>
-            <a:ext cx="5363972" cy="723274"/>
-            <a:chOff x="5888286" y="876016"/>
-            <a:chExt cx="5363972" cy="723274"/>
-          </a:xfrm>
-        </p:grpSpPr>
-        <p:sp>
-          <p:nvSpPr>
-            <p:cNvPr id="21" name="TextBox 20">
-              <a:extLst>
-                <a:ext uri="{FF2B5EF4-FFF2-40B4-BE49-F238E27FC236}">
-                  <a16:creationId xmlns:a16="http://schemas.microsoft.com/office/drawing/2014/main" xmlns="" id="{692363C7-73D7-49DD-B720-EB16EFD2C2AF}"/>
-                </a:ext>
-              </a:extLst>
-            </p:cNvPr>
-            <p:cNvSpPr txBox="1"/>
-            <p:nvPr/>
-          </p:nvSpPr>
-          <p:spPr>
-            <a:xfrm>
-              <a:off x="7203583" y="876016"/>
-              <a:ext cx="4048675" cy="369332"/>
-            </a:xfrm>
-            <a:prstGeom prst="rect">
-              <a:avLst/>
-            </a:prstGeom>
-            <a:noFill/>
-          </p:spPr>
-          <p:txBody>
-            <a:bodyPr wrap="square" lIns="108000" rIns="108000" rtlCol="0">
-              <a:spAutoFit/>
-            </a:bodyPr>
-            <a:lstStyle/>
-            <a:p>
-              <a:r>
-                <a:rPr lang="en-US" altLang="ko-KR" b="1" dirty="0">
-                  <a:cs typeface="Arial" pitchFamily="34" charset="0"/>
-                </a:rPr>
-                <a:t>Contents</a:t>
-              </a:r>
-              <a:endParaRPr lang="ko-KR" altLang="en-US" b="1" dirty="0">
-                <a:cs typeface="Arial" pitchFamily="34" charset="0"/>
-              </a:endParaRPr>
-            </a:p>
-          </p:txBody>
-        </p:sp>
-        <p:sp>
-          <p:nvSpPr>
-            <p:cNvPr id="19" name="TextBox 18">
-              <a:extLst>
-                <a:ext uri="{FF2B5EF4-FFF2-40B4-BE49-F238E27FC236}">
-                  <a16:creationId xmlns:a16="http://schemas.microsoft.com/office/drawing/2014/main" xmlns="" id="{481CA2A3-6C2F-4B5A-A981-642F0A704326}"/>
-                </a:ext>
-              </a:extLst>
-            </p:cNvPr>
-            <p:cNvSpPr txBox="1"/>
-            <p:nvPr/>
-          </p:nvSpPr>
-          <p:spPr>
-            <a:xfrm>
-              <a:off x="5888286" y="952959"/>
-              <a:ext cx="958096" cy="646331"/>
-            </a:xfrm>
-            <a:prstGeom prst="rect">
-              <a:avLst/>
-            </a:prstGeom>
-            <a:noFill/>
-          </p:spPr>
-          <p:txBody>
-            <a:bodyPr wrap="square" lIns="108000" rIns="108000" rtlCol="0">
-              <a:spAutoFit/>
-            </a:bodyPr>
-            <a:lstStyle/>
-            <a:p>
-              <a:pPr algn="ctr"/>
-              <a:r>
-                <a:rPr lang="en-US" altLang="ko-KR" sz="3600" b="1" dirty="0">
-                  <a:solidFill>
-                    <a:schemeClr val="bg1"/>
-                  </a:solidFill>
-                  <a:cs typeface="Arial" pitchFamily="34" charset="0"/>
-                </a:rPr>
-                <a:t>02</a:t>
-              </a:r>
-              <a:endParaRPr lang="ko-KR" altLang="en-US" sz="3600" b="1" dirty="0">
-                <a:solidFill>
-                  <a:schemeClr val="bg1"/>
-                </a:solidFill>
-                <a:cs typeface="Arial" pitchFamily="34" charset="0"/>
-              </a:endParaRPr>
-            </a:p>
-          </p:txBody>
-        </p:sp>
-      </p:grpSp>
-      <p:grpSp>
-        <p:nvGrpSpPr>
-          <p:cNvPr id="22" name="Group 21">
-            <a:extLst>
-              <a:ext uri="{FF2B5EF4-FFF2-40B4-BE49-F238E27FC236}">
-                <a16:creationId xmlns:a16="http://schemas.microsoft.com/office/drawing/2014/main" xmlns="" id="{5E1FA318-D28D-49BC-8B3D-13CEC7146371}"/>
-              </a:ext>
-            </a:extLst>
-          </p:cNvPr>
-          <p:cNvGrpSpPr/>
-          <p:nvPr/>
-        </p:nvGrpSpPr>
-        <p:grpSpPr>
-          <a:xfrm>
-            <a:off x="5768253" y="3789497"/>
-            <a:ext cx="5363972" cy="806674"/>
-            <a:chOff x="5888286" y="872788"/>
-            <a:chExt cx="5363972" cy="806674"/>
-          </a:xfrm>
-        </p:grpSpPr>
-        <p:sp>
-          <p:nvSpPr>
-            <p:cNvPr id="28" name="TextBox 27">
-              <a:extLst>
-                <a:ext uri="{FF2B5EF4-FFF2-40B4-BE49-F238E27FC236}">
-                  <a16:creationId xmlns:a16="http://schemas.microsoft.com/office/drawing/2014/main" xmlns="" id="{AD85071E-3F3F-48E7-8B2B-0ED76E67B1DF}"/>
-                </a:ext>
-              </a:extLst>
-            </p:cNvPr>
-            <p:cNvSpPr txBox="1"/>
-            <p:nvPr/>
-          </p:nvSpPr>
-          <p:spPr>
-            <a:xfrm>
-              <a:off x="7203583" y="876016"/>
-              <a:ext cx="4048675" cy="369332"/>
-            </a:xfrm>
-            <a:prstGeom prst="rect">
-              <a:avLst/>
-            </a:prstGeom>
-            <a:noFill/>
-          </p:spPr>
-          <p:txBody>
-            <a:bodyPr wrap="square" lIns="108000" rIns="108000" rtlCol="0">
-              <a:spAutoFit/>
-            </a:bodyPr>
-            <a:lstStyle/>
-            <a:p>
-              <a:r>
-                <a:rPr lang="en-US" altLang="ko-KR" b="1" dirty="0">
-                  <a:cs typeface="Arial" pitchFamily="34" charset="0"/>
-                </a:rPr>
-                <a:t>Contents</a:t>
-              </a:r>
-              <a:endParaRPr lang="ko-KR" altLang="en-US" b="1" dirty="0">
-                <a:cs typeface="Arial" pitchFamily="34" charset="0"/>
-              </a:endParaRPr>
-            </a:p>
-          </p:txBody>
-        </p:sp>
-        <p:grpSp>
-          <p:nvGrpSpPr>
-            <p:cNvPr id="24" name="Group 23">
-              <a:extLst>
-                <a:ext uri="{FF2B5EF4-FFF2-40B4-BE49-F238E27FC236}">
-                  <a16:creationId xmlns:a16="http://schemas.microsoft.com/office/drawing/2014/main" xmlns="" id="{3068AAC4-D61B-4BC8-9F4B-178CEDA50B92}"/>
-                </a:ext>
-              </a:extLst>
-            </p:cNvPr>
-            <p:cNvGrpSpPr/>
-            <p:nvPr/>
-          </p:nvGrpSpPr>
-          <p:grpSpPr>
-            <a:xfrm>
-              <a:off x="5888286" y="872788"/>
-              <a:ext cx="958096" cy="806674"/>
-              <a:chOff x="10821233" y="4691001"/>
-              <a:chExt cx="958096" cy="806674"/>
-            </a:xfrm>
-          </p:grpSpPr>
-          <p:sp>
-            <p:nvSpPr>
-              <p:cNvPr id="25" name="Rectangle: Rounded Corners 45">
-                <a:extLst>
-                  <a:ext uri="{FF2B5EF4-FFF2-40B4-BE49-F238E27FC236}">
-                    <a16:creationId xmlns:a16="http://schemas.microsoft.com/office/drawing/2014/main" xmlns="" id="{11D7144D-9153-4E24-8457-E14BE03052B6}"/>
-                  </a:ext>
-                </a:extLst>
-              </p:cNvPr>
-              <p:cNvSpPr/>
-              <p:nvPr/>
-            </p:nvSpPr>
-            <p:spPr>
-              <a:xfrm rot="18900000">
-                <a:off x="10896944" y="4691001"/>
-                <a:ext cx="806674" cy="806674"/>
-              </a:xfrm>
-              <a:prstGeom prst="roundRect">
-                <a:avLst/>
-              </a:prstGeom>
-              <a:solidFill>
-                <a:schemeClr val="accent3"/>
-              </a:solidFill>
-              <a:ln>
-                <a:noFill/>
-              </a:ln>
-            </p:spPr>
-            <p:style>
-              <a:lnRef idx="2">
-                <a:schemeClr val="accent1">
-                  <a:shade val="50000"/>
-                </a:schemeClr>
-              </a:lnRef>
-              <a:fillRef idx="1">
-                <a:schemeClr val="accent1"/>
-              </a:fillRef>
-              <a:effectRef idx="0">
-                <a:schemeClr val="accent1"/>
-              </a:effectRef>
-              <a:fontRef idx="minor">
-                <a:schemeClr val="lt1"/>
-              </a:fontRef>
-            </p:style>
-            <p:txBody>
-              <a:bodyPr rtlCol="0" anchor="ctr"/>
-              <a:lstStyle/>
-              <a:p>
-                <a:pPr algn="ctr"/>
-                <a:endParaRPr lang="en-US"/>
-              </a:p>
-            </p:txBody>
-          </p:sp>
-          <p:sp>
-            <p:nvSpPr>
-              <p:cNvPr id="26" name="TextBox 25">
-                <a:extLst>
-                  <a:ext uri="{FF2B5EF4-FFF2-40B4-BE49-F238E27FC236}">
-                    <a16:creationId xmlns:a16="http://schemas.microsoft.com/office/drawing/2014/main" xmlns="" id="{6E3D67D8-734C-4374-91F2-93E409C3830E}"/>
-                  </a:ext>
-                </a:extLst>
-              </p:cNvPr>
-              <p:cNvSpPr txBox="1"/>
-              <p:nvPr/>
-            </p:nvSpPr>
-            <p:spPr>
-              <a:xfrm>
-                <a:off x="10821233" y="4771172"/>
-                <a:ext cx="958096" cy="646331"/>
-              </a:xfrm>
-              <a:prstGeom prst="rect">
-                <a:avLst/>
-              </a:prstGeom>
-              <a:noFill/>
-            </p:spPr>
-            <p:txBody>
-              <a:bodyPr wrap="square" lIns="108000" rIns="108000" rtlCol="0">
-                <a:spAutoFit/>
-              </a:bodyPr>
-              <a:lstStyle/>
-              <a:p>
-                <a:pPr algn="ctr"/>
-                <a:r>
-                  <a:rPr lang="en-US" altLang="ko-KR" sz="3600" b="1" dirty="0">
-                    <a:solidFill>
-                      <a:schemeClr val="bg1"/>
-                    </a:solidFill>
-                    <a:cs typeface="Arial" pitchFamily="34" charset="0"/>
-                  </a:rPr>
-                  <a:t>03</a:t>
-                </a:r>
-                <a:endParaRPr lang="ko-KR" altLang="en-US" sz="3600" b="1" dirty="0">
-                  <a:solidFill>
-                    <a:schemeClr val="bg1"/>
-                  </a:solidFill>
-                  <a:cs typeface="Arial" pitchFamily="34" charset="0"/>
-                </a:endParaRPr>
-              </a:p>
-            </p:txBody>
-          </p:sp>
-        </p:grpSp>
-      </p:grpSp>
-      <p:grpSp>
-        <p:nvGrpSpPr>
-          <p:cNvPr id="29" name="Group 28">
-            <a:extLst>
-              <a:ext uri="{FF2B5EF4-FFF2-40B4-BE49-F238E27FC236}">
-                <a16:creationId xmlns:a16="http://schemas.microsoft.com/office/drawing/2014/main" xmlns="" id="{DE2B993C-492A-4E76-8FFE-F9687E51B182}"/>
-              </a:ext>
-            </a:extLst>
-          </p:cNvPr>
-          <p:cNvGrpSpPr/>
-          <p:nvPr/>
-        </p:nvGrpSpPr>
-        <p:grpSpPr>
-          <a:xfrm>
-            <a:off x="6360258" y="5036880"/>
-            <a:ext cx="5363972" cy="723274"/>
-            <a:chOff x="5888286" y="876016"/>
-            <a:chExt cx="5363972" cy="723274"/>
-          </a:xfrm>
-        </p:grpSpPr>
-        <p:sp>
-          <p:nvSpPr>
-            <p:cNvPr id="35" name="TextBox 34">
-              <a:extLst>
-                <a:ext uri="{FF2B5EF4-FFF2-40B4-BE49-F238E27FC236}">
-                  <a16:creationId xmlns:a16="http://schemas.microsoft.com/office/drawing/2014/main" xmlns="" id="{3B3AEE01-55FA-415B-A04B-792E6C5C0A61}"/>
-                </a:ext>
-              </a:extLst>
-            </p:cNvPr>
-            <p:cNvSpPr txBox="1"/>
-            <p:nvPr/>
-          </p:nvSpPr>
-          <p:spPr>
-            <a:xfrm>
-              <a:off x="7203583" y="876016"/>
-              <a:ext cx="4048675" cy="369332"/>
-            </a:xfrm>
-            <a:prstGeom prst="rect">
-              <a:avLst/>
-            </a:prstGeom>
-            <a:noFill/>
-          </p:spPr>
-          <p:txBody>
-            <a:bodyPr wrap="square" lIns="108000" rIns="108000" rtlCol="0">
-              <a:spAutoFit/>
-            </a:bodyPr>
-            <a:lstStyle/>
-            <a:p>
-              <a:r>
-                <a:rPr lang="en-US" altLang="ko-KR" b="1" dirty="0">
-                  <a:cs typeface="Arial" pitchFamily="34" charset="0"/>
-                </a:rPr>
-                <a:t>Contents</a:t>
-              </a:r>
-              <a:endParaRPr lang="ko-KR" altLang="en-US" b="1" dirty="0">
-                <a:cs typeface="Arial" pitchFamily="34" charset="0"/>
-              </a:endParaRPr>
-            </a:p>
-          </p:txBody>
-        </p:sp>
-        <p:sp>
-          <p:nvSpPr>
-            <p:cNvPr id="33" name="TextBox 32">
-              <a:extLst>
-                <a:ext uri="{FF2B5EF4-FFF2-40B4-BE49-F238E27FC236}">
-                  <a16:creationId xmlns:a16="http://schemas.microsoft.com/office/drawing/2014/main" xmlns="" id="{52ADEBDF-AE55-4F72-9DDC-4CDC0DC4A6A7}"/>
-                </a:ext>
-              </a:extLst>
-            </p:cNvPr>
-            <p:cNvSpPr txBox="1"/>
-            <p:nvPr/>
-          </p:nvSpPr>
-          <p:spPr>
-            <a:xfrm>
-              <a:off x="5888286" y="952959"/>
-              <a:ext cx="958096" cy="646331"/>
-            </a:xfrm>
-            <a:prstGeom prst="rect">
-              <a:avLst/>
-            </a:prstGeom>
-            <a:noFill/>
-          </p:spPr>
-          <p:txBody>
-            <a:bodyPr wrap="square" lIns="108000" rIns="108000" rtlCol="0">
-              <a:spAutoFit/>
-            </a:bodyPr>
-            <a:lstStyle/>
-            <a:p>
-              <a:pPr algn="ctr"/>
-              <a:r>
-                <a:rPr lang="en-US" altLang="ko-KR" sz="3600" b="1" dirty="0">
-                  <a:solidFill>
-                    <a:schemeClr val="bg1"/>
-                  </a:solidFill>
-                  <a:cs typeface="Arial" pitchFamily="34" charset="0"/>
-                </a:rPr>
-                <a:t>04</a:t>
-              </a:r>
-              <a:endParaRPr lang="ko-KR" altLang="en-US" sz="3600" b="1" dirty="0">
-                <a:solidFill>
-                  <a:schemeClr val="bg1"/>
-                </a:solidFill>
-                <a:cs typeface="Arial" pitchFamily="34" charset="0"/>
-              </a:endParaRPr>
-            </a:p>
-          </p:txBody>
-        </p:sp>
-      </p:grpSp>
-      <p:grpSp>
-        <p:nvGrpSpPr>
-          <p:cNvPr id="36" name="Group 35">
-            <a:extLst>
-              <a:ext uri="{FF2B5EF4-FFF2-40B4-BE49-F238E27FC236}">
-                <a16:creationId xmlns:a16="http://schemas.microsoft.com/office/drawing/2014/main" xmlns="" id="{5E1FA318-D28D-49BC-8B3D-13CEC7146371}"/>
-              </a:ext>
-            </a:extLst>
-          </p:cNvPr>
-          <p:cNvGrpSpPr/>
-          <p:nvPr/>
-        </p:nvGrpSpPr>
-        <p:grpSpPr>
-          <a:xfrm>
-            <a:off x="5266099" y="2381081"/>
-            <a:ext cx="5363972" cy="806674"/>
-            <a:chOff x="5888286" y="872788"/>
-            <a:chExt cx="5363972" cy="806674"/>
-          </a:xfrm>
-        </p:grpSpPr>
-        <p:sp>
-          <p:nvSpPr>
-            <p:cNvPr id="42" name="TextBox 41">
-              <a:extLst>
-                <a:ext uri="{FF2B5EF4-FFF2-40B4-BE49-F238E27FC236}">
-                  <a16:creationId xmlns:a16="http://schemas.microsoft.com/office/drawing/2014/main" xmlns="" id="{AD85071E-3F3F-48E7-8B2B-0ED76E67B1DF}"/>
-                </a:ext>
-              </a:extLst>
-            </p:cNvPr>
-            <p:cNvSpPr txBox="1"/>
-            <p:nvPr/>
-          </p:nvSpPr>
-          <p:spPr>
-            <a:xfrm>
-              <a:off x="7203583" y="876016"/>
-              <a:ext cx="4048675" cy="369332"/>
-            </a:xfrm>
-            <a:prstGeom prst="rect">
-              <a:avLst/>
-            </a:prstGeom>
-            <a:noFill/>
-          </p:spPr>
-          <p:txBody>
-            <a:bodyPr wrap="square" lIns="108000" rIns="108000" rtlCol="0">
-              <a:spAutoFit/>
-            </a:bodyPr>
-            <a:lstStyle/>
-            <a:p>
-              <a:endParaRPr lang="ko-KR" altLang="en-US" b="1" dirty="0">
-                <a:cs typeface="Arial" pitchFamily="34" charset="0"/>
-              </a:endParaRPr>
-            </a:p>
-          </p:txBody>
-        </p:sp>
-        <p:grpSp>
-          <p:nvGrpSpPr>
-            <p:cNvPr id="38" name="Group 37">
-              <a:extLst>
-                <a:ext uri="{FF2B5EF4-FFF2-40B4-BE49-F238E27FC236}">
-                  <a16:creationId xmlns:a16="http://schemas.microsoft.com/office/drawing/2014/main" xmlns="" id="{3068AAC4-D61B-4BC8-9F4B-178CEDA50B92}"/>
-                </a:ext>
-              </a:extLst>
-            </p:cNvPr>
-            <p:cNvGrpSpPr/>
-            <p:nvPr/>
-          </p:nvGrpSpPr>
-          <p:grpSpPr>
-            <a:xfrm>
-              <a:off x="5888286" y="872788"/>
-              <a:ext cx="958096" cy="806674"/>
-              <a:chOff x="10821233" y="4691001"/>
-              <a:chExt cx="958096" cy="806674"/>
-            </a:xfrm>
-          </p:grpSpPr>
-          <p:sp>
-            <p:nvSpPr>
-              <p:cNvPr id="39" name="Rectangle: Rounded Corners 45">
-                <a:extLst>
-                  <a:ext uri="{FF2B5EF4-FFF2-40B4-BE49-F238E27FC236}">
-                    <a16:creationId xmlns:a16="http://schemas.microsoft.com/office/drawing/2014/main" xmlns="" id="{11D7144D-9153-4E24-8457-E14BE03052B6}"/>
-                  </a:ext>
-                </a:extLst>
-              </p:cNvPr>
-              <p:cNvSpPr/>
-              <p:nvPr/>
-            </p:nvSpPr>
-            <p:spPr>
-              <a:xfrm rot="18900000">
-                <a:off x="10896944" y="4691001"/>
-                <a:ext cx="806674" cy="806674"/>
-              </a:xfrm>
-              <a:prstGeom prst="roundRect">
-                <a:avLst/>
-              </a:prstGeom>
-              <a:solidFill>
-                <a:schemeClr val="accent3"/>
-              </a:solidFill>
-              <a:ln>
-                <a:noFill/>
-              </a:ln>
-            </p:spPr>
-            <p:style>
-              <a:lnRef idx="2">
-                <a:schemeClr val="accent1">
-                  <a:shade val="50000"/>
-                </a:schemeClr>
-              </a:lnRef>
-              <a:fillRef idx="1">
-                <a:schemeClr val="accent1"/>
-              </a:fillRef>
-              <a:effectRef idx="0">
-                <a:schemeClr val="accent1"/>
-              </a:effectRef>
-              <a:fontRef idx="minor">
-                <a:schemeClr val="lt1"/>
-              </a:fontRef>
-            </p:style>
-            <p:txBody>
-              <a:bodyPr rtlCol="0" anchor="ctr"/>
-              <a:lstStyle/>
-              <a:p>
-                <a:pPr algn="ctr"/>
-                <a:endParaRPr lang="en-US"/>
-              </a:p>
-            </p:txBody>
-          </p:sp>
-          <p:sp>
-            <p:nvSpPr>
-              <p:cNvPr id="40" name="TextBox 39">
-                <a:extLst>
-                  <a:ext uri="{FF2B5EF4-FFF2-40B4-BE49-F238E27FC236}">
-                    <a16:creationId xmlns:a16="http://schemas.microsoft.com/office/drawing/2014/main" xmlns="" id="{6E3D67D8-734C-4374-91F2-93E409C3830E}"/>
-                  </a:ext>
-                </a:extLst>
-              </p:cNvPr>
-              <p:cNvSpPr txBox="1"/>
-              <p:nvPr/>
-            </p:nvSpPr>
-            <p:spPr>
-              <a:xfrm>
-                <a:off x="10821233" y="4771172"/>
-                <a:ext cx="958096" cy="646331"/>
-              </a:xfrm>
-              <a:prstGeom prst="rect">
-                <a:avLst/>
-              </a:prstGeom>
-              <a:noFill/>
-            </p:spPr>
-            <p:txBody>
-              <a:bodyPr wrap="square" lIns="108000" rIns="108000" rtlCol="0">
-                <a:spAutoFit/>
-              </a:bodyPr>
-              <a:lstStyle/>
-              <a:p>
-                <a:pPr algn="ctr"/>
-                <a:r>
-                  <a:rPr lang="en-US" altLang="ko-KR" sz="3600" b="1" dirty="0" smtClean="0">
-                    <a:solidFill>
-                      <a:schemeClr val="bg1"/>
-                    </a:solidFill>
-                    <a:cs typeface="Arial" pitchFamily="34" charset="0"/>
-                  </a:rPr>
-                  <a:t>02</a:t>
-                </a:r>
-                <a:endParaRPr lang="ko-KR" altLang="en-US" sz="3600" b="1" dirty="0">
-                  <a:solidFill>
-                    <a:schemeClr val="bg1"/>
-                  </a:solidFill>
-                  <a:cs typeface="Arial" pitchFamily="34" charset="0"/>
-                </a:endParaRPr>
-              </a:p>
-            </p:txBody>
-          </p:sp>
-        </p:grpSp>
-      </p:grpSp>
-      <p:grpSp>
-        <p:nvGrpSpPr>
-          <p:cNvPr id="43" name="Group 42">
-            <a:extLst>
-              <a:ext uri="{FF2B5EF4-FFF2-40B4-BE49-F238E27FC236}">
-                <a16:creationId xmlns:a16="http://schemas.microsoft.com/office/drawing/2014/main" xmlns="" id="{5E1FA318-D28D-49BC-8B3D-13CEC7146371}"/>
-              </a:ext>
-            </a:extLst>
-          </p:cNvPr>
-          <p:cNvGrpSpPr/>
-          <p:nvPr/>
-        </p:nvGrpSpPr>
-        <p:grpSpPr>
-          <a:xfrm>
-            <a:off x="4718800" y="1003442"/>
-            <a:ext cx="5363972" cy="806674"/>
-            <a:chOff x="5888286" y="872788"/>
-            <a:chExt cx="5363972" cy="806674"/>
-          </a:xfrm>
-        </p:grpSpPr>
-        <p:grpSp>
-          <p:nvGrpSpPr>
-            <p:cNvPr id="44" name="Group 43">
-              <a:extLst>
-                <a:ext uri="{FF2B5EF4-FFF2-40B4-BE49-F238E27FC236}">
-                  <a16:creationId xmlns:a16="http://schemas.microsoft.com/office/drawing/2014/main" xmlns="" id="{EEDE3C0D-EA3A-4EC1-9425-20BACC2A10E9}"/>
-                </a:ext>
-              </a:extLst>
-            </p:cNvPr>
-            <p:cNvGrpSpPr/>
-            <p:nvPr/>
-          </p:nvGrpSpPr>
-          <p:grpSpPr>
-            <a:xfrm>
-              <a:off x="7203583" y="876016"/>
-              <a:ext cx="4048675" cy="615553"/>
-              <a:chOff x="6557475" y="1411926"/>
-              <a:chExt cx="4048675" cy="615553"/>
-            </a:xfrm>
-          </p:grpSpPr>
-          <p:sp>
-            <p:nvSpPr>
-              <p:cNvPr id="48" name="TextBox 47">
-                <a:extLst>
-                  <a:ext uri="{FF2B5EF4-FFF2-40B4-BE49-F238E27FC236}">
-                    <a16:creationId xmlns:a16="http://schemas.microsoft.com/office/drawing/2014/main" xmlns="" id="{E8879DAB-E9EB-4C76-92F4-033A8AC51FFD}"/>
-                  </a:ext>
-                </a:extLst>
-              </p:cNvPr>
-              <p:cNvSpPr txBox="1"/>
-              <p:nvPr/>
-            </p:nvSpPr>
-            <p:spPr>
-              <a:xfrm>
-                <a:off x="6557475" y="1750480"/>
-                <a:ext cx="4048675" cy="276999"/>
-              </a:xfrm>
-              <a:prstGeom prst="rect">
-                <a:avLst/>
-              </a:prstGeom>
-              <a:noFill/>
-            </p:spPr>
-            <p:txBody>
-              <a:bodyPr wrap="square" rtlCol="0">
-                <a:spAutoFit/>
-              </a:bodyPr>
-              <a:lstStyle/>
-              <a:p>
-                <a:endParaRPr lang="en-US" altLang="ko-KR" sz="1200" dirty="0">
-                  <a:solidFill>
-                    <a:schemeClr val="tx1">
-                      <a:lumMod val="85000"/>
-                      <a:lumOff val="15000"/>
-                    </a:schemeClr>
-                  </a:solidFill>
-                  <a:cs typeface="Arial" pitchFamily="34" charset="0"/>
-                </a:endParaRPr>
-              </a:p>
-            </p:txBody>
-          </p:sp>
-          <p:sp>
-            <p:nvSpPr>
-              <p:cNvPr id="49" name="TextBox 48">
-                <a:extLst>
-                  <a:ext uri="{FF2B5EF4-FFF2-40B4-BE49-F238E27FC236}">
-                    <a16:creationId xmlns:a16="http://schemas.microsoft.com/office/drawing/2014/main" xmlns="" id="{AD85071E-3F3F-48E7-8B2B-0ED76E67B1DF}"/>
-                  </a:ext>
-                </a:extLst>
-              </p:cNvPr>
-              <p:cNvSpPr txBox="1"/>
-              <p:nvPr/>
-            </p:nvSpPr>
-            <p:spPr>
-              <a:xfrm>
-                <a:off x="6557475" y="1411926"/>
-                <a:ext cx="4048675" cy="369332"/>
-              </a:xfrm>
-              <a:prstGeom prst="rect">
-                <a:avLst/>
-              </a:prstGeom>
-              <a:noFill/>
-            </p:spPr>
-            <p:txBody>
-              <a:bodyPr wrap="square" lIns="108000" rIns="108000" rtlCol="0">
-                <a:spAutoFit/>
-              </a:bodyPr>
-              <a:lstStyle/>
-              <a:p>
-                <a:endParaRPr lang="ko-KR" altLang="en-US" b="1" dirty="0">
-                  <a:cs typeface="Arial" pitchFamily="34" charset="0"/>
-                </a:endParaRPr>
-              </a:p>
-            </p:txBody>
-          </p:sp>
-        </p:grpSp>
-        <p:grpSp>
-          <p:nvGrpSpPr>
-            <p:cNvPr id="45" name="Group 44">
-              <a:extLst>
-                <a:ext uri="{FF2B5EF4-FFF2-40B4-BE49-F238E27FC236}">
-                  <a16:creationId xmlns:a16="http://schemas.microsoft.com/office/drawing/2014/main" xmlns="" id="{3068AAC4-D61B-4BC8-9F4B-178CEDA50B92}"/>
-                </a:ext>
-              </a:extLst>
-            </p:cNvPr>
-            <p:cNvGrpSpPr/>
-            <p:nvPr/>
-          </p:nvGrpSpPr>
-          <p:grpSpPr>
-            <a:xfrm>
-              <a:off x="5888286" y="872788"/>
-              <a:ext cx="958096" cy="806674"/>
-              <a:chOff x="10821233" y="4691001"/>
-              <a:chExt cx="958096" cy="806674"/>
-            </a:xfrm>
-          </p:grpSpPr>
-          <p:sp>
-            <p:nvSpPr>
-              <p:cNvPr id="46" name="Rectangle: Rounded Corners 45">
-                <a:extLst>
-                  <a:ext uri="{FF2B5EF4-FFF2-40B4-BE49-F238E27FC236}">
-                    <a16:creationId xmlns:a16="http://schemas.microsoft.com/office/drawing/2014/main" xmlns="" id="{11D7144D-9153-4E24-8457-E14BE03052B6}"/>
-                  </a:ext>
-                </a:extLst>
-              </p:cNvPr>
-              <p:cNvSpPr/>
-              <p:nvPr/>
-            </p:nvSpPr>
-            <p:spPr>
-              <a:xfrm rot="18900000">
-                <a:off x="10896944" y="4691001"/>
-                <a:ext cx="806674" cy="806674"/>
-              </a:xfrm>
-              <a:prstGeom prst="roundRect">
-                <a:avLst/>
-              </a:prstGeom>
-              <a:solidFill>
-                <a:schemeClr val="accent3"/>
-              </a:solidFill>
-              <a:ln>
-                <a:noFill/>
-              </a:ln>
-            </p:spPr>
-            <p:style>
-              <a:lnRef idx="2">
-                <a:schemeClr val="accent1">
-                  <a:shade val="50000"/>
-                </a:schemeClr>
-              </a:lnRef>
-              <a:fillRef idx="1">
-                <a:schemeClr val="accent1"/>
-              </a:fillRef>
-              <a:effectRef idx="0">
-                <a:schemeClr val="accent1"/>
-              </a:effectRef>
-              <a:fontRef idx="minor">
-                <a:schemeClr val="lt1"/>
-              </a:fontRef>
-            </p:style>
-            <p:txBody>
-              <a:bodyPr rtlCol="0" anchor="ctr"/>
-              <a:lstStyle/>
-              <a:p>
-                <a:pPr algn="ctr"/>
-                <a:endParaRPr lang="en-US"/>
-              </a:p>
-            </p:txBody>
-          </p:sp>
-          <p:sp>
-            <p:nvSpPr>
-              <p:cNvPr id="47" name="TextBox 46">
-                <a:extLst>
-                  <a:ext uri="{FF2B5EF4-FFF2-40B4-BE49-F238E27FC236}">
-                    <a16:creationId xmlns:a16="http://schemas.microsoft.com/office/drawing/2014/main" xmlns="" id="{6E3D67D8-734C-4374-91F2-93E409C3830E}"/>
-                  </a:ext>
-                </a:extLst>
-              </p:cNvPr>
-              <p:cNvSpPr txBox="1"/>
-              <p:nvPr/>
-            </p:nvSpPr>
-            <p:spPr>
-              <a:xfrm>
-                <a:off x="10821233" y="4771172"/>
-                <a:ext cx="958096" cy="646331"/>
-              </a:xfrm>
-              <a:prstGeom prst="rect">
-                <a:avLst/>
-              </a:prstGeom>
-              <a:noFill/>
-            </p:spPr>
-            <p:txBody>
-              <a:bodyPr wrap="square" lIns="108000" rIns="108000" rtlCol="0">
-                <a:spAutoFit/>
-              </a:bodyPr>
-              <a:lstStyle/>
-              <a:p>
-                <a:pPr algn="ctr"/>
-                <a:r>
-                  <a:rPr lang="en-US" altLang="ko-KR" sz="3600" b="1" dirty="0">
-                    <a:solidFill>
-                      <a:schemeClr val="bg1"/>
-                    </a:solidFill>
-                    <a:cs typeface="Arial" pitchFamily="34" charset="0"/>
-                  </a:rPr>
-                  <a:t>03</a:t>
-                </a:r>
-                <a:endParaRPr lang="ko-KR" altLang="en-US" sz="3600" b="1" dirty="0">
-                  <a:solidFill>
-                    <a:schemeClr val="bg1"/>
-                  </a:solidFill>
-                  <a:cs typeface="Arial" pitchFamily="34" charset="0"/>
-                </a:endParaRPr>
-              </a:p>
-            </p:txBody>
-          </p:sp>
-        </p:grpSp>
-      </p:grpSp>
-      <p:grpSp>
-        <p:nvGrpSpPr>
-          <p:cNvPr id="50" name="Group 49">
-            <a:extLst>
-              <a:ext uri="{FF2B5EF4-FFF2-40B4-BE49-F238E27FC236}">
-                <a16:creationId xmlns:a16="http://schemas.microsoft.com/office/drawing/2014/main" xmlns="" id="{5E1FA318-D28D-49BC-8B3D-13CEC7146371}"/>
-              </a:ext>
-            </a:extLst>
-          </p:cNvPr>
-          <p:cNvGrpSpPr/>
-          <p:nvPr/>
-        </p:nvGrpSpPr>
-        <p:grpSpPr>
-          <a:xfrm>
-            <a:off x="6360258" y="5043474"/>
-            <a:ext cx="5363972" cy="806674"/>
-            <a:chOff x="5888286" y="872788"/>
-            <a:chExt cx="5363972" cy="806674"/>
-          </a:xfrm>
-        </p:grpSpPr>
-        <p:sp>
-          <p:nvSpPr>
-            <p:cNvPr id="56" name="TextBox 55">
-              <a:extLst>
-                <a:ext uri="{FF2B5EF4-FFF2-40B4-BE49-F238E27FC236}">
-                  <a16:creationId xmlns:a16="http://schemas.microsoft.com/office/drawing/2014/main" xmlns="" id="{AD85071E-3F3F-48E7-8B2B-0ED76E67B1DF}"/>
-                </a:ext>
-              </a:extLst>
-            </p:cNvPr>
-            <p:cNvSpPr txBox="1"/>
-            <p:nvPr/>
-          </p:nvSpPr>
-          <p:spPr>
-            <a:xfrm>
-              <a:off x="7203583" y="876016"/>
-              <a:ext cx="4048675" cy="369332"/>
-            </a:xfrm>
-            <a:prstGeom prst="rect">
-              <a:avLst/>
-            </a:prstGeom>
-            <a:noFill/>
-          </p:spPr>
-          <p:txBody>
-            <a:bodyPr wrap="square" lIns="108000" rIns="108000" rtlCol="0">
-              <a:spAutoFit/>
-            </a:bodyPr>
-            <a:lstStyle/>
-            <a:p>
-              <a:endParaRPr lang="ko-KR" altLang="en-US" b="1" dirty="0">
-                <a:cs typeface="Arial" pitchFamily="34" charset="0"/>
-              </a:endParaRPr>
-            </a:p>
-          </p:txBody>
-        </p:sp>
-        <p:grpSp>
-          <p:nvGrpSpPr>
-            <p:cNvPr id="52" name="Group 51">
-              <a:extLst>
-                <a:ext uri="{FF2B5EF4-FFF2-40B4-BE49-F238E27FC236}">
-                  <a16:creationId xmlns:a16="http://schemas.microsoft.com/office/drawing/2014/main" xmlns="" id="{3068AAC4-D61B-4BC8-9F4B-178CEDA50B92}"/>
-                </a:ext>
-              </a:extLst>
-            </p:cNvPr>
-            <p:cNvGrpSpPr/>
-            <p:nvPr/>
-          </p:nvGrpSpPr>
-          <p:grpSpPr>
-            <a:xfrm>
-              <a:off x="5888286" y="872788"/>
-              <a:ext cx="958096" cy="806674"/>
-              <a:chOff x="10821233" y="4691001"/>
-              <a:chExt cx="958096" cy="806674"/>
-            </a:xfrm>
-          </p:grpSpPr>
-          <p:sp>
-            <p:nvSpPr>
-              <p:cNvPr id="53" name="Rectangle: Rounded Corners 45">
-                <a:extLst>
-                  <a:ext uri="{FF2B5EF4-FFF2-40B4-BE49-F238E27FC236}">
-                    <a16:creationId xmlns:a16="http://schemas.microsoft.com/office/drawing/2014/main" xmlns="" id="{11D7144D-9153-4E24-8457-E14BE03052B6}"/>
-                  </a:ext>
-                </a:extLst>
-              </p:cNvPr>
-              <p:cNvSpPr/>
-              <p:nvPr/>
-            </p:nvSpPr>
-            <p:spPr>
-              <a:xfrm rot="18900000">
-                <a:off x="10896944" y="4691001"/>
-                <a:ext cx="806674" cy="806674"/>
-              </a:xfrm>
-              <a:prstGeom prst="roundRect">
-                <a:avLst/>
-              </a:prstGeom>
-              <a:solidFill>
-                <a:schemeClr val="accent3"/>
-              </a:solidFill>
-              <a:ln>
-                <a:noFill/>
-              </a:ln>
-            </p:spPr>
-            <p:style>
-              <a:lnRef idx="2">
-                <a:schemeClr val="accent1">
-                  <a:shade val="50000"/>
-                </a:schemeClr>
-              </a:lnRef>
-              <a:fillRef idx="1">
-                <a:schemeClr val="accent1"/>
-              </a:fillRef>
-              <a:effectRef idx="0">
-                <a:schemeClr val="accent1"/>
-              </a:effectRef>
-              <a:fontRef idx="minor">
-                <a:schemeClr val="lt1"/>
-              </a:fontRef>
-            </p:style>
-            <p:txBody>
-              <a:bodyPr rtlCol="0" anchor="ctr"/>
-              <a:lstStyle/>
-              <a:p>
-                <a:pPr algn="ctr"/>
-                <a:endParaRPr lang="en-US"/>
-              </a:p>
-            </p:txBody>
-          </p:sp>
-          <p:sp>
-            <p:nvSpPr>
-              <p:cNvPr id="54" name="TextBox 53">
-                <a:extLst>
-                  <a:ext uri="{FF2B5EF4-FFF2-40B4-BE49-F238E27FC236}">
-                    <a16:creationId xmlns:a16="http://schemas.microsoft.com/office/drawing/2014/main" xmlns="" id="{6E3D67D8-734C-4374-91F2-93E409C3830E}"/>
-                  </a:ext>
-                </a:extLst>
-              </p:cNvPr>
-              <p:cNvSpPr txBox="1"/>
-              <p:nvPr/>
-            </p:nvSpPr>
-            <p:spPr>
-              <a:xfrm>
-                <a:off x="10821233" y="4771172"/>
-                <a:ext cx="958096" cy="646331"/>
-              </a:xfrm>
-              <a:prstGeom prst="rect">
-                <a:avLst/>
-              </a:prstGeom>
-              <a:noFill/>
-            </p:spPr>
-            <p:txBody>
-              <a:bodyPr wrap="square" lIns="108000" rIns="108000" rtlCol="0">
-                <a:spAutoFit/>
-              </a:bodyPr>
-              <a:lstStyle/>
-              <a:p>
-                <a:pPr algn="ctr"/>
-                <a:r>
-                  <a:rPr lang="en-US" altLang="ko-KR" sz="3600" b="1" dirty="0">
-                    <a:solidFill>
-                      <a:schemeClr val="bg1"/>
-                    </a:solidFill>
-                    <a:cs typeface="Arial" pitchFamily="34" charset="0"/>
-                  </a:rPr>
-                  <a:t>03</a:t>
-                </a:r>
-                <a:endParaRPr lang="ko-KR" altLang="en-US" sz="3600" b="1" dirty="0">
-                  <a:solidFill>
-                    <a:schemeClr val="bg1"/>
-                  </a:solidFill>
-                  <a:cs typeface="Arial" pitchFamily="34" charset="0"/>
-                </a:endParaRPr>
-              </a:p>
-            </p:txBody>
-          </p:sp>
-        </p:grpSp>
-      </p:grpSp>
-      <p:grpSp>
-        <p:nvGrpSpPr>
-          <p:cNvPr id="57" name="Group 56">
             <a:extLst>
               <a:ext uri="{FF2B5EF4-FFF2-40B4-BE49-F238E27FC236}">
                 <a16:creationId xmlns:a16="http://schemas.microsoft.com/office/drawing/2014/main" xmlns="" id="{49C4A1CB-5CE3-415B-8C0E-D7E19DA22EF3}"/>
@@ -4421,8 +5148,8 @@
         </p:nvGrpSpPr>
         <p:grpSpPr>
           <a:xfrm flipH="1">
-            <a:off x="259424" y="679948"/>
-            <a:ext cx="6100834" cy="5884962"/>
+            <a:off x="231289" y="281354"/>
+            <a:ext cx="5958496" cy="6576646"/>
             <a:chOff x="115141" y="2730175"/>
             <a:chExt cx="4279242" cy="4127825"/>
           </a:xfrm>
@@ -4432,7 +5159,7 @@
         </p:grpSpPr>
         <p:sp>
           <p:nvSpPr>
-            <p:cNvPr id="58" name="Freeform: Shape 9">
+            <p:cNvPr id="9" name="Freeform: Shape 9">
               <a:extLst>
                 <a:ext uri="{FF2B5EF4-FFF2-40B4-BE49-F238E27FC236}">
                   <a16:creationId xmlns:a16="http://schemas.microsoft.com/office/drawing/2014/main" xmlns="" id="{BC02C254-8B9A-4B32-A29A-6F720FA30F0F}"/>
@@ -5703,30 +6430,42 @@
             <a:ln/>
           </p:spPr>
           <p:style>
-            <a:lnRef idx="1">
-              <a:schemeClr val="accent3"/>
+            <a:lnRef idx="0">
+              <a:schemeClr val="dk1"/>
             </a:lnRef>
-            <a:fillRef idx="2">
-              <a:schemeClr val="accent3"/>
+            <a:fillRef idx="3">
+              <a:schemeClr val="dk1"/>
             </a:fillRef>
-            <a:effectRef idx="1">
-              <a:schemeClr val="accent3"/>
+            <a:effectRef idx="3">
+              <a:schemeClr val="dk1"/>
             </a:effectRef>
             <a:fontRef idx="minor">
-              <a:schemeClr val="dk1"/>
+              <a:schemeClr val="lt1"/>
             </a:fontRef>
           </p:style>
           <p:txBody>
             <a:bodyPr rtlCol="0" anchor="ctr"/>
             <a:lstStyle/>
             <a:p>
-              <a:endParaRPr lang="en-US"/>
+              <a:endParaRPr lang="en-US">
+                <a:ln w="0"/>
+                <a:solidFill>
+                  <a:schemeClr val="tx1"/>
+                </a:solidFill>
+                <a:effectLst>
+                  <a:outerShdw blurRad="38100" dist="19050" dir="2700000" algn="tl" rotWithShape="0">
+                    <a:schemeClr val="dk1">
+                      <a:alpha val="40000"/>
+                    </a:schemeClr>
+                  </a:outerShdw>
+                </a:effectLst>
+              </a:endParaRPr>
             </a:p>
           </p:txBody>
         </p:sp>
         <p:sp>
           <p:nvSpPr>
-            <p:cNvPr id="59" name="Freeform: Shape 10">
+            <p:cNvPr id="10" name="Freeform: Shape 10">
               <a:extLst>
                 <a:ext uri="{FF2B5EF4-FFF2-40B4-BE49-F238E27FC236}">
                   <a16:creationId xmlns:a16="http://schemas.microsoft.com/office/drawing/2014/main" xmlns="" id="{DBEFE929-2BC4-4582-A2BE-664F6D5B5072}"/>
@@ -13889,17 +14628,17 @@
             <a:ln/>
           </p:spPr>
           <p:style>
-            <a:lnRef idx="1">
-              <a:schemeClr val="accent3"/>
+            <a:lnRef idx="0">
+              <a:schemeClr val="dk1"/>
             </a:lnRef>
-            <a:fillRef idx="2">
-              <a:schemeClr val="accent3"/>
+            <a:fillRef idx="3">
+              <a:schemeClr val="dk1"/>
             </a:fillRef>
-            <a:effectRef idx="1">
-              <a:schemeClr val="accent3"/>
+            <a:effectRef idx="3">
+              <a:schemeClr val="dk1"/>
             </a:effectRef>
             <a:fontRef idx="minor">
-              <a:schemeClr val="dk1"/>
+              <a:schemeClr val="lt1"/>
             </a:fontRef>
           </p:style>
           <p:txBody>
@@ -13908,15 +14647,1296 @@
             </a:bodyPr>
             <a:lstStyle/>
             <a:p>
-              <a:endParaRPr lang="en-US" dirty="0"/>
+              <a:endParaRPr lang="en-US" dirty="0">
+                <a:ln w="0"/>
+                <a:solidFill>
+                  <a:schemeClr val="tx1"/>
+                </a:solidFill>
+                <a:effectLst>
+                  <a:outerShdw blurRad="38100" dist="19050" dir="2700000" algn="tl" rotWithShape="0">
+                    <a:schemeClr val="dk1">
+                      <a:alpha val="40000"/>
+                    </a:schemeClr>
+                  </a:outerShdw>
+                </a:effectLst>
+              </a:endParaRPr>
             </a:p>
           </p:txBody>
         </p:sp>
       </p:grpSp>
+      <p:grpSp>
+        <p:nvGrpSpPr>
+          <p:cNvPr id="14" name="Group 13">
+            <a:extLst>
+              <a:ext uri="{FF2B5EF4-FFF2-40B4-BE49-F238E27FC236}">
+                <a16:creationId xmlns:a16="http://schemas.microsoft.com/office/drawing/2014/main" xmlns="" id="{5E1FA318-D28D-49BC-8B3D-13CEC7146371}"/>
+              </a:ext>
+            </a:extLst>
+          </p:cNvPr>
+          <p:cNvGrpSpPr/>
+          <p:nvPr/>
+        </p:nvGrpSpPr>
+        <p:grpSpPr>
+          <a:xfrm>
+            <a:off x="7002356" y="1272672"/>
+            <a:ext cx="4557768" cy="712816"/>
+            <a:chOff x="5888286" y="872788"/>
+            <a:chExt cx="5225642" cy="806674"/>
+          </a:xfrm>
+        </p:grpSpPr>
+        <p:sp>
+          <p:nvSpPr>
+            <p:cNvPr id="19" name="TextBox 18">
+              <a:extLst>
+                <a:ext uri="{FF2B5EF4-FFF2-40B4-BE49-F238E27FC236}">
+                  <a16:creationId xmlns:a16="http://schemas.microsoft.com/office/drawing/2014/main" xmlns="" id="{E8879DAB-E9EB-4C76-92F4-033A8AC51FFD}"/>
+                </a:ext>
+              </a:extLst>
+            </p:cNvPr>
+            <p:cNvSpPr txBox="1"/>
+            <p:nvPr/>
+          </p:nvSpPr>
+          <p:spPr>
+            <a:xfrm>
+              <a:off x="7036589" y="1001465"/>
+              <a:ext cx="4077339" cy="522453"/>
+            </a:xfrm>
+            <a:prstGeom prst="rect">
+              <a:avLst/>
+            </a:prstGeom>
+            <a:noFill/>
+          </p:spPr>
+          <p:txBody>
+            <a:bodyPr wrap="square" rtlCol="0">
+              <a:spAutoFit/>
+            </a:bodyPr>
+            <a:lstStyle/>
+            <a:p>
+              <a:r>
+                <a:rPr lang="en-US" altLang="ko-KR" sz="2400" dirty="0" smtClean="0">
+                  <a:solidFill>
+                    <a:schemeClr val="tx1">
+                      <a:lumMod val="85000"/>
+                      <a:lumOff val="15000"/>
+                    </a:schemeClr>
+                  </a:solidFill>
+                  <a:latin typeface="Candara" panose="020E0502030303020204" pitchFamily="34" charset="0"/>
+                  <a:cs typeface="Arial" pitchFamily="34" charset="0"/>
+                </a:rPr>
+                <a:t>Overview of project</a:t>
+              </a:r>
+              <a:endParaRPr lang="en-US" altLang="ko-KR" sz="2400" dirty="0">
+                <a:solidFill>
+                  <a:schemeClr val="tx1">
+                    <a:lumMod val="85000"/>
+                    <a:lumOff val="15000"/>
+                  </a:schemeClr>
+                </a:solidFill>
+                <a:latin typeface="Candara" panose="020E0502030303020204" pitchFamily="34" charset="0"/>
+                <a:cs typeface="Arial" pitchFamily="34" charset="0"/>
+              </a:endParaRPr>
+            </a:p>
+          </p:txBody>
+        </p:sp>
+        <p:grpSp>
+          <p:nvGrpSpPr>
+            <p:cNvPr id="16" name="Group 15">
+              <a:extLst>
+                <a:ext uri="{FF2B5EF4-FFF2-40B4-BE49-F238E27FC236}">
+                  <a16:creationId xmlns:a16="http://schemas.microsoft.com/office/drawing/2014/main" xmlns="" id="{3068AAC4-D61B-4BC8-9F4B-178CEDA50B92}"/>
+                </a:ext>
+              </a:extLst>
+            </p:cNvPr>
+            <p:cNvGrpSpPr/>
+            <p:nvPr/>
+          </p:nvGrpSpPr>
+          <p:grpSpPr>
+            <a:xfrm>
+              <a:off x="5888286" y="872788"/>
+              <a:ext cx="958096" cy="806674"/>
+              <a:chOff x="10821233" y="4691001"/>
+              <a:chExt cx="958096" cy="806674"/>
+            </a:xfrm>
+          </p:grpSpPr>
+          <p:sp>
+            <p:nvSpPr>
+              <p:cNvPr id="17" name="Rectangle: Rounded Corners 45">
+                <a:extLst>
+                  <a:ext uri="{FF2B5EF4-FFF2-40B4-BE49-F238E27FC236}">
+                    <a16:creationId xmlns:a16="http://schemas.microsoft.com/office/drawing/2014/main" xmlns="" id="{11D7144D-9153-4E24-8457-E14BE03052B6}"/>
+                  </a:ext>
+                </a:extLst>
+              </p:cNvPr>
+              <p:cNvSpPr/>
+              <p:nvPr/>
+            </p:nvSpPr>
+            <p:spPr>
+              <a:xfrm rot="18900000">
+                <a:off x="10896944" y="4691001"/>
+                <a:ext cx="806674" cy="806674"/>
+              </a:xfrm>
+              <a:prstGeom prst="roundRect">
+                <a:avLst/>
+              </a:prstGeom>
+              <a:solidFill>
+                <a:schemeClr val="accent3"/>
+              </a:solidFill>
+              <a:ln>
+                <a:noFill/>
+              </a:ln>
+            </p:spPr>
+            <p:style>
+              <a:lnRef idx="2">
+                <a:schemeClr val="accent1">
+                  <a:shade val="50000"/>
+                </a:schemeClr>
+              </a:lnRef>
+              <a:fillRef idx="1">
+                <a:schemeClr val="accent1"/>
+              </a:fillRef>
+              <a:effectRef idx="0">
+                <a:schemeClr val="accent1"/>
+              </a:effectRef>
+              <a:fontRef idx="minor">
+                <a:schemeClr val="lt1"/>
+              </a:fontRef>
+            </p:style>
+            <p:txBody>
+              <a:bodyPr rtlCol="0" anchor="ctr"/>
+              <a:lstStyle/>
+              <a:p>
+                <a:pPr algn="ctr"/>
+                <a:endParaRPr lang="en-US"/>
+              </a:p>
+            </p:txBody>
+          </p:sp>
+          <p:sp>
+            <p:nvSpPr>
+              <p:cNvPr id="18" name="TextBox 17">
+                <a:extLst>
+                  <a:ext uri="{FF2B5EF4-FFF2-40B4-BE49-F238E27FC236}">
+                    <a16:creationId xmlns:a16="http://schemas.microsoft.com/office/drawing/2014/main" xmlns="" id="{6E3D67D8-734C-4374-91F2-93E409C3830E}"/>
+                  </a:ext>
+                </a:extLst>
+              </p:cNvPr>
+              <p:cNvSpPr txBox="1"/>
+              <p:nvPr/>
+            </p:nvSpPr>
+            <p:spPr>
+              <a:xfrm>
+                <a:off x="10821233" y="4771172"/>
+                <a:ext cx="958096" cy="646331"/>
+              </a:xfrm>
+              <a:prstGeom prst="rect">
+                <a:avLst/>
+              </a:prstGeom>
+              <a:noFill/>
+            </p:spPr>
+            <p:txBody>
+              <a:bodyPr wrap="square" lIns="108000" rIns="108000" rtlCol="0">
+                <a:spAutoFit/>
+              </a:bodyPr>
+              <a:lstStyle/>
+              <a:p>
+                <a:pPr algn="ctr"/>
+                <a:r>
+                  <a:rPr lang="en-US" altLang="ko-KR" sz="3600" b="1" dirty="0" smtClean="0">
+                    <a:solidFill>
+                      <a:schemeClr val="bg1"/>
+                    </a:solidFill>
+                    <a:cs typeface="Arial" pitchFamily="34" charset="0"/>
+                  </a:rPr>
+                  <a:t>1</a:t>
+                </a:r>
+                <a:endParaRPr lang="ko-KR" altLang="en-US" sz="3600" b="1" dirty="0">
+                  <a:solidFill>
+                    <a:schemeClr val="bg1"/>
+                  </a:solidFill>
+                  <a:cs typeface="Arial" pitchFamily="34" charset="0"/>
+                </a:endParaRPr>
+              </a:p>
+            </p:txBody>
+          </p:sp>
+        </p:grpSp>
+      </p:grpSp>
+      <p:grpSp>
+        <p:nvGrpSpPr>
+          <p:cNvPr id="21" name="Group 20">
+            <a:extLst>
+              <a:ext uri="{FF2B5EF4-FFF2-40B4-BE49-F238E27FC236}">
+                <a16:creationId xmlns:a16="http://schemas.microsoft.com/office/drawing/2014/main" xmlns="" id="{5E1FA318-D28D-49BC-8B3D-13CEC7146371}"/>
+              </a:ext>
+            </a:extLst>
+          </p:cNvPr>
+          <p:cNvGrpSpPr/>
+          <p:nvPr/>
+        </p:nvGrpSpPr>
+        <p:grpSpPr>
+          <a:xfrm>
+            <a:off x="7503762" y="2321487"/>
+            <a:ext cx="4556498" cy="715454"/>
+            <a:chOff x="5888286" y="872788"/>
+            <a:chExt cx="5363972" cy="829806"/>
+          </a:xfrm>
+        </p:grpSpPr>
+        <p:grpSp>
+          <p:nvGrpSpPr>
+            <p:cNvPr id="22" name="Group 21">
+              <a:extLst>
+                <a:ext uri="{FF2B5EF4-FFF2-40B4-BE49-F238E27FC236}">
+                  <a16:creationId xmlns:a16="http://schemas.microsoft.com/office/drawing/2014/main" xmlns="" id="{EEDE3C0D-EA3A-4EC1-9425-20BACC2A10E9}"/>
+                </a:ext>
+              </a:extLst>
+            </p:cNvPr>
+            <p:cNvGrpSpPr/>
+            <p:nvPr/>
+          </p:nvGrpSpPr>
+          <p:grpSpPr>
+            <a:xfrm>
+              <a:off x="7203583" y="876016"/>
+              <a:ext cx="4048675" cy="615553"/>
+              <a:chOff x="6557475" y="1411926"/>
+              <a:chExt cx="4048675" cy="615553"/>
+            </a:xfrm>
+          </p:grpSpPr>
+          <p:sp>
+            <p:nvSpPr>
+              <p:cNvPr id="26" name="TextBox 25">
+                <a:extLst>
+                  <a:ext uri="{FF2B5EF4-FFF2-40B4-BE49-F238E27FC236}">
+                    <a16:creationId xmlns:a16="http://schemas.microsoft.com/office/drawing/2014/main" xmlns="" id="{E8879DAB-E9EB-4C76-92F4-033A8AC51FFD}"/>
+                  </a:ext>
+                </a:extLst>
+              </p:cNvPr>
+              <p:cNvSpPr txBox="1"/>
+              <p:nvPr/>
+            </p:nvSpPr>
+            <p:spPr>
+              <a:xfrm>
+                <a:off x="6557475" y="1750480"/>
+                <a:ext cx="4048675" cy="276999"/>
+              </a:xfrm>
+              <a:prstGeom prst="rect">
+                <a:avLst/>
+              </a:prstGeom>
+              <a:noFill/>
+            </p:spPr>
+            <p:txBody>
+              <a:bodyPr wrap="square" rtlCol="0">
+                <a:spAutoFit/>
+              </a:bodyPr>
+              <a:lstStyle/>
+              <a:p>
+                <a:endParaRPr lang="en-US" altLang="ko-KR" sz="1200" dirty="0">
+                  <a:solidFill>
+                    <a:schemeClr val="tx1">
+                      <a:lumMod val="85000"/>
+                      <a:lumOff val="15000"/>
+                    </a:schemeClr>
+                  </a:solidFill>
+                  <a:cs typeface="Arial" pitchFamily="34" charset="0"/>
+                </a:endParaRPr>
+              </a:p>
+            </p:txBody>
+          </p:sp>
+          <p:sp>
+            <p:nvSpPr>
+              <p:cNvPr id="27" name="TextBox 26">
+                <a:extLst>
+                  <a:ext uri="{FF2B5EF4-FFF2-40B4-BE49-F238E27FC236}">
+                    <a16:creationId xmlns:a16="http://schemas.microsoft.com/office/drawing/2014/main" xmlns="" id="{AD85071E-3F3F-48E7-8B2B-0ED76E67B1DF}"/>
+                  </a:ext>
+                </a:extLst>
+              </p:cNvPr>
+              <p:cNvSpPr txBox="1"/>
+              <p:nvPr/>
+            </p:nvSpPr>
+            <p:spPr>
+              <a:xfrm>
+                <a:off x="6557475" y="1411926"/>
+                <a:ext cx="4048675" cy="535454"/>
+              </a:xfrm>
+              <a:prstGeom prst="rect">
+                <a:avLst/>
+              </a:prstGeom>
+              <a:noFill/>
+            </p:spPr>
+            <p:txBody>
+              <a:bodyPr wrap="square" lIns="108000" rIns="108000" rtlCol="0">
+                <a:spAutoFit/>
+              </a:bodyPr>
+              <a:lstStyle/>
+              <a:p>
+                <a:r>
+                  <a:rPr lang="en-US" altLang="ko-KR" sz="2400" dirty="0" err="1" smtClean="0">
+                    <a:latin typeface="Candara" panose="020E0502030303020204" pitchFamily="34" charset="0"/>
+                    <a:cs typeface="Arial" pitchFamily="34" charset="0"/>
+                  </a:rPr>
+                  <a:t>Uml</a:t>
+                </a:r>
+                <a:r>
+                  <a:rPr lang="en-US" altLang="ko-KR" sz="2400" b="1" dirty="0" smtClean="0">
+                    <a:cs typeface="Arial" pitchFamily="34" charset="0"/>
+                  </a:rPr>
+                  <a:t> </a:t>
+                </a:r>
+                <a:r>
+                  <a:rPr lang="en-US" altLang="ko-KR" sz="2400" dirty="0" smtClean="0">
+                    <a:latin typeface="Candara" panose="020E0502030303020204" pitchFamily="34" charset="0"/>
+                    <a:cs typeface="Arial" pitchFamily="34" charset="0"/>
+                  </a:rPr>
+                  <a:t>tool</a:t>
+                </a:r>
+                <a:endParaRPr lang="ko-KR" altLang="en-US" sz="2400" dirty="0">
+                  <a:latin typeface="Candara" panose="020E0502030303020204" pitchFamily="34" charset="0"/>
+                  <a:cs typeface="Arial" pitchFamily="34" charset="0"/>
+                </a:endParaRPr>
+              </a:p>
+            </p:txBody>
+          </p:sp>
+        </p:grpSp>
+        <p:grpSp>
+          <p:nvGrpSpPr>
+            <p:cNvPr id="23" name="Group 22">
+              <a:extLst>
+                <a:ext uri="{FF2B5EF4-FFF2-40B4-BE49-F238E27FC236}">
+                  <a16:creationId xmlns:a16="http://schemas.microsoft.com/office/drawing/2014/main" xmlns="" id="{3068AAC4-D61B-4BC8-9F4B-178CEDA50B92}"/>
+                </a:ext>
+              </a:extLst>
+            </p:cNvPr>
+            <p:cNvGrpSpPr/>
+            <p:nvPr/>
+          </p:nvGrpSpPr>
+          <p:grpSpPr>
+            <a:xfrm>
+              <a:off x="5888286" y="872788"/>
+              <a:ext cx="958096" cy="829806"/>
+              <a:chOff x="10821233" y="4691001"/>
+              <a:chExt cx="958096" cy="829806"/>
+            </a:xfrm>
+          </p:grpSpPr>
+          <p:sp>
+            <p:nvSpPr>
+              <p:cNvPr id="24" name="Rectangle: Rounded Corners 45">
+                <a:extLst>
+                  <a:ext uri="{FF2B5EF4-FFF2-40B4-BE49-F238E27FC236}">
+                    <a16:creationId xmlns:a16="http://schemas.microsoft.com/office/drawing/2014/main" xmlns="" id="{11D7144D-9153-4E24-8457-E14BE03052B6}"/>
+                  </a:ext>
+                </a:extLst>
+              </p:cNvPr>
+              <p:cNvSpPr/>
+              <p:nvPr/>
+            </p:nvSpPr>
+            <p:spPr>
+              <a:xfrm rot="18900000">
+                <a:off x="10896944" y="4691001"/>
+                <a:ext cx="806674" cy="806674"/>
+              </a:xfrm>
+              <a:prstGeom prst="roundRect">
+                <a:avLst/>
+              </a:prstGeom>
+              <a:solidFill>
+                <a:schemeClr val="accent3"/>
+              </a:solidFill>
+              <a:ln>
+                <a:noFill/>
+              </a:ln>
+            </p:spPr>
+            <p:style>
+              <a:lnRef idx="2">
+                <a:schemeClr val="accent1">
+                  <a:shade val="50000"/>
+                </a:schemeClr>
+              </a:lnRef>
+              <a:fillRef idx="1">
+                <a:schemeClr val="accent1"/>
+              </a:fillRef>
+              <a:effectRef idx="0">
+                <a:schemeClr val="accent1"/>
+              </a:effectRef>
+              <a:fontRef idx="minor">
+                <a:schemeClr val="lt1"/>
+              </a:fontRef>
+            </p:style>
+            <p:txBody>
+              <a:bodyPr rtlCol="0" anchor="ctr"/>
+              <a:lstStyle/>
+              <a:p>
+                <a:pPr algn="ctr"/>
+                <a:endParaRPr lang="en-US"/>
+              </a:p>
+            </p:txBody>
+          </p:sp>
+          <p:sp>
+            <p:nvSpPr>
+              <p:cNvPr id="25" name="TextBox 24">
+                <a:extLst>
+                  <a:ext uri="{FF2B5EF4-FFF2-40B4-BE49-F238E27FC236}">
+                    <a16:creationId xmlns:a16="http://schemas.microsoft.com/office/drawing/2014/main" xmlns="" id="{6E3D67D8-734C-4374-91F2-93E409C3830E}"/>
+                  </a:ext>
+                </a:extLst>
+              </p:cNvPr>
+              <p:cNvSpPr txBox="1"/>
+              <p:nvPr/>
+            </p:nvSpPr>
+            <p:spPr>
+              <a:xfrm>
+                <a:off x="10821233" y="4771172"/>
+                <a:ext cx="958096" cy="749635"/>
+              </a:xfrm>
+              <a:prstGeom prst="rect">
+                <a:avLst/>
+              </a:prstGeom>
+              <a:noFill/>
+            </p:spPr>
+            <p:txBody>
+              <a:bodyPr wrap="square" lIns="108000" rIns="108000" rtlCol="0">
+                <a:spAutoFit/>
+              </a:bodyPr>
+              <a:lstStyle/>
+              <a:p>
+                <a:pPr algn="ctr"/>
+                <a:r>
+                  <a:rPr lang="en-US" altLang="ko-KR" sz="3600" b="1" dirty="0">
+                    <a:solidFill>
+                      <a:schemeClr val="bg1"/>
+                    </a:solidFill>
+                    <a:cs typeface="Arial" pitchFamily="34" charset="0"/>
+                  </a:rPr>
+                  <a:t>2</a:t>
+                </a:r>
+                <a:endParaRPr lang="ko-KR" altLang="en-US" sz="3600" b="1" dirty="0">
+                  <a:solidFill>
+                    <a:schemeClr val="bg1"/>
+                  </a:solidFill>
+                  <a:cs typeface="Arial" pitchFamily="34" charset="0"/>
+                </a:endParaRPr>
+              </a:p>
+            </p:txBody>
+          </p:sp>
+        </p:grpSp>
+      </p:grpSp>
+      <p:grpSp>
+        <p:nvGrpSpPr>
+          <p:cNvPr id="28" name="Group 27">
+            <a:extLst>
+              <a:ext uri="{FF2B5EF4-FFF2-40B4-BE49-F238E27FC236}">
+                <a16:creationId xmlns:a16="http://schemas.microsoft.com/office/drawing/2014/main" xmlns="" id="{5E1FA318-D28D-49BC-8B3D-13CEC7146371}"/>
+              </a:ext>
+            </a:extLst>
+          </p:cNvPr>
+          <p:cNvGrpSpPr/>
+          <p:nvPr/>
+        </p:nvGrpSpPr>
+        <p:grpSpPr>
+          <a:xfrm>
+            <a:off x="8003898" y="3404545"/>
+            <a:ext cx="4556498" cy="715454"/>
+            <a:chOff x="5888286" y="872788"/>
+            <a:chExt cx="5363972" cy="829806"/>
+          </a:xfrm>
+        </p:grpSpPr>
+        <p:grpSp>
+          <p:nvGrpSpPr>
+            <p:cNvPr id="29" name="Group 28">
+              <a:extLst>
+                <a:ext uri="{FF2B5EF4-FFF2-40B4-BE49-F238E27FC236}">
+                  <a16:creationId xmlns:a16="http://schemas.microsoft.com/office/drawing/2014/main" xmlns="" id="{EEDE3C0D-EA3A-4EC1-9425-20BACC2A10E9}"/>
+                </a:ext>
+              </a:extLst>
+            </p:cNvPr>
+            <p:cNvGrpSpPr/>
+            <p:nvPr/>
+          </p:nvGrpSpPr>
+          <p:grpSpPr>
+            <a:xfrm>
+              <a:off x="7203583" y="876016"/>
+              <a:ext cx="4048675" cy="615553"/>
+              <a:chOff x="6557475" y="1411926"/>
+              <a:chExt cx="4048675" cy="615553"/>
+            </a:xfrm>
+          </p:grpSpPr>
+          <p:sp>
+            <p:nvSpPr>
+              <p:cNvPr id="33" name="TextBox 32">
+                <a:extLst>
+                  <a:ext uri="{FF2B5EF4-FFF2-40B4-BE49-F238E27FC236}">
+                    <a16:creationId xmlns:a16="http://schemas.microsoft.com/office/drawing/2014/main" xmlns="" id="{E8879DAB-E9EB-4C76-92F4-033A8AC51FFD}"/>
+                  </a:ext>
+                </a:extLst>
+              </p:cNvPr>
+              <p:cNvSpPr txBox="1"/>
+              <p:nvPr/>
+            </p:nvSpPr>
+            <p:spPr>
+              <a:xfrm>
+                <a:off x="6557475" y="1750480"/>
+                <a:ext cx="4048675" cy="276999"/>
+              </a:xfrm>
+              <a:prstGeom prst="rect">
+                <a:avLst/>
+              </a:prstGeom>
+              <a:noFill/>
+            </p:spPr>
+            <p:txBody>
+              <a:bodyPr wrap="square" rtlCol="0">
+                <a:spAutoFit/>
+              </a:bodyPr>
+              <a:lstStyle/>
+              <a:p>
+                <a:endParaRPr lang="en-US" altLang="ko-KR" sz="1200" dirty="0">
+                  <a:solidFill>
+                    <a:schemeClr val="tx1">
+                      <a:lumMod val="85000"/>
+                      <a:lumOff val="15000"/>
+                    </a:schemeClr>
+                  </a:solidFill>
+                  <a:cs typeface="Arial" pitchFamily="34" charset="0"/>
+                </a:endParaRPr>
+              </a:p>
+            </p:txBody>
+          </p:sp>
+          <p:sp>
+            <p:nvSpPr>
+              <p:cNvPr id="34" name="TextBox 33">
+                <a:extLst>
+                  <a:ext uri="{FF2B5EF4-FFF2-40B4-BE49-F238E27FC236}">
+                    <a16:creationId xmlns:a16="http://schemas.microsoft.com/office/drawing/2014/main" xmlns="" id="{AD85071E-3F3F-48E7-8B2B-0ED76E67B1DF}"/>
+                  </a:ext>
+                </a:extLst>
+              </p:cNvPr>
+              <p:cNvSpPr txBox="1"/>
+              <p:nvPr/>
+            </p:nvSpPr>
+            <p:spPr>
+              <a:xfrm>
+                <a:off x="6557475" y="1411926"/>
+                <a:ext cx="4048675" cy="535454"/>
+              </a:xfrm>
+              <a:prstGeom prst="rect">
+                <a:avLst/>
+              </a:prstGeom>
+              <a:noFill/>
+            </p:spPr>
+            <p:txBody>
+              <a:bodyPr wrap="square" lIns="108000" rIns="108000" rtlCol="0">
+                <a:spAutoFit/>
+              </a:bodyPr>
+              <a:lstStyle/>
+              <a:p>
+                <a:r>
+                  <a:rPr lang="en-US" altLang="ko-KR" sz="2400" dirty="0" smtClean="0">
+                    <a:latin typeface="Candara" panose="020E0502030303020204" pitchFamily="34" charset="0"/>
+                    <a:cs typeface="Arial" pitchFamily="34" charset="0"/>
+                  </a:rPr>
+                  <a:t>Component diagram</a:t>
+                </a:r>
+                <a:endParaRPr lang="ko-KR" altLang="en-US" sz="2400" dirty="0">
+                  <a:latin typeface="Candara" panose="020E0502030303020204" pitchFamily="34" charset="0"/>
+                  <a:cs typeface="Arial" pitchFamily="34" charset="0"/>
+                </a:endParaRPr>
+              </a:p>
+            </p:txBody>
+          </p:sp>
+        </p:grpSp>
+        <p:grpSp>
+          <p:nvGrpSpPr>
+            <p:cNvPr id="30" name="Group 29">
+              <a:extLst>
+                <a:ext uri="{FF2B5EF4-FFF2-40B4-BE49-F238E27FC236}">
+                  <a16:creationId xmlns:a16="http://schemas.microsoft.com/office/drawing/2014/main" xmlns="" id="{3068AAC4-D61B-4BC8-9F4B-178CEDA50B92}"/>
+                </a:ext>
+              </a:extLst>
+            </p:cNvPr>
+            <p:cNvGrpSpPr/>
+            <p:nvPr/>
+          </p:nvGrpSpPr>
+          <p:grpSpPr>
+            <a:xfrm>
+              <a:off x="5888286" y="872788"/>
+              <a:ext cx="958096" cy="829806"/>
+              <a:chOff x="10821233" y="4691001"/>
+              <a:chExt cx="958096" cy="829806"/>
+            </a:xfrm>
+          </p:grpSpPr>
+          <p:sp>
+            <p:nvSpPr>
+              <p:cNvPr id="31" name="Rectangle: Rounded Corners 45">
+                <a:extLst>
+                  <a:ext uri="{FF2B5EF4-FFF2-40B4-BE49-F238E27FC236}">
+                    <a16:creationId xmlns:a16="http://schemas.microsoft.com/office/drawing/2014/main" xmlns="" id="{11D7144D-9153-4E24-8457-E14BE03052B6}"/>
+                  </a:ext>
+                </a:extLst>
+              </p:cNvPr>
+              <p:cNvSpPr/>
+              <p:nvPr/>
+            </p:nvSpPr>
+            <p:spPr>
+              <a:xfrm rot="18900000">
+                <a:off x="10896944" y="4691001"/>
+                <a:ext cx="806674" cy="806674"/>
+              </a:xfrm>
+              <a:prstGeom prst="roundRect">
+                <a:avLst/>
+              </a:prstGeom>
+              <a:solidFill>
+                <a:schemeClr val="accent3"/>
+              </a:solidFill>
+              <a:ln>
+                <a:noFill/>
+              </a:ln>
+            </p:spPr>
+            <p:style>
+              <a:lnRef idx="2">
+                <a:schemeClr val="accent1">
+                  <a:shade val="50000"/>
+                </a:schemeClr>
+              </a:lnRef>
+              <a:fillRef idx="1">
+                <a:schemeClr val="accent1"/>
+              </a:fillRef>
+              <a:effectRef idx="0">
+                <a:schemeClr val="accent1"/>
+              </a:effectRef>
+              <a:fontRef idx="minor">
+                <a:schemeClr val="lt1"/>
+              </a:fontRef>
+            </p:style>
+            <p:txBody>
+              <a:bodyPr rtlCol="0" anchor="ctr"/>
+              <a:lstStyle/>
+              <a:p>
+                <a:pPr algn="ctr"/>
+                <a:endParaRPr lang="en-US"/>
+              </a:p>
+            </p:txBody>
+          </p:sp>
+          <p:sp>
+            <p:nvSpPr>
+              <p:cNvPr id="32" name="TextBox 31">
+                <a:extLst>
+                  <a:ext uri="{FF2B5EF4-FFF2-40B4-BE49-F238E27FC236}">
+                    <a16:creationId xmlns:a16="http://schemas.microsoft.com/office/drawing/2014/main" xmlns="" id="{6E3D67D8-734C-4374-91F2-93E409C3830E}"/>
+                  </a:ext>
+                </a:extLst>
+              </p:cNvPr>
+              <p:cNvSpPr txBox="1"/>
+              <p:nvPr/>
+            </p:nvSpPr>
+            <p:spPr>
+              <a:xfrm>
+                <a:off x="10821233" y="4771172"/>
+                <a:ext cx="958096" cy="749635"/>
+              </a:xfrm>
+              <a:prstGeom prst="rect">
+                <a:avLst/>
+              </a:prstGeom>
+              <a:noFill/>
+            </p:spPr>
+            <p:txBody>
+              <a:bodyPr wrap="square" lIns="108000" rIns="108000" rtlCol="0">
+                <a:spAutoFit/>
+              </a:bodyPr>
+              <a:lstStyle/>
+              <a:p>
+                <a:pPr algn="ctr"/>
+                <a:r>
+                  <a:rPr lang="en-US" altLang="ko-KR" sz="3600" b="1" dirty="0">
+                    <a:solidFill>
+                      <a:schemeClr val="bg1"/>
+                    </a:solidFill>
+                    <a:cs typeface="Arial" pitchFamily="34" charset="0"/>
+                  </a:rPr>
+                  <a:t>3</a:t>
+                </a:r>
+                <a:endParaRPr lang="ko-KR" altLang="en-US" sz="3600" b="1" dirty="0">
+                  <a:solidFill>
+                    <a:schemeClr val="bg1"/>
+                  </a:solidFill>
+                  <a:cs typeface="Arial" pitchFamily="34" charset="0"/>
+                </a:endParaRPr>
+              </a:p>
+            </p:txBody>
+          </p:sp>
+        </p:grpSp>
+      </p:grpSp>
+      <p:grpSp>
+        <p:nvGrpSpPr>
+          <p:cNvPr id="35" name="Group 34">
+            <a:extLst>
+              <a:ext uri="{FF2B5EF4-FFF2-40B4-BE49-F238E27FC236}">
+                <a16:creationId xmlns:a16="http://schemas.microsoft.com/office/drawing/2014/main" xmlns="" id="{5E1FA318-D28D-49BC-8B3D-13CEC7146371}"/>
+              </a:ext>
+            </a:extLst>
+          </p:cNvPr>
+          <p:cNvGrpSpPr/>
+          <p:nvPr/>
+        </p:nvGrpSpPr>
+        <p:grpSpPr>
+          <a:xfrm>
+            <a:off x="8562546" y="4649604"/>
+            <a:ext cx="4556498" cy="715454"/>
+            <a:chOff x="5888286" y="872788"/>
+            <a:chExt cx="5363972" cy="829806"/>
+          </a:xfrm>
+        </p:grpSpPr>
+        <p:grpSp>
+          <p:nvGrpSpPr>
+            <p:cNvPr id="36" name="Group 35">
+              <a:extLst>
+                <a:ext uri="{FF2B5EF4-FFF2-40B4-BE49-F238E27FC236}">
+                  <a16:creationId xmlns:a16="http://schemas.microsoft.com/office/drawing/2014/main" xmlns="" id="{EEDE3C0D-EA3A-4EC1-9425-20BACC2A10E9}"/>
+                </a:ext>
+              </a:extLst>
+            </p:cNvPr>
+            <p:cNvGrpSpPr/>
+            <p:nvPr/>
+          </p:nvGrpSpPr>
+          <p:grpSpPr>
+            <a:xfrm>
+              <a:off x="6846382" y="876016"/>
+              <a:ext cx="4405876" cy="821028"/>
+              <a:chOff x="6200274" y="1411926"/>
+              <a:chExt cx="4405876" cy="821028"/>
+            </a:xfrm>
+          </p:grpSpPr>
+          <p:sp>
+            <p:nvSpPr>
+              <p:cNvPr id="40" name="TextBox 39">
+                <a:extLst>
+                  <a:ext uri="{FF2B5EF4-FFF2-40B4-BE49-F238E27FC236}">
+                    <a16:creationId xmlns:a16="http://schemas.microsoft.com/office/drawing/2014/main" xmlns="" id="{E8879DAB-E9EB-4C76-92F4-033A8AC51FFD}"/>
+                  </a:ext>
+                </a:extLst>
+              </p:cNvPr>
+              <p:cNvSpPr txBox="1"/>
+              <p:nvPr/>
+            </p:nvSpPr>
+            <p:spPr>
+              <a:xfrm>
+                <a:off x="6200274" y="1411926"/>
+                <a:ext cx="4310245" cy="821028"/>
+              </a:xfrm>
+              <a:prstGeom prst="rect">
+                <a:avLst/>
+              </a:prstGeom>
+              <a:noFill/>
+            </p:spPr>
+            <p:txBody>
+              <a:bodyPr wrap="square" rtlCol="0">
+                <a:spAutoFit/>
+              </a:bodyPr>
+              <a:lstStyle/>
+              <a:p>
+                <a:r>
+                  <a:rPr lang="en-US" altLang="ko-KR" sz="2000" dirty="0" err="1" smtClean="0">
+                    <a:solidFill>
+                      <a:schemeClr val="tx1">
+                        <a:lumMod val="85000"/>
+                        <a:lumOff val="15000"/>
+                      </a:schemeClr>
+                    </a:solidFill>
+                    <a:latin typeface="Candara" panose="020E0502030303020204" pitchFamily="34" charset="0"/>
+                    <a:cs typeface="Arial" pitchFamily="34" charset="0"/>
+                  </a:rPr>
+                  <a:t>Class,Activity,Use</a:t>
+                </a:r>
+                <a:r>
+                  <a:rPr lang="en-US" altLang="ko-KR" sz="2000" dirty="0" smtClean="0">
+                    <a:solidFill>
+                      <a:schemeClr val="tx1">
+                        <a:lumMod val="85000"/>
+                        <a:lumOff val="15000"/>
+                      </a:schemeClr>
+                    </a:solidFill>
+                    <a:latin typeface="Candara" panose="020E0502030303020204" pitchFamily="34" charset="0"/>
+                    <a:cs typeface="Arial" pitchFamily="34" charset="0"/>
+                  </a:rPr>
+                  <a:t> </a:t>
+                </a:r>
+                <a:r>
+                  <a:rPr lang="en-US" altLang="ko-KR" sz="2000" dirty="0" err="1" smtClean="0">
+                    <a:solidFill>
+                      <a:schemeClr val="tx1">
+                        <a:lumMod val="85000"/>
+                        <a:lumOff val="15000"/>
+                      </a:schemeClr>
+                    </a:solidFill>
+                    <a:latin typeface="Candara" panose="020E0502030303020204" pitchFamily="34" charset="0"/>
+                    <a:cs typeface="Arial" pitchFamily="34" charset="0"/>
+                  </a:rPr>
+                  <a:t>case,sequence</a:t>
+                </a:r>
+                <a:r>
+                  <a:rPr lang="en-US" altLang="ko-KR" sz="2000" dirty="0" smtClean="0">
+                    <a:solidFill>
+                      <a:schemeClr val="tx1">
+                        <a:lumMod val="85000"/>
+                        <a:lumOff val="15000"/>
+                      </a:schemeClr>
+                    </a:solidFill>
+                    <a:latin typeface="Candara" panose="020E0502030303020204" pitchFamily="34" charset="0"/>
+                    <a:cs typeface="Arial" pitchFamily="34" charset="0"/>
+                  </a:rPr>
+                  <a:t> diagrams</a:t>
+                </a:r>
+                <a:endParaRPr lang="en-US" altLang="ko-KR" sz="2000" dirty="0">
+                  <a:solidFill>
+                    <a:schemeClr val="tx1">
+                      <a:lumMod val="85000"/>
+                      <a:lumOff val="15000"/>
+                    </a:schemeClr>
+                  </a:solidFill>
+                  <a:latin typeface="Candara" panose="020E0502030303020204" pitchFamily="34" charset="0"/>
+                  <a:cs typeface="Arial" pitchFamily="34" charset="0"/>
+                </a:endParaRPr>
+              </a:p>
+            </p:txBody>
+          </p:sp>
+          <p:sp>
+            <p:nvSpPr>
+              <p:cNvPr id="41" name="TextBox 40">
+                <a:extLst>
+                  <a:ext uri="{FF2B5EF4-FFF2-40B4-BE49-F238E27FC236}">
+                    <a16:creationId xmlns:a16="http://schemas.microsoft.com/office/drawing/2014/main" xmlns="" id="{AD85071E-3F3F-48E7-8B2B-0ED76E67B1DF}"/>
+                  </a:ext>
+                </a:extLst>
+              </p:cNvPr>
+              <p:cNvSpPr txBox="1"/>
+              <p:nvPr/>
+            </p:nvSpPr>
+            <p:spPr>
+              <a:xfrm>
+                <a:off x="6557475" y="1411926"/>
+                <a:ext cx="4048675" cy="369332"/>
+              </a:xfrm>
+              <a:prstGeom prst="rect">
+                <a:avLst/>
+              </a:prstGeom>
+              <a:noFill/>
+            </p:spPr>
+            <p:txBody>
+              <a:bodyPr wrap="square" lIns="108000" rIns="108000" rtlCol="0">
+                <a:spAutoFit/>
+              </a:bodyPr>
+              <a:lstStyle/>
+              <a:p>
+                <a:endParaRPr lang="ko-KR" altLang="en-US" b="1" dirty="0">
+                  <a:cs typeface="Arial" pitchFamily="34" charset="0"/>
+                </a:endParaRPr>
+              </a:p>
+            </p:txBody>
+          </p:sp>
+        </p:grpSp>
+        <p:grpSp>
+          <p:nvGrpSpPr>
+            <p:cNvPr id="37" name="Group 36">
+              <a:extLst>
+                <a:ext uri="{FF2B5EF4-FFF2-40B4-BE49-F238E27FC236}">
+                  <a16:creationId xmlns:a16="http://schemas.microsoft.com/office/drawing/2014/main" xmlns="" id="{3068AAC4-D61B-4BC8-9F4B-178CEDA50B92}"/>
+                </a:ext>
+              </a:extLst>
+            </p:cNvPr>
+            <p:cNvGrpSpPr/>
+            <p:nvPr/>
+          </p:nvGrpSpPr>
+          <p:grpSpPr>
+            <a:xfrm>
+              <a:off x="5888286" y="872788"/>
+              <a:ext cx="958096" cy="829806"/>
+              <a:chOff x="10821233" y="4691001"/>
+              <a:chExt cx="958096" cy="829806"/>
+            </a:xfrm>
+          </p:grpSpPr>
+          <p:sp>
+            <p:nvSpPr>
+              <p:cNvPr id="38" name="Rectangle: Rounded Corners 45">
+                <a:extLst>
+                  <a:ext uri="{FF2B5EF4-FFF2-40B4-BE49-F238E27FC236}">
+                    <a16:creationId xmlns:a16="http://schemas.microsoft.com/office/drawing/2014/main" xmlns="" id="{11D7144D-9153-4E24-8457-E14BE03052B6}"/>
+                  </a:ext>
+                </a:extLst>
+              </p:cNvPr>
+              <p:cNvSpPr/>
+              <p:nvPr/>
+            </p:nvSpPr>
+            <p:spPr>
+              <a:xfrm rot="18900000">
+                <a:off x="10896944" y="4691001"/>
+                <a:ext cx="806674" cy="806674"/>
+              </a:xfrm>
+              <a:prstGeom prst="roundRect">
+                <a:avLst/>
+              </a:prstGeom>
+              <a:solidFill>
+                <a:schemeClr val="accent3"/>
+              </a:solidFill>
+              <a:ln>
+                <a:noFill/>
+              </a:ln>
+            </p:spPr>
+            <p:style>
+              <a:lnRef idx="2">
+                <a:schemeClr val="accent1">
+                  <a:shade val="50000"/>
+                </a:schemeClr>
+              </a:lnRef>
+              <a:fillRef idx="1">
+                <a:schemeClr val="accent1"/>
+              </a:fillRef>
+              <a:effectRef idx="0">
+                <a:schemeClr val="accent1"/>
+              </a:effectRef>
+              <a:fontRef idx="minor">
+                <a:schemeClr val="lt1"/>
+              </a:fontRef>
+            </p:style>
+            <p:txBody>
+              <a:bodyPr rtlCol="0" anchor="ctr"/>
+              <a:lstStyle/>
+              <a:p>
+                <a:pPr algn="ctr"/>
+                <a:endParaRPr lang="en-US"/>
+              </a:p>
+            </p:txBody>
+          </p:sp>
+          <p:sp>
+            <p:nvSpPr>
+              <p:cNvPr id="39" name="TextBox 38">
+                <a:extLst>
+                  <a:ext uri="{FF2B5EF4-FFF2-40B4-BE49-F238E27FC236}">
+                    <a16:creationId xmlns:a16="http://schemas.microsoft.com/office/drawing/2014/main" xmlns="" id="{6E3D67D8-734C-4374-91F2-93E409C3830E}"/>
+                  </a:ext>
+                </a:extLst>
+              </p:cNvPr>
+              <p:cNvSpPr txBox="1"/>
+              <p:nvPr/>
+            </p:nvSpPr>
+            <p:spPr>
+              <a:xfrm>
+                <a:off x="10821233" y="4771172"/>
+                <a:ext cx="958096" cy="749635"/>
+              </a:xfrm>
+              <a:prstGeom prst="rect">
+                <a:avLst/>
+              </a:prstGeom>
+              <a:noFill/>
+            </p:spPr>
+            <p:txBody>
+              <a:bodyPr wrap="square" lIns="108000" rIns="108000" rtlCol="0">
+                <a:spAutoFit/>
+              </a:bodyPr>
+              <a:lstStyle/>
+              <a:p>
+                <a:pPr algn="ctr"/>
+                <a:r>
+                  <a:rPr lang="en-US" altLang="ko-KR" sz="3600" b="1" dirty="0">
+                    <a:solidFill>
+                      <a:schemeClr val="bg1"/>
+                    </a:solidFill>
+                    <a:cs typeface="Arial" pitchFamily="34" charset="0"/>
+                  </a:rPr>
+                  <a:t>4</a:t>
+                </a:r>
+                <a:endParaRPr lang="ko-KR" altLang="en-US" sz="3600" b="1" dirty="0">
+                  <a:solidFill>
+                    <a:schemeClr val="bg1"/>
+                  </a:solidFill>
+                  <a:cs typeface="Arial" pitchFamily="34" charset="0"/>
+                </a:endParaRPr>
+              </a:p>
+            </p:txBody>
+          </p:sp>
+        </p:grpSp>
+      </p:grpSp>
+      <p:sp>
+        <p:nvSpPr>
+          <p:cNvPr id="42" name="TextBox 41"/>
+          <p:cNvSpPr txBox="1"/>
+          <p:nvPr/>
+        </p:nvSpPr>
+        <p:spPr>
+          <a:xfrm>
+            <a:off x="8303533" y="131065"/>
+            <a:ext cx="2094138" cy="584775"/>
+          </a:xfrm>
+          <a:prstGeom prst="rect">
+            <a:avLst/>
+          </a:prstGeom>
+          <a:noFill/>
+        </p:spPr>
+        <p:txBody>
+          <a:bodyPr wrap="square" rtlCol="0">
+            <a:spAutoFit/>
+          </a:bodyPr>
+          <a:lstStyle/>
+          <a:p>
+            <a:r>
+              <a:rPr lang="en-US" sz="3200" dirty="0" smtClean="0">
+                <a:latin typeface="Arial Black" panose="020B0A04020102020204" pitchFamily="34" charset="0"/>
+              </a:rPr>
+              <a:t>Agenda</a:t>
+            </a:r>
+            <a:endParaRPr lang="en-US" sz="3200" dirty="0">
+              <a:latin typeface="Arial Black" panose="020B0A04020102020204" pitchFamily="34" charset="0"/>
+            </a:endParaRPr>
+          </a:p>
+        </p:txBody>
+      </p:sp>
+      <p:grpSp>
+        <p:nvGrpSpPr>
+          <p:cNvPr id="43" name="Group 42">
+            <a:extLst>
+              <a:ext uri="{FF2B5EF4-FFF2-40B4-BE49-F238E27FC236}">
+                <a16:creationId xmlns:a16="http://schemas.microsoft.com/office/drawing/2014/main" xmlns="" id="{5E1FA318-D28D-49BC-8B3D-13CEC7146371}"/>
+              </a:ext>
+            </a:extLst>
+          </p:cNvPr>
+          <p:cNvGrpSpPr/>
+          <p:nvPr/>
+        </p:nvGrpSpPr>
+        <p:grpSpPr>
+          <a:xfrm>
+            <a:off x="9281875" y="5754217"/>
+            <a:ext cx="4556498" cy="715454"/>
+            <a:chOff x="5888286" y="872788"/>
+            <a:chExt cx="5363972" cy="829806"/>
+          </a:xfrm>
+        </p:grpSpPr>
+        <p:grpSp>
+          <p:nvGrpSpPr>
+            <p:cNvPr id="44" name="Group 43">
+              <a:extLst>
+                <a:ext uri="{FF2B5EF4-FFF2-40B4-BE49-F238E27FC236}">
+                  <a16:creationId xmlns:a16="http://schemas.microsoft.com/office/drawing/2014/main" xmlns="" id="{EEDE3C0D-EA3A-4EC1-9425-20BACC2A10E9}"/>
+                </a:ext>
+              </a:extLst>
+            </p:cNvPr>
+            <p:cNvGrpSpPr/>
+            <p:nvPr/>
+          </p:nvGrpSpPr>
+          <p:grpSpPr>
+            <a:xfrm>
+              <a:off x="7107952" y="876016"/>
+              <a:ext cx="4144306" cy="719488"/>
+              <a:chOff x="6461844" y="1411926"/>
+              <a:chExt cx="4144306" cy="719488"/>
+            </a:xfrm>
+          </p:grpSpPr>
+          <p:sp>
+            <p:nvSpPr>
+              <p:cNvPr id="48" name="TextBox 47">
+                <a:extLst>
+                  <a:ext uri="{FF2B5EF4-FFF2-40B4-BE49-F238E27FC236}">
+                    <a16:creationId xmlns:a16="http://schemas.microsoft.com/office/drawing/2014/main" xmlns="" id="{E8879DAB-E9EB-4C76-92F4-033A8AC51FFD}"/>
+                  </a:ext>
+                </a:extLst>
+              </p:cNvPr>
+              <p:cNvSpPr txBox="1"/>
+              <p:nvPr/>
+            </p:nvSpPr>
+            <p:spPr>
+              <a:xfrm>
+                <a:off x="6461844" y="1595959"/>
+                <a:ext cx="4048675" cy="535455"/>
+              </a:xfrm>
+              <a:prstGeom prst="rect">
+                <a:avLst/>
+              </a:prstGeom>
+              <a:noFill/>
+            </p:spPr>
+            <p:txBody>
+              <a:bodyPr wrap="square" rtlCol="0">
+                <a:spAutoFit/>
+              </a:bodyPr>
+              <a:lstStyle/>
+              <a:p>
+                <a:r>
+                  <a:rPr lang="en-US" altLang="ko-KR" sz="2400" dirty="0" smtClean="0">
+                    <a:solidFill>
+                      <a:schemeClr val="tx1">
+                        <a:lumMod val="85000"/>
+                        <a:lumOff val="15000"/>
+                      </a:schemeClr>
+                    </a:solidFill>
+                    <a:latin typeface="Candara" panose="020E0502030303020204" pitchFamily="34" charset="0"/>
+                    <a:cs typeface="Arial" pitchFamily="34" charset="0"/>
+                  </a:rPr>
+                  <a:t>code</a:t>
+                </a:r>
+                <a:endParaRPr lang="en-US" altLang="ko-KR" sz="2400" dirty="0">
+                  <a:solidFill>
+                    <a:schemeClr val="tx1">
+                      <a:lumMod val="85000"/>
+                      <a:lumOff val="15000"/>
+                    </a:schemeClr>
+                  </a:solidFill>
+                  <a:latin typeface="Candara" panose="020E0502030303020204" pitchFamily="34" charset="0"/>
+                  <a:cs typeface="Arial" pitchFamily="34" charset="0"/>
+                </a:endParaRPr>
+              </a:p>
+            </p:txBody>
+          </p:sp>
+          <p:sp>
+            <p:nvSpPr>
+              <p:cNvPr id="49" name="TextBox 48">
+                <a:extLst>
+                  <a:ext uri="{FF2B5EF4-FFF2-40B4-BE49-F238E27FC236}">
+                    <a16:creationId xmlns:a16="http://schemas.microsoft.com/office/drawing/2014/main" xmlns="" id="{AD85071E-3F3F-48E7-8B2B-0ED76E67B1DF}"/>
+                  </a:ext>
+                </a:extLst>
+              </p:cNvPr>
+              <p:cNvSpPr txBox="1"/>
+              <p:nvPr/>
+            </p:nvSpPr>
+            <p:spPr>
+              <a:xfrm>
+                <a:off x="6557475" y="1411926"/>
+                <a:ext cx="4048675" cy="369332"/>
+              </a:xfrm>
+              <a:prstGeom prst="rect">
+                <a:avLst/>
+              </a:prstGeom>
+              <a:noFill/>
+            </p:spPr>
+            <p:txBody>
+              <a:bodyPr wrap="square" lIns="108000" rIns="108000" rtlCol="0">
+                <a:spAutoFit/>
+              </a:bodyPr>
+              <a:lstStyle/>
+              <a:p>
+                <a:endParaRPr lang="ko-KR" altLang="en-US" b="1" dirty="0">
+                  <a:cs typeface="Arial" pitchFamily="34" charset="0"/>
+                </a:endParaRPr>
+              </a:p>
+            </p:txBody>
+          </p:sp>
+        </p:grpSp>
+        <p:grpSp>
+          <p:nvGrpSpPr>
+            <p:cNvPr id="45" name="Group 44">
+              <a:extLst>
+                <a:ext uri="{FF2B5EF4-FFF2-40B4-BE49-F238E27FC236}">
+                  <a16:creationId xmlns:a16="http://schemas.microsoft.com/office/drawing/2014/main" xmlns="" id="{3068AAC4-D61B-4BC8-9F4B-178CEDA50B92}"/>
+                </a:ext>
+              </a:extLst>
+            </p:cNvPr>
+            <p:cNvGrpSpPr/>
+            <p:nvPr/>
+          </p:nvGrpSpPr>
+          <p:grpSpPr>
+            <a:xfrm>
+              <a:off x="5888286" y="872788"/>
+              <a:ext cx="958096" cy="829806"/>
+              <a:chOff x="10821233" y="4691001"/>
+              <a:chExt cx="958096" cy="829806"/>
+            </a:xfrm>
+          </p:grpSpPr>
+          <p:sp>
+            <p:nvSpPr>
+              <p:cNvPr id="46" name="Rectangle: Rounded Corners 45">
+                <a:extLst>
+                  <a:ext uri="{FF2B5EF4-FFF2-40B4-BE49-F238E27FC236}">
+                    <a16:creationId xmlns:a16="http://schemas.microsoft.com/office/drawing/2014/main" xmlns="" id="{11D7144D-9153-4E24-8457-E14BE03052B6}"/>
+                  </a:ext>
+                </a:extLst>
+              </p:cNvPr>
+              <p:cNvSpPr/>
+              <p:nvPr/>
+            </p:nvSpPr>
+            <p:spPr>
+              <a:xfrm rot="18900000">
+                <a:off x="10896944" y="4691001"/>
+                <a:ext cx="806674" cy="806674"/>
+              </a:xfrm>
+              <a:prstGeom prst="roundRect">
+                <a:avLst/>
+              </a:prstGeom>
+              <a:solidFill>
+                <a:schemeClr val="accent3"/>
+              </a:solidFill>
+              <a:ln>
+                <a:noFill/>
+              </a:ln>
+            </p:spPr>
+            <p:style>
+              <a:lnRef idx="2">
+                <a:schemeClr val="accent1">
+                  <a:shade val="50000"/>
+                </a:schemeClr>
+              </a:lnRef>
+              <a:fillRef idx="1">
+                <a:schemeClr val="accent1"/>
+              </a:fillRef>
+              <a:effectRef idx="0">
+                <a:schemeClr val="accent1"/>
+              </a:effectRef>
+              <a:fontRef idx="minor">
+                <a:schemeClr val="lt1"/>
+              </a:fontRef>
+            </p:style>
+            <p:txBody>
+              <a:bodyPr rtlCol="0" anchor="ctr"/>
+              <a:lstStyle/>
+              <a:p>
+                <a:pPr algn="ctr"/>
+                <a:endParaRPr lang="en-US"/>
+              </a:p>
+            </p:txBody>
+          </p:sp>
+          <p:sp>
+            <p:nvSpPr>
+              <p:cNvPr id="47" name="TextBox 46">
+                <a:extLst>
+                  <a:ext uri="{FF2B5EF4-FFF2-40B4-BE49-F238E27FC236}">
+                    <a16:creationId xmlns:a16="http://schemas.microsoft.com/office/drawing/2014/main" xmlns="" id="{6E3D67D8-734C-4374-91F2-93E409C3830E}"/>
+                  </a:ext>
+                </a:extLst>
+              </p:cNvPr>
+              <p:cNvSpPr txBox="1"/>
+              <p:nvPr/>
+            </p:nvSpPr>
+            <p:spPr>
+              <a:xfrm>
+                <a:off x="10821233" y="4771172"/>
+                <a:ext cx="958096" cy="749635"/>
+              </a:xfrm>
+              <a:prstGeom prst="rect">
+                <a:avLst/>
+              </a:prstGeom>
+              <a:noFill/>
+            </p:spPr>
+            <p:txBody>
+              <a:bodyPr wrap="square" lIns="108000" rIns="108000" rtlCol="0">
+                <a:spAutoFit/>
+              </a:bodyPr>
+              <a:lstStyle/>
+              <a:p>
+                <a:pPr algn="ctr"/>
+                <a:r>
+                  <a:rPr lang="en-US" altLang="ko-KR" sz="3600" b="1" dirty="0" smtClean="0">
+                    <a:solidFill>
+                      <a:schemeClr val="bg1"/>
+                    </a:solidFill>
+                    <a:cs typeface="Arial" pitchFamily="34" charset="0"/>
+                  </a:rPr>
+                  <a:t>5</a:t>
+                </a:r>
+                <a:endParaRPr lang="ko-KR" altLang="en-US" sz="3600" b="1" dirty="0">
+                  <a:solidFill>
+                    <a:schemeClr val="bg1"/>
+                  </a:solidFill>
+                  <a:cs typeface="Arial" pitchFamily="34" charset="0"/>
+                </a:endParaRPr>
+              </a:p>
+            </p:txBody>
+          </p:sp>
+        </p:grpSp>
+      </p:grpSp>
     </p:spTree>
     <p:extLst>
       <p:ext uri="{BB962C8B-B14F-4D97-AF65-F5344CB8AC3E}">
-        <p14:creationId xmlns:p14="http://schemas.microsoft.com/office/powerpoint/2010/main" val="1777554382"/>
+        <p14:creationId xmlns:p14="http://schemas.microsoft.com/office/powerpoint/2010/main" val="1543699986"/>
       </p:ext>
     </p:extLst>
   </p:cSld>
@@ -13936,6 +15956,14 @@
 <file path=ppt/slides/slide3.xml><?xml version="1.0" encoding="utf-8"?>
 <p:sld xmlns:a="http://schemas.openxmlformats.org/drawingml/2006/main" xmlns:r="http://schemas.openxmlformats.org/officeDocument/2006/relationships" xmlns:p="http://schemas.openxmlformats.org/presentationml/2006/main">
   <p:cSld>
+    <p:bg>
+      <p:bgPr>
+        <a:solidFill>
+          <a:schemeClr val="bg1"/>
+        </a:solidFill>
+        <a:effectLst/>
+      </p:bgPr>
+    </p:bg>
     <p:spTree>
       <p:nvGrpSpPr>
         <p:cNvPr id="1" name=""/>
@@ -13952,14 +15980,225 @@
       </p:grpSpPr>
       <p:sp>
         <p:nvSpPr>
-          <p:cNvPr id="4" name="TextBox 3"/>
+          <p:cNvPr id="2" name="Text Placeholder 19"/>
+          <p:cNvSpPr txBox="1">
+            <a:spLocks/>
+          </p:cNvSpPr>
+          <p:nvPr/>
+        </p:nvSpPr>
+        <p:spPr>
+          <a:xfrm>
+            <a:off x="-1" y="-1"/>
+            <a:ext cx="8178186" cy="6858001"/>
+          </a:xfrm>
+          <a:prstGeom prst="rect">
+            <a:avLst/>
+          </a:prstGeom>
+        </p:spPr>
+        <p:style>
+          <a:lnRef idx="1">
+            <a:schemeClr val="accent3"/>
+          </a:lnRef>
+          <a:fillRef idx="2">
+            <a:schemeClr val="accent3"/>
+          </a:fillRef>
+          <a:effectRef idx="1">
+            <a:schemeClr val="accent3"/>
+          </a:effectRef>
+          <a:fontRef idx="minor">
+            <a:schemeClr val="dk1"/>
+          </a:fontRef>
+        </p:style>
+        <p:txBody>
+          <a:bodyPr/>
+          <a:lstStyle>
+            <a:lvl1pPr marL="228600" indent="-228600" algn="l" defTabSz="914400" rtl="0" eaLnBrk="1" latinLnBrk="0" hangingPunct="1">
+              <a:lnSpc>
+                <a:spcPct val="90000"/>
+              </a:lnSpc>
+              <a:spcBef>
+                <a:spcPts val="1000"/>
+              </a:spcBef>
+              <a:buFont typeface="Arial" panose="020B0604020202020204" pitchFamily="34" charset="0"/>
+              <a:buChar char="•"/>
+              <a:defRPr sz="2800" kern="1200">
+                <a:solidFill>
+                  <a:schemeClr val="dk1"/>
+                </a:solidFill>
+                <a:latin typeface="+mn-lt"/>
+                <a:ea typeface="+mn-ea"/>
+                <a:cs typeface="+mn-cs"/>
+              </a:defRPr>
+            </a:lvl1pPr>
+            <a:lvl2pPr marL="685800" indent="-228600" algn="l" defTabSz="914400" rtl="0" eaLnBrk="1" latinLnBrk="0" hangingPunct="1">
+              <a:lnSpc>
+                <a:spcPct val="90000"/>
+              </a:lnSpc>
+              <a:spcBef>
+                <a:spcPts val="500"/>
+              </a:spcBef>
+              <a:buFont typeface="Arial" panose="020B0604020202020204" pitchFamily="34" charset="0"/>
+              <a:buChar char="•"/>
+              <a:defRPr sz="2400" kern="1200">
+                <a:solidFill>
+                  <a:schemeClr val="dk1"/>
+                </a:solidFill>
+                <a:latin typeface="+mn-lt"/>
+                <a:ea typeface="+mn-ea"/>
+                <a:cs typeface="+mn-cs"/>
+              </a:defRPr>
+            </a:lvl2pPr>
+            <a:lvl3pPr marL="1143000" indent="-228600" algn="l" defTabSz="914400" rtl="0" eaLnBrk="1" latinLnBrk="0" hangingPunct="1">
+              <a:lnSpc>
+                <a:spcPct val="90000"/>
+              </a:lnSpc>
+              <a:spcBef>
+                <a:spcPts val="500"/>
+              </a:spcBef>
+              <a:buFont typeface="Arial" panose="020B0604020202020204" pitchFamily="34" charset="0"/>
+              <a:buChar char="•"/>
+              <a:defRPr sz="2000" kern="1200">
+                <a:solidFill>
+                  <a:schemeClr val="dk1"/>
+                </a:solidFill>
+                <a:latin typeface="+mn-lt"/>
+                <a:ea typeface="+mn-ea"/>
+                <a:cs typeface="+mn-cs"/>
+              </a:defRPr>
+            </a:lvl3pPr>
+            <a:lvl4pPr marL="1600200" indent="-228600" algn="l" defTabSz="914400" rtl="0" eaLnBrk="1" latinLnBrk="0" hangingPunct="1">
+              <a:lnSpc>
+                <a:spcPct val="90000"/>
+              </a:lnSpc>
+              <a:spcBef>
+                <a:spcPts val="500"/>
+              </a:spcBef>
+              <a:buFont typeface="Arial" panose="020B0604020202020204" pitchFamily="34" charset="0"/>
+              <a:buChar char="•"/>
+              <a:defRPr sz="1800" kern="1200">
+                <a:solidFill>
+                  <a:schemeClr val="dk1"/>
+                </a:solidFill>
+                <a:latin typeface="+mn-lt"/>
+                <a:ea typeface="+mn-ea"/>
+                <a:cs typeface="+mn-cs"/>
+              </a:defRPr>
+            </a:lvl4pPr>
+            <a:lvl5pPr marL="2057400" indent="-228600" algn="l" defTabSz="914400" rtl="0" eaLnBrk="1" latinLnBrk="0" hangingPunct="1">
+              <a:lnSpc>
+                <a:spcPct val="90000"/>
+              </a:lnSpc>
+              <a:spcBef>
+                <a:spcPts val="500"/>
+              </a:spcBef>
+              <a:buFont typeface="Arial" panose="020B0604020202020204" pitchFamily="34" charset="0"/>
+              <a:buChar char="•"/>
+              <a:defRPr sz="1800" kern="1200">
+                <a:solidFill>
+                  <a:schemeClr val="dk1"/>
+                </a:solidFill>
+                <a:latin typeface="+mn-lt"/>
+                <a:ea typeface="+mn-ea"/>
+                <a:cs typeface="+mn-cs"/>
+              </a:defRPr>
+            </a:lvl5pPr>
+            <a:lvl6pPr marL="2514600" indent="-228600" algn="l" defTabSz="914400" rtl="0" eaLnBrk="1" latinLnBrk="0" hangingPunct="1">
+              <a:lnSpc>
+                <a:spcPct val="90000"/>
+              </a:lnSpc>
+              <a:spcBef>
+                <a:spcPts val="500"/>
+              </a:spcBef>
+              <a:buFont typeface="Arial" panose="020B0604020202020204" pitchFamily="34" charset="0"/>
+              <a:buChar char="•"/>
+              <a:defRPr sz="1800" kern="1200">
+                <a:solidFill>
+                  <a:schemeClr val="dk1"/>
+                </a:solidFill>
+                <a:latin typeface="+mn-lt"/>
+                <a:ea typeface="+mn-ea"/>
+                <a:cs typeface="+mn-cs"/>
+              </a:defRPr>
+            </a:lvl6pPr>
+            <a:lvl7pPr marL="2971800" indent="-228600" algn="l" defTabSz="914400" rtl="0" eaLnBrk="1" latinLnBrk="0" hangingPunct="1">
+              <a:lnSpc>
+                <a:spcPct val="90000"/>
+              </a:lnSpc>
+              <a:spcBef>
+                <a:spcPts val="500"/>
+              </a:spcBef>
+              <a:buFont typeface="Arial" panose="020B0604020202020204" pitchFamily="34" charset="0"/>
+              <a:buChar char="•"/>
+              <a:defRPr sz="1800" kern="1200">
+                <a:solidFill>
+                  <a:schemeClr val="dk1"/>
+                </a:solidFill>
+                <a:latin typeface="+mn-lt"/>
+                <a:ea typeface="+mn-ea"/>
+                <a:cs typeface="+mn-cs"/>
+              </a:defRPr>
+            </a:lvl7pPr>
+            <a:lvl8pPr marL="3429000" indent="-228600" algn="l" defTabSz="914400" rtl="0" eaLnBrk="1" latinLnBrk="0" hangingPunct="1">
+              <a:lnSpc>
+                <a:spcPct val="90000"/>
+              </a:lnSpc>
+              <a:spcBef>
+                <a:spcPts val="500"/>
+              </a:spcBef>
+              <a:buFont typeface="Arial" panose="020B0604020202020204" pitchFamily="34" charset="0"/>
+              <a:buChar char="•"/>
+              <a:defRPr sz="1800" kern="1200">
+                <a:solidFill>
+                  <a:schemeClr val="dk1"/>
+                </a:solidFill>
+                <a:latin typeface="+mn-lt"/>
+                <a:ea typeface="+mn-ea"/>
+                <a:cs typeface="+mn-cs"/>
+              </a:defRPr>
+            </a:lvl8pPr>
+            <a:lvl9pPr marL="3886200" indent="-228600" algn="l" defTabSz="914400" rtl="0" eaLnBrk="1" latinLnBrk="0" hangingPunct="1">
+              <a:lnSpc>
+                <a:spcPct val="90000"/>
+              </a:lnSpc>
+              <a:spcBef>
+                <a:spcPts val="500"/>
+              </a:spcBef>
+              <a:buFont typeface="Arial" panose="020B0604020202020204" pitchFamily="34" charset="0"/>
+              <a:buChar char="•"/>
+              <a:defRPr sz="1800" kern="1200">
+                <a:solidFill>
+                  <a:schemeClr val="dk1"/>
+                </a:solidFill>
+                <a:latin typeface="+mn-lt"/>
+                <a:ea typeface="+mn-ea"/>
+                <a:cs typeface="+mn-cs"/>
+              </a:defRPr>
+            </a:lvl9pPr>
+          </a:lstStyle>
+          <a:p>
+            <a:pPr marL="0" indent="0">
+              <a:buNone/>
+            </a:pPr>
+            <a:endParaRPr lang="en-US" sz="2400" dirty="0" smtClean="0"/>
+          </a:p>
+          <a:p>
+            <a:pPr marL="0" indent="0">
+              <a:buNone/>
+            </a:pPr>
+            <a:endParaRPr lang="en-US" sz="2400" dirty="0"/>
+          </a:p>
+        </p:txBody>
+      </p:sp>
+      <p:sp>
+        <p:nvSpPr>
+          <p:cNvPr id="3" name="TextBox 2"/>
           <p:cNvSpPr txBox="1"/>
           <p:nvPr/>
         </p:nvSpPr>
         <p:spPr>
           <a:xfrm>
-            <a:off x="0" y="1411494"/>
-            <a:ext cx="12192000" cy="646331"/>
+            <a:off x="464234" y="1842867"/>
+            <a:ext cx="7596554" cy="2677656"/>
           </a:xfrm>
           <a:prstGeom prst="rect">
             <a:avLst/>
@@ -13972,137 +16211,63 @@
           </a:bodyPr>
           <a:lstStyle/>
           <a:p>
-            <a:pPr marL="285750" indent="-285750">
-              <a:buFont typeface="Wingdings" panose="05000000000000000000" pitchFamily="2" charset="2"/>
-              <a:buChar char="v"/>
-            </a:pPr>
             <a:r>
-              <a:rPr lang="en-US" dirty="0" err="1" smtClean="0"/>
-              <a:t>ArgoUML</a:t>
+              <a:rPr lang="en-US" sz="2400" dirty="0"/>
+              <a:t>system have a form to registration user if not in system or login process then the passengers pick up the source and destination of the trip, if it available the passenger choose train and book the </a:t>
             </a:r>
             <a:r>
-              <a:rPr lang="en-US" dirty="0" smtClean="0"/>
-              <a:t> is an UML diagramming application written in Java and released under the open source Eclipse Public License,  it is available on any platform supported by Java SE. </a:t>
+              <a:rPr lang="en-US" sz="2400" dirty="0" smtClean="0"/>
+              <a:t>tier whether </a:t>
             </a:r>
-            <a:endParaRPr lang="en-US" dirty="0"/>
+            <a:r>
+              <a:rPr lang="en-US" sz="2400" dirty="0"/>
+              <a:t>it first class or second class then the passenger choose payment method whether credit or </a:t>
+            </a:r>
+            <a:r>
+              <a:rPr lang="en-US" sz="2400" dirty="0" err="1"/>
+              <a:t>paypal</a:t>
+            </a:r>
+            <a:r>
+              <a:rPr lang="en-US" sz="2400" dirty="0"/>
+              <a:t> or mobile wallet and finally ticket will be printed</a:t>
+            </a:r>
           </a:p>
         </p:txBody>
       </p:sp>
-      <p:sp>
-        <p:nvSpPr>
-          <p:cNvPr id="5" name="TextBox 4"/>
-          <p:cNvSpPr txBox="1"/>
+      <p:pic>
+        <p:nvPicPr>
+          <p:cNvPr id="4" name="Picture 3"/>
+          <p:cNvPicPr>
+            <a:picLocks noChangeAspect="1"/>
+          </p:cNvPicPr>
           <p:nvPr/>
-        </p:nvSpPr>
+        </p:nvPicPr>
+        <p:blipFill>
+          <a:blip r:embed="rId2">
+            <a:extLst>
+              <a:ext uri="{28A0092B-C50C-407E-A947-70E740481C1C}">
+                <a14:useLocalDpi xmlns:a14="http://schemas.microsoft.com/office/drawing/2010/main" val="0"/>
+              </a:ext>
+            </a:extLst>
+          </a:blip>
+          <a:stretch>
+            <a:fillRect/>
+          </a:stretch>
+        </p:blipFill>
         <p:spPr>
           <a:xfrm>
-            <a:off x="-45077" y="2824808"/>
-            <a:ext cx="11925837" cy="646331"/>
+            <a:off x="8382000" y="1276695"/>
+            <a:ext cx="3810000" cy="3810000"/>
           </a:xfrm>
           <a:prstGeom prst="rect">
             <a:avLst/>
           </a:prstGeom>
-          <a:noFill/>
         </p:spPr>
-        <p:txBody>
-          <a:bodyPr wrap="square" rtlCol="0">
-            <a:spAutoFit/>
-          </a:bodyPr>
-          <a:lstStyle/>
-          <a:p>
-            <a:pPr marL="285750" indent="-285750">
-              <a:buFont typeface="Wingdings" panose="05000000000000000000" pitchFamily="2" charset="2"/>
-              <a:buChar char="v"/>
-            </a:pPr>
-            <a:r>
-              <a:rPr lang="en-US" dirty="0" smtClean="0"/>
-              <a:t>The users of </a:t>
-            </a:r>
-            <a:r>
-              <a:rPr lang="en-US" dirty="0" err="1" smtClean="0"/>
-              <a:t>ArgoUML</a:t>
-            </a:r>
-            <a:r>
-              <a:rPr lang="en-US" dirty="0" smtClean="0"/>
-              <a:t> are software designers &amp; architects, software developers, business analysts, systems analysts and other professionals involved in the analysis, design and development of software applications</a:t>
-            </a:r>
-            <a:endParaRPr lang="en-US" dirty="0"/>
-          </a:p>
-        </p:txBody>
-      </p:sp>
-      <p:sp>
-        <p:nvSpPr>
-          <p:cNvPr id="6" name="TextBox 5"/>
-          <p:cNvSpPr txBox="1"/>
-          <p:nvPr/>
-        </p:nvSpPr>
-        <p:spPr>
-          <a:xfrm>
-            <a:off x="-2" y="4536725"/>
-            <a:ext cx="11835685" cy="646331"/>
-          </a:xfrm>
-          <a:prstGeom prst="rect">
-            <a:avLst/>
-          </a:prstGeom>
-          <a:noFill/>
-        </p:spPr>
-        <p:txBody>
-          <a:bodyPr wrap="square" rtlCol="0">
-            <a:spAutoFit/>
-          </a:bodyPr>
-          <a:lstStyle/>
-          <a:p>
-            <a:pPr marL="285750" indent="-285750">
-              <a:buFont typeface="Wingdings" panose="05000000000000000000" pitchFamily="2" charset="2"/>
-              <a:buChar char="v"/>
-            </a:pPr>
-            <a:r>
-              <a:rPr lang="en-US" dirty="0" smtClean="0"/>
-              <a:t>It uses Open standards: XMI (XML Metadata Interchange (XMI), SVG (Scalable Vector Graphics (SVG),  an XML specification and file format for describing two-dimensional vector graphics</a:t>
-            </a:r>
-            <a:endParaRPr lang="en-US" dirty="0"/>
-          </a:p>
-        </p:txBody>
-      </p:sp>
-      <p:sp>
-        <p:nvSpPr>
-          <p:cNvPr id="7" name="TextBox 6"/>
-          <p:cNvSpPr txBox="1"/>
-          <p:nvPr/>
-        </p:nvSpPr>
-        <p:spPr>
-          <a:xfrm>
-            <a:off x="4373218" y="162407"/>
-            <a:ext cx="2412776" cy="646331"/>
-          </a:xfrm>
-          <a:prstGeom prst="rect">
-            <a:avLst/>
-          </a:prstGeom>
-          <a:noFill/>
-        </p:spPr>
-        <p:txBody>
-          <a:bodyPr wrap="square" rtlCol="0">
-            <a:spAutoFit/>
-          </a:bodyPr>
-          <a:lstStyle/>
-          <a:p>
-            <a:pPr algn="ctr"/>
-            <a:r>
-              <a:rPr lang="en-US" sz="3600" b="1" dirty="0"/>
-              <a:t>I</a:t>
-            </a:r>
-            <a:r>
-              <a:rPr lang="en-US" sz="3600" b="1" dirty="0" smtClean="0"/>
-              <a:t>ntro</a:t>
-            </a:r>
-            <a:endParaRPr lang="en-US" sz="3600" b="1" dirty="0"/>
-          </a:p>
-        </p:txBody>
-      </p:sp>
+      </p:pic>
     </p:spTree>
     <p:extLst>
       <p:ext uri="{BB962C8B-B14F-4D97-AF65-F5344CB8AC3E}">
-        <p14:creationId xmlns:p14="http://schemas.microsoft.com/office/powerpoint/2010/main" val="3783533708"/>
+        <p14:creationId xmlns:p14="http://schemas.microsoft.com/office/powerpoint/2010/main" val="3568179005"/>
       </p:ext>
     </p:extLst>
   </p:cSld>
@@ -14122,6 +16287,14 @@
 <file path=ppt/slides/slide4.xml><?xml version="1.0" encoding="utf-8"?>
 <p:sld xmlns:a="http://schemas.openxmlformats.org/drawingml/2006/main" xmlns:r="http://schemas.openxmlformats.org/officeDocument/2006/relationships" xmlns:p="http://schemas.openxmlformats.org/presentationml/2006/main">
   <p:cSld>
+    <p:bg>
+      <p:bgPr>
+        <a:solidFill>
+          <a:schemeClr val="bg1"/>
+        </a:solidFill>
+        <a:effectLst/>
+      </p:bgPr>
+    </p:bg>
     <p:spTree>
       <p:nvGrpSpPr>
         <p:cNvPr id="1" name=""/>
@@ -14138,14 +16311,316 @@
       </p:grpSpPr>
       <p:sp>
         <p:nvSpPr>
-          <p:cNvPr id="4" name="TextBox 3"/>
+          <p:cNvPr id="3" name="Text Placeholder 19"/>
+          <p:cNvSpPr txBox="1">
+            <a:spLocks/>
+          </p:cNvSpPr>
+          <p:nvPr/>
+        </p:nvSpPr>
+        <p:spPr>
+          <a:xfrm>
+            <a:off x="-1" y="-1"/>
+            <a:ext cx="8178186" cy="6858001"/>
+          </a:xfrm>
+          <a:prstGeom prst="rect">
+            <a:avLst/>
+          </a:prstGeom>
+        </p:spPr>
+        <p:style>
+          <a:lnRef idx="1">
+            <a:schemeClr val="accent3"/>
+          </a:lnRef>
+          <a:fillRef idx="2">
+            <a:schemeClr val="accent3"/>
+          </a:fillRef>
+          <a:effectRef idx="1">
+            <a:schemeClr val="accent3"/>
+          </a:effectRef>
+          <a:fontRef idx="minor">
+            <a:schemeClr val="dk1"/>
+          </a:fontRef>
+        </p:style>
+        <p:txBody>
+          <a:bodyPr/>
+          <a:lstStyle>
+            <a:lvl1pPr marL="228600" indent="-228600" algn="l" defTabSz="914400" rtl="0" eaLnBrk="1" latinLnBrk="0" hangingPunct="1">
+              <a:lnSpc>
+                <a:spcPct val="90000"/>
+              </a:lnSpc>
+              <a:spcBef>
+                <a:spcPts val="1000"/>
+              </a:spcBef>
+              <a:buFont typeface="Arial" panose="020B0604020202020204" pitchFamily="34" charset="0"/>
+              <a:buChar char="•"/>
+              <a:defRPr sz="2800" kern="1200">
+                <a:solidFill>
+                  <a:schemeClr val="dk1"/>
+                </a:solidFill>
+                <a:latin typeface="+mn-lt"/>
+                <a:ea typeface="+mn-ea"/>
+                <a:cs typeface="+mn-cs"/>
+              </a:defRPr>
+            </a:lvl1pPr>
+            <a:lvl2pPr marL="685800" indent="-228600" algn="l" defTabSz="914400" rtl="0" eaLnBrk="1" latinLnBrk="0" hangingPunct="1">
+              <a:lnSpc>
+                <a:spcPct val="90000"/>
+              </a:lnSpc>
+              <a:spcBef>
+                <a:spcPts val="500"/>
+              </a:spcBef>
+              <a:buFont typeface="Arial" panose="020B0604020202020204" pitchFamily="34" charset="0"/>
+              <a:buChar char="•"/>
+              <a:defRPr sz="2400" kern="1200">
+                <a:solidFill>
+                  <a:schemeClr val="dk1"/>
+                </a:solidFill>
+                <a:latin typeface="+mn-lt"/>
+                <a:ea typeface="+mn-ea"/>
+                <a:cs typeface="+mn-cs"/>
+              </a:defRPr>
+            </a:lvl2pPr>
+            <a:lvl3pPr marL="1143000" indent="-228600" algn="l" defTabSz="914400" rtl="0" eaLnBrk="1" latinLnBrk="0" hangingPunct="1">
+              <a:lnSpc>
+                <a:spcPct val="90000"/>
+              </a:lnSpc>
+              <a:spcBef>
+                <a:spcPts val="500"/>
+              </a:spcBef>
+              <a:buFont typeface="Arial" panose="020B0604020202020204" pitchFamily="34" charset="0"/>
+              <a:buChar char="•"/>
+              <a:defRPr sz="2000" kern="1200">
+                <a:solidFill>
+                  <a:schemeClr val="dk1"/>
+                </a:solidFill>
+                <a:latin typeface="+mn-lt"/>
+                <a:ea typeface="+mn-ea"/>
+                <a:cs typeface="+mn-cs"/>
+              </a:defRPr>
+            </a:lvl3pPr>
+            <a:lvl4pPr marL="1600200" indent="-228600" algn="l" defTabSz="914400" rtl="0" eaLnBrk="1" latinLnBrk="0" hangingPunct="1">
+              <a:lnSpc>
+                <a:spcPct val="90000"/>
+              </a:lnSpc>
+              <a:spcBef>
+                <a:spcPts val="500"/>
+              </a:spcBef>
+              <a:buFont typeface="Arial" panose="020B0604020202020204" pitchFamily="34" charset="0"/>
+              <a:buChar char="•"/>
+              <a:defRPr sz="1800" kern="1200">
+                <a:solidFill>
+                  <a:schemeClr val="dk1"/>
+                </a:solidFill>
+                <a:latin typeface="+mn-lt"/>
+                <a:ea typeface="+mn-ea"/>
+                <a:cs typeface="+mn-cs"/>
+              </a:defRPr>
+            </a:lvl4pPr>
+            <a:lvl5pPr marL="2057400" indent="-228600" algn="l" defTabSz="914400" rtl="0" eaLnBrk="1" latinLnBrk="0" hangingPunct="1">
+              <a:lnSpc>
+                <a:spcPct val="90000"/>
+              </a:lnSpc>
+              <a:spcBef>
+                <a:spcPts val="500"/>
+              </a:spcBef>
+              <a:buFont typeface="Arial" panose="020B0604020202020204" pitchFamily="34" charset="0"/>
+              <a:buChar char="•"/>
+              <a:defRPr sz="1800" kern="1200">
+                <a:solidFill>
+                  <a:schemeClr val="dk1"/>
+                </a:solidFill>
+                <a:latin typeface="+mn-lt"/>
+                <a:ea typeface="+mn-ea"/>
+                <a:cs typeface="+mn-cs"/>
+              </a:defRPr>
+            </a:lvl5pPr>
+            <a:lvl6pPr marL="2514600" indent="-228600" algn="l" defTabSz="914400" rtl="0" eaLnBrk="1" latinLnBrk="0" hangingPunct="1">
+              <a:lnSpc>
+                <a:spcPct val="90000"/>
+              </a:lnSpc>
+              <a:spcBef>
+                <a:spcPts val="500"/>
+              </a:spcBef>
+              <a:buFont typeface="Arial" panose="020B0604020202020204" pitchFamily="34" charset="0"/>
+              <a:buChar char="•"/>
+              <a:defRPr sz="1800" kern="1200">
+                <a:solidFill>
+                  <a:schemeClr val="dk1"/>
+                </a:solidFill>
+                <a:latin typeface="+mn-lt"/>
+                <a:ea typeface="+mn-ea"/>
+                <a:cs typeface="+mn-cs"/>
+              </a:defRPr>
+            </a:lvl6pPr>
+            <a:lvl7pPr marL="2971800" indent="-228600" algn="l" defTabSz="914400" rtl="0" eaLnBrk="1" latinLnBrk="0" hangingPunct="1">
+              <a:lnSpc>
+                <a:spcPct val="90000"/>
+              </a:lnSpc>
+              <a:spcBef>
+                <a:spcPts val="500"/>
+              </a:spcBef>
+              <a:buFont typeface="Arial" panose="020B0604020202020204" pitchFamily="34" charset="0"/>
+              <a:buChar char="•"/>
+              <a:defRPr sz="1800" kern="1200">
+                <a:solidFill>
+                  <a:schemeClr val="dk1"/>
+                </a:solidFill>
+                <a:latin typeface="+mn-lt"/>
+                <a:ea typeface="+mn-ea"/>
+                <a:cs typeface="+mn-cs"/>
+              </a:defRPr>
+            </a:lvl7pPr>
+            <a:lvl8pPr marL="3429000" indent="-228600" algn="l" defTabSz="914400" rtl="0" eaLnBrk="1" latinLnBrk="0" hangingPunct="1">
+              <a:lnSpc>
+                <a:spcPct val="90000"/>
+              </a:lnSpc>
+              <a:spcBef>
+                <a:spcPts val="500"/>
+              </a:spcBef>
+              <a:buFont typeface="Arial" panose="020B0604020202020204" pitchFamily="34" charset="0"/>
+              <a:buChar char="•"/>
+              <a:defRPr sz="1800" kern="1200">
+                <a:solidFill>
+                  <a:schemeClr val="dk1"/>
+                </a:solidFill>
+                <a:latin typeface="+mn-lt"/>
+                <a:ea typeface="+mn-ea"/>
+                <a:cs typeface="+mn-cs"/>
+              </a:defRPr>
+            </a:lvl8pPr>
+            <a:lvl9pPr marL="3886200" indent="-228600" algn="l" defTabSz="914400" rtl="0" eaLnBrk="1" latinLnBrk="0" hangingPunct="1">
+              <a:lnSpc>
+                <a:spcPct val="90000"/>
+              </a:lnSpc>
+              <a:spcBef>
+                <a:spcPts val="500"/>
+              </a:spcBef>
+              <a:buFont typeface="Arial" panose="020B0604020202020204" pitchFamily="34" charset="0"/>
+              <a:buChar char="•"/>
+              <a:defRPr sz="1800" kern="1200">
+                <a:solidFill>
+                  <a:schemeClr val="dk1"/>
+                </a:solidFill>
+                <a:latin typeface="+mn-lt"/>
+                <a:ea typeface="+mn-ea"/>
+                <a:cs typeface="+mn-cs"/>
+              </a:defRPr>
+            </a:lvl9pPr>
+          </a:lstStyle>
+          <a:p>
+            <a:pPr marL="285750" indent="-285750">
+              <a:buFont typeface="Wingdings" panose="05000000000000000000" pitchFamily="2" charset="2"/>
+              <a:buChar char="v"/>
+            </a:pPr>
+            <a:endParaRPr lang="en-US" sz="2400" dirty="0" smtClean="0"/>
+          </a:p>
+          <a:p>
+            <a:pPr marL="285750" indent="-285750">
+              <a:buFont typeface="Wingdings" panose="05000000000000000000" pitchFamily="2" charset="2"/>
+              <a:buChar char="v"/>
+            </a:pPr>
+            <a:r>
+              <a:rPr lang="en-US" sz="2400" dirty="0" err="1" smtClean="0"/>
+              <a:t>ArgoUML</a:t>
+            </a:r>
+            <a:r>
+              <a:rPr lang="en-US" sz="2400" dirty="0" smtClean="0"/>
+              <a:t> is an UML diagramming application written in Java and released under the open source Eclipse Public License,  it is available on any platform supported by Java SE. </a:t>
+            </a:r>
+            <a:endParaRPr lang="en-US" sz="2400" dirty="0"/>
+          </a:p>
+        </p:txBody>
+      </p:sp>
+      <p:pic>
+        <p:nvPicPr>
+          <p:cNvPr id="6" name="Picture 5"/>
+          <p:cNvPicPr>
+            <a:picLocks noChangeAspect="1"/>
+          </p:cNvPicPr>
+          <p:nvPr/>
+        </p:nvPicPr>
+        <p:blipFill>
+          <a:blip r:embed="rId2">
+            <a:extLst>
+              <a:ext uri="{28A0092B-C50C-407E-A947-70E740481C1C}">
+                <a14:useLocalDpi xmlns:a14="http://schemas.microsoft.com/office/drawing/2010/main" val="0"/>
+              </a:ext>
+            </a:extLst>
+          </a:blip>
+          <a:stretch>
+            <a:fillRect/>
+          </a:stretch>
+        </p:blipFill>
+        <p:spPr>
+          <a:xfrm>
+            <a:off x="8655515" y="1131547"/>
+            <a:ext cx="3124636" cy="1876687"/>
+          </a:xfrm>
+          <a:prstGeom prst="rect">
+            <a:avLst/>
+          </a:prstGeom>
+        </p:spPr>
+      </p:pic>
+      <p:sp>
+        <p:nvSpPr>
+          <p:cNvPr id="8" name="Rectangle 7"/>
+          <p:cNvSpPr/>
+          <p:nvPr/>
+        </p:nvSpPr>
+        <p:spPr>
+          <a:xfrm>
+            <a:off x="8473606" y="3224053"/>
+            <a:ext cx="3488455" cy="1015663"/>
+          </a:xfrm>
+          <a:prstGeom prst="rect">
+            <a:avLst/>
+          </a:prstGeom>
+        </p:spPr>
+        <p:txBody>
+          <a:bodyPr wrap="none">
+            <a:spAutoFit/>
+          </a:bodyPr>
+          <a:lstStyle/>
+          <a:p>
+            <a:pPr lvl="0"/>
+            <a:r>
+              <a:rPr lang="en-US" sz="6000" dirty="0">
+                <a:solidFill>
+                  <a:prstClr val="black"/>
+                </a:solidFill>
+                <a:latin typeface="Press Start 2P"/>
+              </a:rPr>
+              <a:t>Argo</a:t>
+            </a:r>
+            <a:r>
+              <a:rPr lang="en-US" dirty="0">
+                <a:solidFill>
+                  <a:prstClr val="black"/>
+                </a:solidFill>
+              </a:rPr>
+              <a:t> </a:t>
+            </a:r>
+            <a:r>
+              <a:rPr lang="en-US" sz="6000" dirty="0">
+                <a:solidFill>
+                  <a:prstClr val="black"/>
+                </a:solidFill>
+                <a:latin typeface="Press Start 2P"/>
+              </a:rPr>
+              <a:t>UML</a:t>
+            </a:r>
+          </a:p>
+        </p:txBody>
+      </p:sp>
+      <p:sp>
+        <p:nvSpPr>
+          <p:cNvPr id="9" name="TextBox 8"/>
           <p:cNvSpPr txBox="1"/>
           <p:nvPr/>
         </p:nvSpPr>
         <p:spPr>
           <a:xfrm>
-            <a:off x="103031" y="1490216"/>
-            <a:ext cx="12015989" cy="923330"/>
+            <a:off x="-1" y="2069891"/>
+            <a:ext cx="7507459" cy="2308324"/>
           </a:xfrm>
           <a:prstGeom prst="rect">
             <a:avLst/>
@@ -14158,36 +16633,46 @@
           </a:bodyPr>
           <a:lstStyle/>
           <a:p>
+            <a:pPr marL="285750" indent="-285750">
+              <a:buFont typeface="Wingdings" panose="05000000000000000000" pitchFamily="2" charset="2"/>
+              <a:buChar char="v"/>
+            </a:pPr>
+            <a:endParaRPr lang="en-US" sz="2400" dirty="0" smtClean="0"/>
+          </a:p>
+          <a:p>
+            <a:pPr marL="285750" indent="-285750">
+              <a:buFont typeface="Wingdings" panose="05000000000000000000" pitchFamily="2" charset="2"/>
+              <a:buChar char="v"/>
+            </a:pPr>
             <a:r>
-              <a:rPr lang="en-US" dirty="0" err="1" smtClean="0"/>
+              <a:rPr lang="en-US" sz="2400" dirty="0" smtClean="0"/>
+              <a:t>The </a:t>
+            </a:r>
+            <a:r>
+              <a:rPr lang="en-US" sz="2400" dirty="0"/>
+              <a:t>users of </a:t>
+            </a:r>
+            <a:r>
+              <a:rPr lang="en-US" sz="2400" dirty="0" err="1"/>
               <a:t>ArgoUML</a:t>
             </a:r>
             <a:r>
-              <a:rPr lang="en-US" dirty="0" smtClean="0"/>
-              <a:t> was originally developed at UC Irvine  by Jason E. Robbins, leading to his Ph.D. It was an open source project hosted by Tigris.org and moved in 2019 to GitHub. The </a:t>
+              <a:rPr lang="en-US" sz="2400" dirty="0"/>
+              <a:t> are software designers &amp; architects, software developers, business analysts, systems analysts and other professionals involved in the analysis, design and development of software applications</a:t>
             </a:r>
-            <a:r>
-              <a:rPr lang="en-US" dirty="0" err="1" smtClean="0"/>
-              <a:t>ArgoUML</a:t>
-            </a:r>
-            <a:r>
-              <a:rPr lang="en-US" dirty="0" smtClean="0"/>
-              <a:t> project included more than 19,000 registered users and over 150 developers</a:t>
-            </a:r>
-            <a:endParaRPr lang="en-US" dirty="0"/>
           </a:p>
         </p:txBody>
       </p:sp>
       <p:sp>
         <p:nvSpPr>
-          <p:cNvPr id="5" name="TextBox 4"/>
+          <p:cNvPr id="10" name="TextBox 9"/>
           <p:cNvSpPr txBox="1"/>
           <p:nvPr/>
         </p:nvSpPr>
         <p:spPr>
           <a:xfrm>
-            <a:off x="103031" y="3196388"/>
-            <a:ext cx="11912958" cy="646331"/>
+            <a:off x="126609" y="4833277"/>
+            <a:ext cx="6654019" cy="1569660"/>
           </a:xfrm>
           <a:prstGeom prst="rect">
             <a:avLst/>
@@ -14200,57 +16685,21 @@
           </a:bodyPr>
           <a:lstStyle/>
           <a:p>
+            <a:pPr marL="285750" indent="-285750">
+              <a:buFont typeface="Wingdings" panose="05000000000000000000" pitchFamily="2" charset="2"/>
+              <a:buChar char="v"/>
+            </a:pPr>
             <a:r>
-              <a:rPr lang="en-US" dirty="0" smtClean="0"/>
-              <a:t>In 2003, </a:t>
+              <a:rPr lang="en-US" sz="2400" dirty="0"/>
+              <a:t>It uses Open standards: XMI (XML Metadata Interchange (XMI), SVG (Scalable Vector Graphics (SVG),  an XML specification and file format for describing two-dimensional vector graphics</a:t>
             </a:r>
-            <a:r>
-              <a:rPr lang="en-US" dirty="0" err="1" smtClean="0"/>
-              <a:t>ArgoUML</a:t>
-            </a:r>
-            <a:r>
-              <a:rPr lang="en-US" dirty="0" smtClean="0"/>
-              <a:t> won the Software Development Magazine's annual Readers' Choice Award in the “Design and Analysis Tools” category.</a:t>
-            </a:r>
-            <a:endParaRPr lang="en-US" dirty="0"/>
-          </a:p>
-        </p:txBody>
-      </p:sp>
-      <p:sp>
-        <p:nvSpPr>
-          <p:cNvPr id="7" name="TextBox 6"/>
-          <p:cNvSpPr txBox="1"/>
-          <p:nvPr/>
-        </p:nvSpPr>
-        <p:spPr>
-          <a:xfrm>
-            <a:off x="4558747" y="331303"/>
-            <a:ext cx="1974574" cy="646331"/>
-          </a:xfrm>
-          <a:prstGeom prst="rect">
-            <a:avLst/>
-          </a:prstGeom>
-          <a:noFill/>
-        </p:spPr>
-        <p:txBody>
-          <a:bodyPr wrap="square" rtlCol="0">
-            <a:spAutoFit/>
-          </a:bodyPr>
-          <a:lstStyle/>
-          <a:p>
-            <a:pPr algn="ctr"/>
-            <a:r>
-              <a:rPr lang="en-US" sz="3600" b="1" dirty="0" smtClean="0"/>
-              <a:t>History</a:t>
-            </a:r>
-            <a:endParaRPr lang="en-US" sz="3600" b="1" dirty="0"/>
           </a:p>
         </p:txBody>
       </p:sp>
     </p:spTree>
     <p:extLst>
       <p:ext uri="{BB962C8B-B14F-4D97-AF65-F5344CB8AC3E}">
-        <p14:creationId xmlns:p14="http://schemas.microsoft.com/office/powerpoint/2010/main" val="468972895"/>
+        <p14:creationId xmlns:p14="http://schemas.microsoft.com/office/powerpoint/2010/main" val="1573909719"/>
       </p:ext>
     </p:extLst>
   </p:cSld>
@@ -14270,6 +16719,14 @@
 <file path=ppt/slides/slide5.xml><?xml version="1.0" encoding="utf-8"?>
 <p:sld xmlns:a="http://schemas.openxmlformats.org/drawingml/2006/main" xmlns:r="http://schemas.openxmlformats.org/officeDocument/2006/relationships" xmlns:p="http://schemas.openxmlformats.org/presentationml/2006/main">
   <p:cSld>
+    <p:bg>
+      <p:bgPr>
+        <a:solidFill>
+          <a:schemeClr val="bg1"/>
+        </a:solidFill>
+        <a:effectLst/>
+      </p:bgPr>
+    </p:bg>
     <p:spTree>
       <p:nvGrpSpPr>
         <p:cNvPr id="1" name=""/>
@@ -14286,14 +16743,249 @@
       </p:grpSpPr>
       <p:sp>
         <p:nvSpPr>
-          <p:cNvPr id="4" name="TextBox 3"/>
+          <p:cNvPr id="4" name="Text Placeholder 19"/>
+          <p:cNvSpPr txBox="1">
+            <a:spLocks/>
+          </p:cNvSpPr>
+          <p:nvPr/>
+        </p:nvSpPr>
+        <p:spPr>
+          <a:xfrm>
+            <a:off x="1" y="-1"/>
+            <a:ext cx="8174736" cy="6858001"/>
+          </a:xfrm>
+          <a:prstGeom prst="rect">
+            <a:avLst/>
+          </a:prstGeom>
+        </p:spPr>
+        <p:style>
+          <a:lnRef idx="1">
+            <a:schemeClr val="accent3"/>
+          </a:lnRef>
+          <a:fillRef idx="2">
+            <a:schemeClr val="accent3"/>
+          </a:fillRef>
+          <a:effectRef idx="1">
+            <a:schemeClr val="accent3"/>
+          </a:effectRef>
+          <a:fontRef idx="minor">
+            <a:schemeClr val="dk1"/>
+          </a:fontRef>
+        </p:style>
+        <p:txBody>
+          <a:bodyPr/>
+          <a:lstStyle>
+            <a:lvl1pPr marL="228600" indent="-228600" algn="l" defTabSz="914400" rtl="0" eaLnBrk="1" latinLnBrk="0" hangingPunct="1">
+              <a:lnSpc>
+                <a:spcPct val="90000"/>
+              </a:lnSpc>
+              <a:spcBef>
+                <a:spcPts val="1000"/>
+              </a:spcBef>
+              <a:buFont typeface="Arial" panose="020B0604020202020204" pitchFamily="34" charset="0"/>
+              <a:buChar char="•"/>
+              <a:defRPr sz="2800" kern="1200">
+                <a:solidFill>
+                  <a:schemeClr val="dk1"/>
+                </a:solidFill>
+                <a:latin typeface="+mn-lt"/>
+                <a:ea typeface="+mn-ea"/>
+                <a:cs typeface="+mn-cs"/>
+              </a:defRPr>
+            </a:lvl1pPr>
+            <a:lvl2pPr marL="685800" indent="-228600" algn="l" defTabSz="914400" rtl="0" eaLnBrk="1" latinLnBrk="0" hangingPunct="1">
+              <a:lnSpc>
+                <a:spcPct val="90000"/>
+              </a:lnSpc>
+              <a:spcBef>
+                <a:spcPts val="500"/>
+              </a:spcBef>
+              <a:buFont typeface="Arial" panose="020B0604020202020204" pitchFamily="34" charset="0"/>
+              <a:buChar char="•"/>
+              <a:defRPr sz="2400" kern="1200">
+                <a:solidFill>
+                  <a:schemeClr val="dk1"/>
+                </a:solidFill>
+                <a:latin typeface="+mn-lt"/>
+                <a:ea typeface="+mn-ea"/>
+                <a:cs typeface="+mn-cs"/>
+              </a:defRPr>
+            </a:lvl2pPr>
+            <a:lvl3pPr marL="1143000" indent="-228600" algn="l" defTabSz="914400" rtl="0" eaLnBrk="1" latinLnBrk="0" hangingPunct="1">
+              <a:lnSpc>
+                <a:spcPct val="90000"/>
+              </a:lnSpc>
+              <a:spcBef>
+                <a:spcPts val="500"/>
+              </a:spcBef>
+              <a:buFont typeface="Arial" panose="020B0604020202020204" pitchFamily="34" charset="0"/>
+              <a:buChar char="•"/>
+              <a:defRPr sz="2000" kern="1200">
+                <a:solidFill>
+                  <a:schemeClr val="dk1"/>
+                </a:solidFill>
+                <a:latin typeface="+mn-lt"/>
+                <a:ea typeface="+mn-ea"/>
+                <a:cs typeface="+mn-cs"/>
+              </a:defRPr>
+            </a:lvl3pPr>
+            <a:lvl4pPr marL="1600200" indent="-228600" algn="l" defTabSz="914400" rtl="0" eaLnBrk="1" latinLnBrk="0" hangingPunct="1">
+              <a:lnSpc>
+                <a:spcPct val="90000"/>
+              </a:lnSpc>
+              <a:spcBef>
+                <a:spcPts val="500"/>
+              </a:spcBef>
+              <a:buFont typeface="Arial" panose="020B0604020202020204" pitchFamily="34" charset="0"/>
+              <a:buChar char="•"/>
+              <a:defRPr sz="1800" kern="1200">
+                <a:solidFill>
+                  <a:schemeClr val="dk1"/>
+                </a:solidFill>
+                <a:latin typeface="+mn-lt"/>
+                <a:ea typeface="+mn-ea"/>
+                <a:cs typeface="+mn-cs"/>
+              </a:defRPr>
+            </a:lvl4pPr>
+            <a:lvl5pPr marL="2057400" indent="-228600" algn="l" defTabSz="914400" rtl="0" eaLnBrk="1" latinLnBrk="0" hangingPunct="1">
+              <a:lnSpc>
+                <a:spcPct val="90000"/>
+              </a:lnSpc>
+              <a:spcBef>
+                <a:spcPts val="500"/>
+              </a:spcBef>
+              <a:buFont typeface="Arial" panose="020B0604020202020204" pitchFamily="34" charset="0"/>
+              <a:buChar char="•"/>
+              <a:defRPr sz="1800" kern="1200">
+                <a:solidFill>
+                  <a:schemeClr val="dk1"/>
+                </a:solidFill>
+                <a:latin typeface="+mn-lt"/>
+                <a:ea typeface="+mn-ea"/>
+                <a:cs typeface="+mn-cs"/>
+              </a:defRPr>
+            </a:lvl5pPr>
+            <a:lvl6pPr marL="2514600" indent="-228600" algn="l" defTabSz="914400" rtl="0" eaLnBrk="1" latinLnBrk="0" hangingPunct="1">
+              <a:lnSpc>
+                <a:spcPct val="90000"/>
+              </a:lnSpc>
+              <a:spcBef>
+                <a:spcPts val="500"/>
+              </a:spcBef>
+              <a:buFont typeface="Arial" panose="020B0604020202020204" pitchFamily="34" charset="0"/>
+              <a:buChar char="•"/>
+              <a:defRPr sz="1800" kern="1200">
+                <a:solidFill>
+                  <a:schemeClr val="dk1"/>
+                </a:solidFill>
+                <a:latin typeface="+mn-lt"/>
+                <a:ea typeface="+mn-ea"/>
+                <a:cs typeface="+mn-cs"/>
+              </a:defRPr>
+            </a:lvl6pPr>
+            <a:lvl7pPr marL="2971800" indent="-228600" algn="l" defTabSz="914400" rtl="0" eaLnBrk="1" latinLnBrk="0" hangingPunct="1">
+              <a:lnSpc>
+                <a:spcPct val="90000"/>
+              </a:lnSpc>
+              <a:spcBef>
+                <a:spcPts val="500"/>
+              </a:spcBef>
+              <a:buFont typeface="Arial" panose="020B0604020202020204" pitchFamily="34" charset="0"/>
+              <a:buChar char="•"/>
+              <a:defRPr sz="1800" kern="1200">
+                <a:solidFill>
+                  <a:schemeClr val="dk1"/>
+                </a:solidFill>
+                <a:latin typeface="+mn-lt"/>
+                <a:ea typeface="+mn-ea"/>
+                <a:cs typeface="+mn-cs"/>
+              </a:defRPr>
+            </a:lvl7pPr>
+            <a:lvl8pPr marL="3429000" indent="-228600" algn="l" defTabSz="914400" rtl="0" eaLnBrk="1" latinLnBrk="0" hangingPunct="1">
+              <a:lnSpc>
+                <a:spcPct val="90000"/>
+              </a:lnSpc>
+              <a:spcBef>
+                <a:spcPts val="500"/>
+              </a:spcBef>
+              <a:buFont typeface="Arial" panose="020B0604020202020204" pitchFamily="34" charset="0"/>
+              <a:buChar char="•"/>
+              <a:defRPr sz="1800" kern="1200">
+                <a:solidFill>
+                  <a:schemeClr val="dk1"/>
+                </a:solidFill>
+                <a:latin typeface="+mn-lt"/>
+                <a:ea typeface="+mn-ea"/>
+                <a:cs typeface="+mn-cs"/>
+              </a:defRPr>
+            </a:lvl8pPr>
+            <a:lvl9pPr marL="3886200" indent="-228600" algn="l" defTabSz="914400" rtl="0" eaLnBrk="1" latinLnBrk="0" hangingPunct="1">
+              <a:lnSpc>
+                <a:spcPct val="90000"/>
+              </a:lnSpc>
+              <a:spcBef>
+                <a:spcPts val="500"/>
+              </a:spcBef>
+              <a:buFont typeface="Arial" panose="020B0604020202020204" pitchFamily="34" charset="0"/>
+              <a:buChar char="•"/>
+              <a:defRPr sz="1800" kern="1200">
+                <a:solidFill>
+                  <a:schemeClr val="dk1"/>
+                </a:solidFill>
+                <a:latin typeface="+mn-lt"/>
+                <a:ea typeface="+mn-ea"/>
+                <a:cs typeface="+mn-cs"/>
+              </a:defRPr>
+            </a:lvl9pPr>
+          </a:lstStyle>
+          <a:p>
+            <a:endParaRPr lang="en-US" smtClean="0"/>
+          </a:p>
+          <a:p>
+            <a:endParaRPr lang="en-US" dirty="0"/>
+          </a:p>
+        </p:txBody>
+      </p:sp>
+      <p:pic>
+        <p:nvPicPr>
+          <p:cNvPr id="5" name="Picture 4"/>
+          <p:cNvPicPr>
+            <a:picLocks noChangeAspect="1"/>
+          </p:cNvPicPr>
+          <p:nvPr/>
+        </p:nvPicPr>
+        <p:blipFill>
+          <a:blip r:embed="rId2">
+            <a:extLst>
+              <a:ext uri="{28A0092B-C50C-407E-A947-70E740481C1C}">
+                <a14:useLocalDpi xmlns:a14="http://schemas.microsoft.com/office/drawing/2010/main" val="0"/>
+              </a:ext>
+            </a:extLst>
+          </a:blip>
+          <a:stretch>
+            <a:fillRect/>
+          </a:stretch>
+        </p:blipFill>
+        <p:spPr>
+          <a:xfrm>
+            <a:off x="7971336" y="1195399"/>
+            <a:ext cx="4220664" cy="4220664"/>
+          </a:xfrm>
+          <a:prstGeom prst="rect">
+            <a:avLst/>
+          </a:prstGeom>
+        </p:spPr>
+      </p:pic>
+      <p:sp>
+        <p:nvSpPr>
+          <p:cNvPr id="6" name="TextBox 5"/>
           <p:cNvSpPr txBox="1"/>
           <p:nvPr/>
         </p:nvSpPr>
         <p:spPr>
           <a:xfrm>
-            <a:off x="218983" y="923330"/>
-            <a:ext cx="11167663" cy="6463308"/>
+            <a:off x="1" y="1195399"/>
+            <a:ext cx="8174736" cy="2308324"/>
           </a:xfrm>
           <a:prstGeom prst="rect">
             <a:avLst/>
@@ -14306,223 +16998,66 @@
           </a:bodyPr>
           <a:lstStyle/>
           <a:p>
+            <a:pPr marL="342900" indent="-342900">
+              <a:buFont typeface="Wingdings" panose="05000000000000000000" pitchFamily="2" charset="2"/>
+              <a:buChar char="v"/>
+            </a:pPr>
             <a:r>
-              <a:rPr lang="en-US" dirty="0" smtClean="0"/>
-              <a:t>-All 9 UML 1.4 diagrams are supported.</a:t>
-            </a:r>
-          </a:p>
-          <a:p>
-            <a:endParaRPr lang="en-US" dirty="0" smtClean="0"/>
-          </a:p>
-          <a:p>
-            <a:r>
-              <a:rPr lang="en-US" dirty="0" smtClean="0"/>
-              <a:t>-Platform independent – Java 1.5+ and C++.</a:t>
-            </a:r>
-          </a:p>
-          <a:p>
-            <a:endParaRPr lang="en-US" dirty="0" smtClean="0"/>
-          </a:p>
-          <a:p>
-            <a:r>
-              <a:rPr lang="en-US" dirty="0" smtClean="0"/>
-              <a:t>-Click and Go! with Java Web Start (no setup required, starts from your web browser).</a:t>
-            </a:r>
-          </a:p>
-          <a:p>
-            <a:endParaRPr lang="en-US" dirty="0"/>
-          </a:p>
-          <a:p>
-            <a:r>
-              <a:rPr lang="en-US" dirty="0" smtClean="0">
-                <a:hlinkClick r:id="rId2" tooltip="XML Metadata Interchange"/>
-              </a:rPr>
-              <a:t>-XMI</a:t>
+              <a:rPr lang="en-US" sz="2400" dirty="0" err="1"/>
+              <a:t>ArgoUML</a:t>
             </a:r>
             <a:r>
-              <a:rPr lang="en-US" dirty="0" smtClean="0"/>
-              <a:t> support.</a:t>
-            </a:r>
-          </a:p>
-          <a:p>
-            <a:endParaRPr lang="en-US" dirty="0" smtClean="0"/>
-          </a:p>
-          <a:p>
-            <a:r>
-              <a:rPr lang="en-US" dirty="0" smtClean="0"/>
-              <a:t>-Export diagrams as </a:t>
+              <a:rPr lang="en-US" sz="2400" dirty="0"/>
+              <a:t> was originally developed at UC Irvine  by Jason E. Robbins, leading to his </a:t>
             </a:r>
             <a:r>
-              <a:rPr lang="en-US" dirty="0" smtClean="0">
-                <a:hlinkClick r:id="rId3" tooltip="GIF"/>
-              </a:rPr>
-              <a:t>GIF</a:t>
+              <a:rPr lang="en-US" sz="2400" dirty="0" smtClean="0"/>
+              <a:t>Ph.D</a:t>
             </a:r>
             <a:r>
-              <a:rPr lang="en-US" dirty="0" smtClean="0"/>
-              <a:t>, </a:t>
+              <a:rPr lang="en-US" sz="2400" dirty="0"/>
+              <a:t>. It was an open source project hosted by Tigris.org and moved in 2019 to </a:t>
             </a:r>
             <a:r>
-              <a:rPr lang="en-US" dirty="0" smtClean="0">
-                <a:hlinkClick r:id="rId4" tooltip="Portable Network Graphics"/>
-              </a:rPr>
-              <a:t>PNG</a:t>
+              <a:rPr lang="en-US" sz="2400" dirty="0" err="1" smtClean="0"/>
+              <a:t>GitHub,The</a:t>
             </a:r>
             <a:r>
-              <a:rPr lang="en-US" dirty="0" smtClean="0"/>
-              <a:t>, </a:t>
-            </a:r>
-            <a:r>
-              <a:rPr lang="en-US" dirty="0" smtClean="0">
-                <a:hlinkClick r:id="rId5" tooltip="PostScript"/>
-              </a:rPr>
-              <a:t>PS</a:t>
-            </a:r>
-            <a:r>
-              <a:rPr lang="en-US" dirty="0" smtClean="0"/>
-              <a:t>, </a:t>
-            </a:r>
-            <a:r>
-              <a:rPr lang="en-US" dirty="0" smtClean="0">
-                <a:hlinkClick r:id="rId6" tooltip="Encapsulated PostScript"/>
-              </a:rPr>
-              <a:t>EPS</a:t>
-            </a:r>
-            <a:r>
-              <a:rPr lang="en-US" dirty="0" smtClean="0"/>
-              <a:t>, </a:t>
-            </a:r>
-            <a:r>
-              <a:rPr lang="en-US" dirty="0" smtClean="0">
-                <a:hlinkClick r:id="rId7" tooltip="PGML"/>
-              </a:rPr>
-              <a:t>PGML</a:t>
-            </a:r>
-            <a:r>
-              <a:rPr lang="en-US" dirty="0" smtClean="0"/>
-              <a:t> and </a:t>
-            </a:r>
-            <a:r>
-              <a:rPr lang="en-US" dirty="0" smtClean="0">
-                <a:hlinkClick r:id="rId8" tooltip="Scalable vector graphics"/>
-              </a:rPr>
-              <a:t>SVG</a:t>
-            </a:r>
-            <a:r>
-              <a:rPr lang="en-US" dirty="0" smtClean="0"/>
-              <a:t>.</a:t>
-            </a:r>
-          </a:p>
-          <a:p>
-            <a:endParaRPr lang="en-US" dirty="0" smtClean="0"/>
-          </a:p>
-          <a:p>
-            <a:r>
-              <a:rPr lang="en-US" dirty="0" smtClean="0"/>
-              <a:t>-Advanced diagram editing and zoom.</a:t>
-            </a:r>
-          </a:p>
-          <a:p>
-            <a:endParaRPr lang="en-US" dirty="0" smtClean="0"/>
-          </a:p>
-          <a:p>
-            <a:r>
-              <a:rPr lang="en-US" dirty="0" smtClean="0">
-                <a:hlinkClick r:id="rId9" tooltip="Object Constraint Language"/>
-              </a:rPr>
-              <a:t>-OCL</a:t>
-            </a:r>
-            <a:r>
-              <a:rPr lang="en-US" dirty="0" smtClean="0"/>
-              <a:t> support.</a:t>
-            </a:r>
-          </a:p>
-          <a:p>
-            <a:endParaRPr lang="en-US" dirty="0" smtClean="0"/>
-          </a:p>
-          <a:p>
-            <a:r>
-              <a:rPr lang="en-US" dirty="0" smtClean="0"/>
-              <a:t>-Forward engineering (code generation supports C++ and C#, Java, </a:t>
-            </a:r>
-            <a:r>
-              <a:rPr lang="en-US" dirty="0" smtClean="0"/>
-              <a:t>PHP</a:t>
-            </a:r>
-            <a:r>
-              <a:rPr lang="en-US" dirty="0"/>
-              <a:t>,</a:t>
-            </a:r>
-            <a:r>
-              <a:rPr lang="en-US" dirty="0" smtClean="0"/>
+              <a:rPr lang="en-US" sz="2400" dirty="0" smtClean="0"/>
               <a:t> </a:t>
             </a:r>
             <a:r>
-              <a:rPr lang="en-US" dirty="0" smtClean="0"/>
-              <a:t>Ruby </a:t>
+              <a:rPr lang="en-US" sz="2400" dirty="0" err="1"/>
+              <a:t>ArgoUML</a:t>
             </a:r>
             <a:r>
-              <a:rPr lang="en-US" dirty="0" smtClean="0"/>
+              <a:rPr lang="en-US" sz="2400" dirty="0"/>
+              <a:t> project included more than 19,000 registered users </a:t>
+            </a:r>
+            <a:r>
+              <a:rPr lang="en-US" sz="2400" dirty="0" smtClean="0"/>
               <a:t>and </a:t>
             </a:r>
             <a:r>
-              <a:rPr lang="en-US" dirty="0" smtClean="0"/>
-              <a:t>with less mature --modules, Ada, Delphi and SQL).</a:t>
+              <a:rPr lang="en-US" sz="2400" dirty="0"/>
+              <a:t>over 150 developers</a:t>
             </a:r>
           </a:p>
           <a:p>
-            <a:endParaRPr lang="en-US" dirty="0" smtClean="0"/>
-          </a:p>
-          <a:p>
-            <a:r>
-              <a:rPr lang="en-US" dirty="0" smtClean="0"/>
-              <a:t>-Reverse engineering / </a:t>
-            </a:r>
-            <a:r>
-              <a:rPr lang="en-US" dirty="0" smtClean="0">
-                <a:hlinkClick r:id="rId10" tooltip="JAR (file format)"/>
-              </a:rPr>
-              <a:t>JAR</a:t>
-            </a:r>
-            <a:r>
-              <a:rPr lang="en-US" dirty="0" smtClean="0"/>
-              <a:t>/class file import.</a:t>
-            </a:r>
-          </a:p>
-          <a:p>
-            <a:endParaRPr lang="en-US" dirty="0" smtClean="0"/>
-          </a:p>
-          <a:p>
-            <a:r>
-              <a:rPr lang="en-US" dirty="0" smtClean="0"/>
-              <a:t>-</a:t>
-            </a:r>
-            <a:r>
-              <a:rPr lang="en-US" dirty="0"/>
-              <a:t>Available in ten languages: EN, EN-GB, DE, ES, IT, RU, FR, NB, PT, ZH.</a:t>
-            </a:r>
-          </a:p>
-          <a:p>
-            <a:endParaRPr lang="en-US" dirty="0" smtClean="0"/>
-          </a:p>
-          <a:p>
-            <a:endParaRPr lang="en-US" dirty="0" smtClean="0"/>
-          </a:p>
-          <a:p>
-            <a:endParaRPr lang="en-US" dirty="0"/>
+            <a:endParaRPr lang="en-US" sz="2400" dirty="0"/>
           </a:p>
         </p:txBody>
       </p:sp>
       <p:sp>
         <p:nvSpPr>
-          <p:cNvPr id="5" name="TextBox 4"/>
+          <p:cNvPr id="7" name="TextBox 6"/>
           <p:cNvSpPr txBox="1"/>
           <p:nvPr/>
         </p:nvSpPr>
         <p:spPr>
           <a:xfrm>
-            <a:off x="4662152" y="0"/>
-            <a:ext cx="1920719" cy="923330"/>
+            <a:off x="154745" y="3809193"/>
+            <a:ext cx="7816591" cy="1569660"/>
           </a:xfrm>
           <a:prstGeom prst="rect">
             <a:avLst/>
@@ -14530,25 +17065,41 @@
           <a:noFill/>
         </p:spPr>
         <p:txBody>
-          <a:bodyPr wrap="none" rtlCol="0">
+          <a:bodyPr wrap="square" rtlCol="0">
             <a:spAutoFit/>
           </a:bodyPr>
           <a:lstStyle/>
           <a:p>
+            <a:pPr marL="342900" indent="-342900">
+              <a:buFont typeface="Wingdings" panose="05000000000000000000" pitchFamily="2" charset="2"/>
+              <a:buChar char="v"/>
+            </a:pPr>
             <a:r>
-              <a:rPr lang="en-US" sz="3600" b="1" dirty="0" smtClean="0"/>
-              <a:t>Features</a:t>
+              <a:rPr lang="en-US" sz="2400" dirty="0"/>
+              <a:t>In 2003, </a:t>
             </a:r>
-          </a:p>
-          <a:p>
-            <a:endParaRPr lang="en-US" dirty="0"/>
+            <a:r>
+              <a:rPr lang="en-US" sz="2400" dirty="0" err="1"/>
+              <a:t>ArgoUML</a:t>
+            </a:r>
+            <a:r>
+              <a:rPr lang="en-US" sz="2400" dirty="0"/>
+              <a:t> won the Software Development Magazine's annual Readers' Choice Award in the “Design and Analysis Tools” category.</a:t>
+            </a:r>
+          </a:p>
+          <a:p>
+            <a:pPr marL="342900" indent="-342900">
+              <a:buFont typeface="Wingdings" panose="05000000000000000000" pitchFamily="2" charset="2"/>
+              <a:buChar char="v"/>
+            </a:pPr>
+            <a:endParaRPr lang="en-US" sz="2400" dirty="0"/>
           </a:p>
         </p:txBody>
       </p:sp>
     </p:spTree>
     <p:extLst>
       <p:ext uri="{BB962C8B-B14F-4D97-AF65-F5344CB8AC3E}">
-        <p14:creationId xmlns:p14="http://schemas.microsoft.com/office/powerpoint/2010/main" val="2375934991"/>
+        <p14:creationId xmlns:p14="http://schemas.microsoft.com/office/powerpoint/2010/main" val="2542792752"/>
       </p:ext>
     </p:extLst>
   </p:cSld>
@@ -14568,6 +17119,14 @@
 <file path=ppt/slides/slide6.xml><?xml version="1.0" encoding="utf-8"?>
 <p:sld xmlns:a="http://schemas.openxmlformats.org/drawingml/2006/main" xmlns:r="http://schemas.openxmlformats.org/officeDocument/2006/relationships" xmlns:p="http://schemas.openxmlformats.org/presentationml/2006/main">
   <p:cSld>
+    <p:bg>
+      <p:bgPr>
+        <a:solidFill>
+          <a:schemeClr val="bg1"/>
+        </a:solidFill>
+        <a:effectLst/>
+      </p:bgPr>
+    </p:bg>
     <p:spTree>
       <p:nvGrpSpPr>
         <p:cNvPr id="1" name=""/>
@@ -14584,114 +17143,249 @@
       </p:grpSpPr>
       <p:sp>
         <p:nvSpPr>
-          <p:cNvPr id="4" name="Rectangle 3"/>
-          <p:cNvSpPr/>
+          <p:cNvPr id="4" name="Text Placeholder 19"/>
+          <p:cNvSpPr txBox="1">
+            <a:spLocks/>
+          </p:cNvSpPr>
           <p:nvPr/>
         </p:nvSpPr>
         <p:spPr>
           <a:xfrm>
-            <a:off x="347729" y="888642"/>
-            <a:ext cx="8255357" cy="3416320"/>
+            <a:off x="1" y="-1"/>
+            <a:ext cx="8174736" cy="6858001"/>
           </a:xfrm>
           <a:prstGeom prst="rect">
             <a:avLst/>
           </a:prstGeom>
         </p:spPr>
+        <p:style>
+          <a:lnRef idx="1">
+            <a:schemeClr val="accent3"/>
+          </a:lnRef>
+          <a:fillRef idx="2">
+            <a:schemeClr val="accent3"/>
+          </a:fillRef>
+          <a:effectRef idx="1">
+            <a:schemeClr val="accent3"/>
+          </a:effectRef>
+          <a:fontRef idx="minor">
+            <a:schemeClr val="dk1"/>
+          </a:fontRef>
+        </p:style>
         <p:txBody>
-          <a:bodyPr wrap="square">
-            <a:spAutoFit/>
-          </a:bodyPr>
-          <a:lstStyle/>
-          <a:p>
-            <a:r>
-              <a:rPr lang="en-US" dirty="0" smtClean="0"/>
-              <a:t>-</a:t>
-            </a:r>
-            <a:r>
-              <a:rPr lang="en-US" dirty="0" err="1" smtClean="0"/>
-              <a:t>ArgoUML</a:t>
-            </a:r>
-            <a:r>
-              <a:rPr lang="en-US" dirty="0" smtClean="0"/>
-              <a:t> does not yet completely implement the UML standard.</a:t>
-            </a:r>
-          </a:p>
+          <a:bodyPr/>
+          <a:lstStyle>
+            <a:lvl1pPr marL="228600" indent="-228600" algn="l" defTabSz="914400" rtl="0" eaLnBrk="1" latinLnBrk="0" hangingPunct="1">
+              <a:lnSpc>
+                <a:spcPct val="90000"/>
+              </a:lnSpc>
+              <a:spcBef>
+                <a:spcPts val="1000"/>
+              </a:spcBef>
+              <a:buFont typeface="Arial" panose="020B0604020202020204" pitchFamily="34" charset="0"/>
+              <a:buChar char="•"/>
+              <a:defRPr sz="2800" kern="1200">
+                <a:solidFill>
+                  <a:schemeClr val="dk1"/>
+                </a:solidFill>
+                <a:latin typeface="+mn-lt"/>
+                <a:ea typeface="+mn-ea"/>
+                <a:cs typeface="+mn-cs"/>
+              </a:defRPr>
+            </a:lvl1pPr>
+            <a:lvl2pPr marL="685800" indent="-228600" algn="l" defTabSz="914400" rtl="0" eaLnBrk="1" latinLnBrk="0" hangingPunct="1">
+              <a:lnSpc>
+                <a:spcPct val="90000"/>
+              </a:lnSpc>
+              <a:spcBef>
+                <a:spcPts val="500"/>
+              </a:spcBef>
+              <a:buFont typeface="Arial" panose="020B0604020202020204" pitchFamily="34" charset="0"/>
+              <a:buChar char="•"/>
+              <a:defRPr sz="2400" kern="1200">
+                <a:solidFill>
+                  <a:schemeClr val="dk1"/>
+                </a:solidFill>
+                <a:latin typeface="+mn-lt"/>
+                <a:ea typeface="+mn-ea"/>
+                <a:cs typeface="+mn-cs"/>
+              </a:defRPr>
+            </a:lvl2pPr>
+            <a:lvl3pPr marL="1143000" indent="-228600" algn="l" defTabSz="914400" rtl="0" eaLnBrk="1" latinLnBrk="0" hangingPunct="1">
+              <a:lnSpc>
+                <a:spcPct val="90000"/>
+              </a:lnSpc>
+              <a:spcBef>
+                <a:spcPts val="500"/>
+              </a:spcBef>
+              <a:buFont typeface="Arial" panose="020B0604020202020204" pitchFamily="34" charset="0"/>
+              <a:buChar char="•"/>
+              <a:defRPr sz="2000" kern="1200">
+                <a:solidFill>
+                  <a:schemeClr val="dk1"/>
+                </a:solidFill>
+                <a:latin typeface="+mn-lt"/>
+                <a:ea typeface="+mn-ea"/>
+                <a:cs typeface="+mn-cs"/>
+              </a:defRPr>
+            </a:lvl3pPr>
+            <a:lvl4pPr marL="1600200" indent="-228600" algn="l" defTabSz="914400" rtl="0" eaLnBrk="1" latinLnBrk="0" hangingPunct="1">
+              <a:lnSpc>
+                <a:spcPct val="90000"/>
+              </a:lnSpc>
+              <a:spcBef>
+                <a:spcPts val="500"/>
+              </a:spcBef>
+              <a:buFont typeface="Arial" panose="020B0604020202020204" pitchFamily="34" charset="0"/>
+              <a:buChar char="•"/>
+              <a:defRPr sz="1800" kern="1200">
+                <a:solidFill>
+                  <a:schemeClr val="dk1"/>
+                </a:solidFill>
+                <a:latin typeface="+mn-lt"/>
+                <a:ea typeface="+mn-ea"/>
+                <a:cs typeface="+mn-cs"/>
+              </a:defRPr>
+            </a:lvl4pPr>
+            <a:lvl5pPr marL="2057400" indent="-228600" algn="l" defTabSz="914400" rtl="0" eaLnBrk="1" latinLnBrk="0" hangingPunct="1">
+              <a:lnSpc>
+                <a:spcPct val="90000"/>
+              </a:lnSpc>
+              <a:spcBef>
+                <a:spcPts val="500"/>
+              </a:spcBef>
+              <a:buFont typeface="Arial" panose="020B0604020202020204" pitchFamily="34" charset="0"/>
+              <a:buChar char="•"/>
+              <a:defRPr sz="1800" kern="1200">
+                <a:solidFill>
+                  <a:schemeClr val="dk1"/>
+                </a:solidFill>
+                <a:latin typeface="+mn-lt"/>
+                <a:ea typeface="+mn-ea"/>
+                <a:cs typeface="+mn-cs"/>
+              </a:defRPr>
+            </a:lvl5pPr>
+            <a:lvl6pPr marL="2514600" indent="-228600" algn="l" defTabSz="914400" rtl="0" eaLnBrk="1" latinLnBrk="0" hangingPunct="1">
+              <a:lnSpc>
+                <a:spcPct val="90000"/>
+              </a:lnSpc>
+              <a:spcBef>
+                <a:spcPts val="500"/>
+              </a:spcBef>
+              <a:buFont typeface="Arial" panose="020B0604020202020204" pitchFamily="34" charset="0"/>
+              <a:buChar char="•"/>
+              <a:defRPr sz="1800" kern="1200">
+                <a:solidFill>
+                  <a:schemeClr val="dk1"/>
+                </a:solidFill>
+                <a:latin typeface="+mn-lt"/>
+                <a:ea typeface="+mn-ea"/>
+                <a:cs typeface="+mn-cs"/>
+              </a:defRPr>
+            </a:lvl6pPr>
+            <a:lvl7pPr marL="2971800" indent="-228600" algn="l" defTabSz="914400" rtl="0" eaLnBrk="1" latinLnBrk="0" hangingPunct="1">
+              <a:lnSpc>
+                <a:spcPct val="90000"/>
+              </a:lnSpc>
+              <a:spcBef>
+                <a:spcPts val="500"/>
+              </a:spcBef>
+              <a:buFont typeface="Arial" panose="020B0604020202020204" pitchFamily="34" charset="0"/>
+              <a:buChar char="•"/>
+              <a:defRPr sz="1800" kern="1200">
+                <a:solidFill>
+                  <a:schemeClr val="dk1"/>
+                </a:solidFill>
+                <a:latin typeface="+mn-lt"/>
+                <a:ea typeface="+mn-ea"/>
+                <a:cs typeface="+mn-cs"/>
+              </a:defRPr>
+            </a:lvl7pPr>
+            <a:lvl8pPr marL="3429000" indent="-228600" algn="l" defTabSz="914400" rtl="0" eaLnBrk="1" latinLnBrk="0" hangingPunct="1">
+              <a:lnSpc>
+                <a:spcPct val="90000"/>
+              </a:lnSpc>
+              <a:spcBef>
+                <a:spcPts val="500"/>
+              </a:spcBef>
+              <a:buFont typeface="Arial" panose="020B0604020202020204" pitchFamily="34" charset="0"/>
+              <a:buChar char="•"/>
+              <a:defRPr sz="1800" kern="1200">
+                <a:solidFill>
+                  <a:schemeClr val="dk1"/>
+                </a:solidFill>
+                <a:latin typeface="+mn-lt"/>
+                <a:ea typeface="+mn-ea"/>
+                <a:cs typeface="+mn-cs"/>
+              </a:defRPr>
+            </a:lvl8pPr>
+            <a:lvl9pPr marL="3886200" indent="-228600" algn="l" defTabSz="914400" rtl="0" eaLnBrk="1" latinLnBrk="0" hangingPunct="1">
+              <a:lnSpc>
+                <a:spcPct val="90000"/>
+              </a:lnSpc>
+              <a:spcBef>
+                <a:spcPts val="500"/>
+              </a:spcBef>
+              <a:buFont typeface="Arial" panose="020B0604020202020204" pitchFamily="34" charset="0"/>
+              <a:buChar char="•"/>
+              <a:defRPr sz="1800" kern="1200">
+                <a:solidFill>
+                  <a:schemeClr val="dk1"/>
+                </a:solidFill>
+                <a:latin typeface="+mn-lt"/>
+                <a:ea typeface="+mn-ea"/>
+                <a:cs typeface="+mn-cs"/>
+              </a:defRPr>
+            </a:lvl9pPr>
+          </a:lstStyle>
           <a:p>
             <a:endParaRPr lang="en-US" dirty="0" smtClean="0"/>
-          </a:p>
-          <a:p>
-            <a:r>
-              <a:rPr lang="en-US" dirty="0" smtClean="0"/>
-              <a:t>-No undo feature </a:t>
-            </a:r>
-          </a:p>
-          <a:p>
-            <a:endParaRPr lang="en-US" dirty="0"/>
-          </a:p>
-          <a:p>
-            <a:r>
-              <a:rPr lang="en-US" dirty="0" smtClean="0"/>
-              <a:t>-Reverse engineering does not  provide  all code</a:t>
-            </a:r>
-          </a:p>
-          <a:p>
-            <a:endParaRPr lang="en-US" dirty="0"/>
-          </a:p>
-          <a:p>
-            <a:r>
-              <a:rPr lang="en-US" dirty="0" smtClean="0"/>
-              <a:t>-data </a:t>
-            </a:r>
-            <a:r>
-              <a:rPr lang="en-US" dirty="0" smtClean="0"/>
-              <a:t>types and return value less </a:t>
-            </a:r>
-            <a:r>
-              <a:rPr lang="en-US" dirty="0" smtClean="0"/>
-              <a:t>option and not customized</a:t>
-            </a:r>
-            <a:r>
-              <a:rPr lang="en-US" dirty="0" smtClean="0"/>
-              <a:t> </a:t>
-            </a:r>
-            <a:r>
-              <a:rPr lang="en-US" dirty="0" smtClean="0"/>
-              <a:t>only support </a:t>
-            </a:r>
-            <a:r>
-              <a:rPr lang="en-US" dirty="0" err="1" smtClean="0"/>
-              <a:t>int,bool,string</a:t>
-            </a:r>
-            <a:endParaRPr lang="en-US" dirty="0" smtClean="0"/>
-          </a:p>
-          <a:p>
-            <a:endParaRPr lang="en-US" dirty="0"/>
-          </a:p>
-          <a:p>
-            <a:r>
-              <a:rPr lang="en-US" dirty="0" smtClean="0"/>
-              <a:t>-no navigation with keyboard such as Tab</a:t>
-            </a:r>
-            <a:endParaRPr lang="en-US" dirty="0" smtClean="0"/>
-          </a:p>
-          <a:p>
-            <a:endParaRPr lang="en-US" dirty="0"/>
           </a:p>
           <a:p>
             <a:endParaRPr lang="en-US" dirty="0"/>
           </a:p>
         </p:txBody>
       </p:sp>
+      <p:pic>
+        <p:nvPicPr>
+          <p:cNvPr id="5" name="Picture 4"/>
+          <p:cNvPicPr>
+            <a:picLocks noChangeAspect="1"/>
+          </p:cNvPicPr>
+          <p:nvPr/>
+        </p:nvPicPr>
+        <p:blipFill>
+          <a:blip r:embed="rId2">
+            <a:extLst>
+              <a:ext uri="{28A0092B-C50C-407E-A947-70E740481C1C}">
+                <a14:useLocalDpi xmlns:a14="http://schemas.microsoft.com/office/drawing/2010/main" val="0"/>
+              </a:ext>
+            </a:extLst>
+          </a:blip>
+          <a:stretch>
+            <a:fillRect/>
+          </a:stretch>
+        </p:blipFill>
+        <p:spPr>
+          <a:xfrm>
+            <a:off x="8083368" y="1374683"/>
+            <a:ext cx="4108632" cy="4108632"/>
+          </a:xfrm>
+          <a:prstGeom prst="rect">
+            <a:avLst/>
+          </a:prstGeom>
+        </p:spPr>
+      </p:pic>
       <p:sp>
         <p:nvSpPr>
-          <p:cNvPr id="5" name="TextBox 4"/>
+          <p:cNvPr id="6" name="TextBox 5"/>
           <p:cNvSpPr txBox="1"/>
           <p:nvPr/>
         </p:nvSpPr>
         <p:spPr>
           <a:xfrm>
-            <a:off x="4649273" y="115910"/>
-            <a:ext cx="2618730" cy="923330"/>
+            <a:off x="140677" y="618979"/>
+            <a:ext cx="7942691" cy="8125301"/>
           </a:xfrm>
           <a:prstGeom prst="rect">
             <a:avLst/>
@@ -14699,15 +17393,259 @@
           <a:noFill/>
         </p:spPr>
         <p:txBody>
-          <a:bodyPr wrap="none" rtlCol="0">
+          <a:bodyPr wrap="square" rtlCol="0">
             <a:spAutoFit/>
           </a:bodyPr>
           <a:lstStyle/>
           <a:p>
+            <a:pPr marL="285750" indent="-285750">
+              <a:buFont typeface="Wingdings" panose="05000000000000000000" pitchFamily="2" charset="2"/>
+              <a:buChar char="v"/>
+            </a:pPr>
             <a:r>
-              <a:rPr lang="en-US" sz="3600" b="1" dirty="0" smtClean="0"/>
-              <a:t>Weaknesses</a:t>
+              <a:rPr lang="en-US" dirty="0"/>
+              <a:t>Forward engineering (code generation supports C++ and C#, Java, PHP, Ruby </a:t>
             </a:r>
+          </a:p>
+          <a:p>
+            <a:r>
+              <a:rPr lang="en-US" dirty="0"/>
+              <a:t>and with less mature --modules, Ada, Delphi and SQL).</a:t>
+            </a:r>
+          </a:p>
+          <a:p>
+            <a:pPr marL="285750" indent="-285750">
+              <a:buFont typeface="Wingdings" panose="05000000000000000000" pitchFamily="2" charset="2"/>
+              <a:buChar char="v"/>
+            </a:pPr>
+            <a:endParaRPr lang="en-US" dirty="0" smtClean="0"/>
+          </a:p>
+          <a:p>
+            <a:pPr marL="285750" indent="-285750">
+              <a:buFont typeface="Wingdings" panose="05000000000000000000" pitchFamily="2" charset="2"/>
+              <a:buChar char="v"/>
+            </a:pPr>
+            <a:r>
+              <a:rPr lang="en-US" dirty="0" smtClean="0"/>
+              <a:t>Reverse </a:t>
+            </a:r>
+            <a:r>
+              <a:rPr lang="en-US" dirty="0"/>
+              <a:t>engineering / JAR/class file import.</a:t>
+            </a:r>
+          </a:p>
+          <a:p>
+            <a:pPr marL="285750" indent="-285750">
+              <a:buFont typeface="Wingdings" panose="05000000000000000000" pitchFamily="2" charset="2"/>
+              <a:buChar char="v"/>
+            </a:pPr>
+            <a:endParaRPr lang="en-US" dirty="0" smtClean="0"/>
+          </a:p>
+          <a:p>
+            <a:pPr marL="285750" indent="-285750">
+              <a:buFont typeface="Wingdings" panose="05000000000000000000" pitchFamily="2" charset="2"/>
+              <a:buChar char="v"/>
+            </a:pPr>
+            <a:r>
+              <a:rPr lang="en-US" dirty="0" smtClean="0"/>
+              <a:t>Platform </a:t>
+            </a:r>
+            <a:r>
+              <a:rPr lang="en-US" dirty="0"/>
+              <a:t>independent – Java 1.5+ and C</a:t>
+            </a:r>
+            <a:r>
+              <a:rPr lang="en-US" dirty="0" smtClean="0"/>
+              <a:t>++.</a:t>
+            </a:r>
+          </a:p>
+          <a:p>
+            <a:pPr marL="285750" indent="-285750">
+              <a:buFont typeface="Wingdings" panose="05000000000000000000" pitchFamily="2" charset="2"/>
+              <a:buChar char="v"/>
+            </a:pPr>
+            <a:endParaRPr lang="en-US" dirty="0" smtClean="0"/>
+          </a:p>
+          <a:p>
+            <a:pPr marL="285750" indent="-285750">
+              <a:buFont typeface="Wingdings" panose="05000000000000000000" pitchFamily="2" charset="2"/>
+              <a:buChar char="v"/>
+            </a:pPr>
+            <a:r>
+              <a:rPr lang="en-US" dirty="0" smtClean="0"/>
+              <a:t>Click </a:t>
+            </a:r>
+            <a:r>
+              <a:rPr lang="en-US" dirty="0"/>
+              <a:t>and Go! with Java Web Start (no setup required, starts from your web browser</a:t>
+            </a:r>
+            <a:r>
+              <a:rPr lang="en-US" dirty="0" smtClean="0"/>
+              <a:t>).</a:t>
+            </a:r>
+          </a:p>
+          <a:p>
+            <a:pPr marL="285750" indent="-285750">
+              <a:buFont typeface="Wingdings" panose="05000000000000000000" pitchFamily="2" charset="2"/>
+              <a:buChar char="v"/>
+            </a:pPr>
+            <a:endParaRPr lang="en-US" dirty="0" smtClean="0"/>
+          </a:p>
+          <a:p>
+            <a:pPr marL="285750" indent="-285750">
+              <a:buFont typeface="Wingdings" panose="05000000000000000000" pitchFamily="2" charset="2"/>
+              <a:buChar char="v"/>
+            </a:pPr>
+            <a:r>
+              <a:rPr lang="en-US" dirty="0"/>
+              <a:t>X</a:t>
+            </a:r>
+            <a:r>
+              <a:rPr lang="en-US" dirty="0" smtClean="0"/>
+              <a:t>ML </a:t>
+            </a:r>
+            <a:r>
+              <a:rPr lang="en-US" dirty="0"/>
+              <a:t>support.</a:t>
+            </a:r>
+          </a:p>
+          <a:p>
+            <a:pPr marL="285750" indent="-285750">
+              <a:buFont typeface="Wingdings" panose="05000000000000000000" pitchFamily="2" charset="2"/>
+              <a:buChar char="v"/>
+            </a:pPr>
+            <a:endParaRPr lang="en-US" dirty="0" smtClean="0"/>
+          </a:p>
+          <a:p>
+            <a:pPr marL="285750" indent="-285750">
+              <a:buFont typeface="Wingdings" panose="05000000000000000000" pitchFamily="2" charset="2"/>
+              <a:buChar char="v"/>
+            </a:pPr>
+            <a:r>
+              <a:rPr lang="en-US" dirty="0" smtClean="0"/>
+              <a:t>Export </a:t>
+            </a:r>
+            <a:r>
+              <a:rPr lang="en-US" dirty="0"/>
+              <a:t>diagrams as GIF, PNG, PS, EPS, PGML and SVG</a:t>
+            </a:r>
+            <a:r>
+              <a:rPr lang="en-US" dirty="0" smtClean="0"/>
+              <a:t>.</a:t>
+            </a:r>
+          </a:p>
+          <a:p>
+            <a:pPr marL="285750" indent="-285750">
+              <a:buFont typeface="Wingdings" panose="05000000000000000000" pitchFamily="2" charset="2"/>
+              <a:buChar char="v"/>
+            </a:pPr>
+            <a:endParaRPr lang="en-US" dirty="0" smtClean="0"/>
+          </a:p>
+          <a:p>
+            <a:pPr marL="285750" indent="-285750">
+              <a:buFont typeface="Wingdings" panose="05000000000000000000" pitchFamily="2" charset="2"/>
+              <a:buChar char="v"/>
+            </a:pPr>
+            <a:r>
+              <a:rPr lang="en-US" dirty="0" smtClean="0"/>
+              <a:t>Advanced </a:t>
+            </a:r>
+            <a:r>
+              <a:rPr lang="en-US" dirty="0"/>
+              <a:t>diagram editing and zoom</a:t>
+            </a:r>
+            <a:r>
+              <a:rPr lang="en-US" dirty="0" smtClean="0"/>
+              <a:t>.</a:t>
+            </a:r>
+          </a:p>
+          <a:p>
+            <a:pPr marL="285750" indent="-285750">
+              <a:buFont typeface="Wingdings" panose="05000000000000000000" pitchFamily="2" charset="2"/>
+              <a:buChar char="v"/>
+            </a:pPr>
+            <a:endParaRPr lang="en-US" dirty="0" smtClean="0"/>
+          </a:p>
+          <a:p>
+            <a:pPr marL="285750" indent="-285750">
+              <a:buFont typeface="Wingdings" panose="05000000000000000000" pitchFamily="2" charset="2"/>
+              <a:buChar char="v"/>
+            </a:pPr>
+            <a:r>
+              <a:rPr lang="en-US" dirty="0" smtClean="0"/>
+              <a:t>OCL </a:t>
+            </a:r>
+            <a:r>
+              <a:rPr lang="en-US" dirty="0"/>
+              <a:t>support</a:t>
+            </a:r>
+            <a:r>
+              <a:rPr lang="en-US" dirty="0" smtClean="0"/>
+              <a:t>.</a:t>
+            </a:r>
+          </a:p>
+          <a:p>
+            <a:pPr marL="285750" indent="-285750">
+              <a:buFont typeface="Wingdings" panose="05000000000000000000" pitchFamily="2" charset="2"/>
+              <a:buChar char="v"/>
+            </a:pPr>
+            <a:endParaRPr lang="en-US" dirty="0" smtClean="0"/>
+          </a:p>
+          <a:p>
+            <a:pPr marL="285750" indent="-285750">
+              <a:buFont typeface="Wingdings" panose="05000000000000000000" pitchFamily="2" charset="2"/>
+              <a:buChar char="v"/>
+            </a:pPr>
+            <a:r>
+              <a:rPr lang="en-US" dirty="0" smtClean="0"/>
+              <a:t>All </a:t>
+            </a:r>
+            <a:r>
+              <a:rPr lang="en-US" dirty="0"/>
+              <a:t>9 UML 1.4 diagrams are supported.</a:t>
+            </a:r>
+          </a:p>
+          <a:p>
+            <a:pPr marL="285750" indent="-285750">
+              <a:buFont typeface="Wingdings" panose="05000000000000000000" pitchFamily="2" charset="2"/>
+              <a:buChar char="v"/>
+            </a:pPr>
+            <a:endParaRPr lang="en-US" dirty="0" smtClean="0"/>
+          </a:p>
+          <a:p>
+            <a:pPr marL="285750" indent="-285750">
+              <a:buFont typeface="Wingdings" panose="05000000000000000000" pitchFamily="2" charset="2"/>
+              <a:buChar char="v"/>
+            </a:pPr>
+            <a:r>
+              <a:rPr lang="en-US" dirty="0" smtClean="0"/>
+              <a:t>Available </a:t>
+            </a:r>
+            <a:r>
+              <a:rPr lang="en-US" dirty="0"/>
+              <a:t>in ten languages: EN, EN-GB, DE, ES, IT, RU, FR, NB, PT, ZH.</a:t>
+            </a:r>
+          </a:p>
+          <a:p>
+            <a:endParaRPr lang="en-US" dirty="0"/>
+          </a:p>
+          <a:p>
+            <a:endParaRPr lang="en-US" dirty="0"/>
+          </a:p>
+          <a:p>
+            <a:endParaRPr lang="en-US" dirty="0" smtClean="0"/>
+          </a:p>
+          <a:p>
+            <a:endParaRPr lang="en-US" dirty="0"/>
+          </a:p>
+          <a:p>
+            <a:endParaRPr lang="en-US" dirty="0"/>
+          </a:p>
+          <a:p>
+            <a:endParaRPr lang="en-US" dirty="0" smtClean="0"/>
+          </a:p>
+          <a:p>
+            <a:endParaRPr lang="en-US" dirty="0"/>
           </a:p>
           <a:p>
             <a:endParaRPr lang="en-US" dirty="0"/>
@@ -14717,7 +17655,7 @@
     </p:spTree>
     <p:extLst>
       <p:ext uri="{BB962C8B-B14F-4D97-AF65-F5344CB8AC3E}">
-        <p14:creationId xmlns:p14="http://schemas.microsoft.com/office/powerpoint/2010/main" val="2874686612"/>
+        <p14:creationId xmlns:p14="http://schemas.microsoft.com/office/powerpoint/2010/main" val="4048311508"/>
       </p:ext>
     </p:extLst>
   </p:cSld>
@@ -14735,6 +17673,832 @@
 </file>
 
 <file path=ppt/slides/slide7.xml><?xml version="1.0" encoding="utf-8"?>
+<p:sld xmlns:a="http://schemas.openxmlformats.org/drawingml/2006/main" xmlns:r="http://schemas.openxmlformats.org/officeDocument/2006/relationships" xmlns:p="http://schemas.openxmlformats.org/presentationml/2006/main">
+  <p:cSld>
+    <p:bg>
+      <p:bgPr>
+        <a:solidFill>
+          <a:schemeClr val="bg1"/>
+        </a:solidFill>
+        <a:effectLst/>
+      </p:bgPr>
+    </p:bg>
+    <p:spTree>
+      <p:nvGrpSpPr>
+        <p:cNvPr id="1" name=""/>
+        <p:cNvGrpSpPr/>
+        <p:nvPr/>
+      </p:nvGrpSpPr>
+      <p:grpSpPr>
+        <a:xfrm>
+          <a:off x="0" y="0"/>
+          <a:ext cx="0" cy="0"/>
+          <a:chOff x="0" y="0"/>
+          <a:chExt cx="0" cy="0"/>
+        </a:xfrm>
+      </p:grpSpPr>
+      <p:sp>
+        <p:nvSpPr>
+          <p:cNvPr id="4" name="Text Placeholder 19"/>
+          <p:cNvSpPr txBox="1">
+            <a:spLocks/>
+          </p:cNvSpPr>
+          <p:nvPr/>
+        </p:nvSpPr>
+        <p:spPr>
+          <a:xfrm>
+            <a:off x="1" y="-1"/>
+            <a:ext cx="8174736" cy="6858001"/>
+          </a:xfrm>
+          <a:prstGeom prst="rect">
+            <a:avLst/>
+          </a:prstGeom>
+        </p:spPr>
+        <p:style>
+          <a:lnRef idx="1">
+            <a:schemeClr val="accent3"/>
+          </a:lnRef>
+          <a:fillRef idx="2">
+            <a:schemeClr val="accent3"/>
+          </a:fillRef>
+          <a:effectRef idx="1">
+            <a:schemeClr val="accent3"/>
+          </a:effectRef>
+          <a:fontRef idx="minor">
+            <a:schemeClr val="dk1"/>
+          </a:fontRef>
+        </p:style>
+        <p:txBody>
+          <a:bodyPr/>
+          <a:lstStyle>
+            <a:lvl1pPr marL="228600" indent="-228600" algn="l" defTabSz="914400" rtl="0" eaLnBrk="1" latinLnBrk="0" hangingPunct="1">
+              <a:lnSpc>
+                <a:spcPct val="90000"/>
+              </a:lnSpc>
+              <a:spcBef>
+                <a:spcPts val="1000"/>
+              </a:spcBef>
+              <a:buFont typeface="Arial" panose="020B0604020202020204" pitchFamily="34" charset="0"/>
+              <a:buChar char="•"/>
+              <a:defRPr sz="2800" kern="1200">
+                <a:solidFill>
+                  <a:schemeClr val="dk1"/>
+                </a:solidFill>
+                <a:latin typeface="+mn-lt"/>
+                <a:ea typeface="+mn-ea"/>
+                <a:cs typeface="+mn-cs"/>
+              </a:defRPr>
+            </a:lvl1pPr>
+            <a:lvl2pPr marL="685800" indent="-228600" algn="l" defTabSz="914400" rtl="0" eaLnBrk="1" latinLnBrk="0" hangingPunct="1">
+              <a:lnSpc>
+                <a:spcPct val="90000"/>
+              </a:lnSpc>
+              <a:spcBef>
+                <a:spcPts val="500"/>
+              </a:spcBef>
+              <a:buFont typeface="Arial" panose="020B0604020202020204" pitchFamily="34" charset="0"/>
+              <a:buChar char="•"/>
+              <a:defRPr sz="2400" kern="1200">
+                <a:solidFill>
+                  <a:schemeClr val="dk1"/>
+                </a:solidFill>
+                <a:latin typeface="+mn-lt"/>
+                <a:ea typeface="+mn-ea"/>
+                <a:cs typeface="+mn-cs"/>
+              </a:defRPr>
+            </a:lvl2pPr>
+            <a:lvl3pPr marL="1143000" indent="-228600" algn="l" defTabSz="914400" rtl="0" eaLnBrk="1" latinLnBrk="0" hangingPunct="1">
+              <a:lnSpc>
+                <a:spcPct val="90000"/>
+              </a:lnSpc>
+              <a:spcBef>
+                <a:spcPts val="500"/>
+              </a:spcBef>
+              <a:buFont typeface="Arial" panose="020B0604020202020204" pitchFamily="34" charset="0"/>
+              <a:buChar char="•"/>
+              <a:defRPr sz="2000" kern="1200">
+                <a:solidFill>
+                  <a:schemeClr val="dk1"/>
+                </a:solidFill>
+                <a:latin typeface="+mn-lt"/>
+                <a:ea typeface="+mn-ea"/>
+                <a:cs typeface="+mn-cs"/>
+              </a:defRPr>
+            </a:lvl3pPr>
+            <a:lvl4pPr marL="1600200" indent="-228600" algn="l" defTabSz="914400" rtl="0" eaLnBrk="1" latinLnBrk="0" hangingPunct="1">
+              <a:lnSpc>
+                <a:spcPct val="90000"/>
+              </a:lnSpc>
+              <a:spcBef>
+                <a:spcPts val="500"/>
+              </a:spcBef>
+              <a:buFont typeface="Arial" panose="020B0604020202020204" pitchFamily="34" charset="0"/>
+              <a:buChar char="•"/>
+              <a:defRPr sz="1800" kern="1200">
+                <a:solidFill>
+                  <a:schemeClr val="dk1"/>
+                </a:solidFill>
+                <a:latin typeface="+mn-lt"/>
+                <a:ea typeface="+mn-ea"/>
+                <a:cs typeface="+mn-cs"/>
+              </a:defRPr>
+            </a:lvl4pPr>
+            <a:lvl5pPr marL="2057400" indent="-228600" algn="l" defTabSz="914400" rtl="0" eaLnBrk="1" latinLnBrk="0" hangingPunct="1">
+              <a:lnSpc>
+                <a:spcPct val="90000"/>
+              </a:lnSpc>
+              <a:spcBef>
+                <a:spcPts val="500"/>
+              </a:spcBef>
+              <a:buFont typeface="Arial" panose="020B0604020202020204" pitchFamily="34" charset="0"/>
+              <a:buChar char="•"/>
+              <a:defRPr sz="1800" kern="1200">
+                <a:solidFill>
+                  <a:schemeClr val="dk1"/>
+                </a:solidFill>
+                <a:latin typeface="+mn-lt"/>
+                <a:ea typeface="+mn-ea"/>
+                <a:cs typeface="+mn-cs"/>
+              </a:defRPr>
+            </a:lvl5pPr>
+            <a:lvl6pPr marL="2514600" indent="-228600" algn="l" defTabSz="914400" rtl="0" eaLnBrk="1" latinLnBrk="0" hangingPunct="1">
+              <a:lnSpc>
+                <a:spcPct val="90000"/>
+              </a:lnSpc>
+              <a:spcBef>
+                <a:spcPts val="500"/>
+              </a:spcBef>
+              <a:buFont typeface="Arial" panose="020B0604020202020204" pitchFamily="34" charset="0"/>
+              <a:buChar char="•"/>
+              <a:defRPr sz="1800" kern="1200">
+                <a:solidFill>
+                  <a:schemeClr val="dk1"/>
+                </a:solidFill>
+                <a:latin typeface="+mn-lt"/>
+                <a:ea typeface="+mn-ea"/>
+                <a:cs typeface="+mn-cs"/>
+              </a:defRPr>
+            </a:lvl6pPr>
+            <a:lvl7pPr marL="2971800" indent="-228600" algn="l" defTabSz="914400" rtl="0" eaLnBrk="1" latinLnBrk="0" hangingPunct="1">
+              <a:lnSpc>
+                <a:spcPct val="90000"/>
+              </a:lnSpc>
+              <a:spcBef>
+                <a:spcPts val="500"/>
+              </a:spcBef>
+              <a:buFont typeface="Arial" panose="020B0604020202020204" pitchFamily="34" charset="0"/>
+              <a:buChar char="•"/>
+              <a:defRPr sz="1800" kern="1200">
+                <a:solidFill>
+                  <a:schemeClr val="dk1"/>
+                </a:solidFill>
+                <a:latin typeface="+mn-lt"/>
+                <a:ea typeface="+mn-ea"/>
+                <a:cs typeface="+mn-cs"/>
+              </a:defRPr>
+            </a:lvl7pPr>
+            <a:lvl8pPr marL="3429000" indent="-228600" algn="l" defTabSz="914400" rtl="0" eaLnBrk="1" latinLnBrk="0" hangingPunct="1">
+              <a:lnSpc>
+                <a:spcPct val="90000"/>
+              </a:lnSpc>
+              <a:spcBef>
+                <a:spcPts val="500"/>
+              </a:spcBef>
+              <a:buFont typeface="Arial" panose="020B0604020202020204" pitchFamily="34" charset="0"/>
+              <a:buChar char="•"/>
+              <a:defRPr sz="1800" kern="1200">
+                <a:solidFill>
+                  <a:schemeClr val="dk1"/>
+                </a:solidFill>
+                <a:latin typeface="+mn-lt"/>
+                <a:ea typeface="+mn-ea"/>
+                <a:cs typeface="+mn-cs"/>
+              </a:defRPr>
+            </a:lvl8pPr>
+            <a:lvl9pPr marL="3886200" indent="-228600" algn="l" defTabSz="914400" rtl="0" eaLnBrk="1" latinLnBrk="0" hangingPunct="1">
+              <a:lnSpc>
+                <a:spcPct val="90000"/>
+              </a:lnSpc>
+              <a:spcBef>
+                <a:spcPts val="500"/>
+              </a:spcBef>
+              <a:buFont typeface="Arial" panose="020B0604020202020204" pitchFamily="34" charset="0"/>
+              <a:buChar char="•"/>
+              <a:defRPr sz="1800" kern="1200">
+                <a:solidFill>
+                  <a:schemeClr val="dk1"/>
+                </a:solidFill>
+                <a:latin typeface="+mn-lt"/>
+                <a:ea typeface="+mn-ea"/>
+                <a:cs typeface="+mn-cs"/>
+              </a:defRPr>
+            </a:lvl9pPr>
+          </a:lstStyle>
+          <a:p>
+            <a:endParaRPr lang="en-US" dirty="0" smtClean="0"/>
+          </a:p>
+          <a:p>
+            <a:endParaRPr lang="en-US" dirty="0"/>
+          </a:p>
+        </p:txBody>
+      </p:sp>
+      <p:pic>
+        <p:nvPicPr>
+          <p:cNvPr id="5" name="Picture 4"/>
+          <p:cNvPicPr>
+            <a:picLocks noChangeAspect="1"/>
+          </p:cNvPicPr>
+          <p:nvPr/>
+        </p:nvPicPr>
+        <p:blipFill>
+          <a:blip r:embed="rId2">
+            <a:extLst>
+              <a:ext uri="{28A0092B-C50C-407E-A947-70E740481C1C}">
+                <a14:useLocalDpi xmlns:a14="http://schemas.microsoft.com/office/drawing/2010/main" val="0"/>
+              </a:ext>
+            </a:extLst>
+          </a:blip>
+          <a:stretch>
+            <a:fillRect/>
+          </a:stretch>
+        </p:blipFill>
+        <p:spPr>
+          <a:xfrm>
+            <a:off x="8280316" y="1716258"/>
+            <a:ext cx="3812346" cy="4079631"/>
+          </a:xfrm>
+          <a:prstGeom prst="rect">
+            <a:avLst/>
+          </a:prstGeom>
+        </p:spPr>
+      </p:pic>
+      <p:sp>
+        <p:nvSpPr>
+          <p:cNvPr id="6" name="TextBox 5"/>
+          <p:cNvSpPr txBox="1"/>
+          <p:nvPr/>
+        </p:nvSpPr>
+        <p:spPr>
+          <a:xfrm>
+            <a:off x="1" y="450167"/>
+            <a:ext cx="8174736" cy="4247317"/>
+          </a:xfrm>
+          <a:prstGeom prst="rect">
+            <a:avLst/>
+          </a:prstGeom>
+          <a:noFill/>
+        </p:spPr>
+        <p:txBody>
+          <a:bodyPr wrap="square" rtlCol="0">
+            <a:spAutoFit/>
+          </a:bodyPr>
+          <a:lstStyle/>
+          <a:p>
+            <a:pPr marL="342900" indent="-342900">
+              <a:buFont typeface="Wingdings" panose="05000000000000000000" pitchFamily="2" charset="2"/>
+              <a:buChar char="v"/>
+            </a:pPr>
+            <a:r>
+              <a:rPr lang="en-US" dirty="0" smtClean="0"/>
+              <a:t>No </a:t>
+            </a:r>
+            <a:r>
+              <a:rPr lang="en-US" dirty="0"/>
+              <a:t>undo </a:t>
+            </a:r>
+            <a:r>
+              <a:rPr lang="en-US" dirty="0" smtClean="0"/>
+              <a:t>feature</a:t>
+            </a:r>
+          </a:p>
+          <a:p>
+            <a:pPr marL="342900" indent="-342900">
+              <a:buFont typeface="Wingdings" panose="05000000000000000000" pitchFamily="2" charset="2"/>
+              <a:buChar char="v"/>
+            </a:pPr>
+            <a:endParaRPr lang="en-US" dirty="0" smtClean="0"/>
+          </a:p>
+          <a:p>
+            <a:pPr marL="342900" indent="-342900">
+              <a:buFont typeface="Wingdings" panose="05000000000000000000" pitchFamily="2" charset="2"/>
+              <a:buChar char="v"/>
+            </a:pPr>
+            <a:r>
+              <a:rPr lang="en-US" dirty="0" err="1" smtClean="0"/>
+              <a:t>ArgoUML</a:t>
+            </a:r>
+            <a:r>
+              <a:rPr lang="en-US" dirty="0" smtClean="0"/>
+              <a:t> </a:t>
+            </a:r>
+            <a:r>
+              <a:rPr lang="en-US" dirty="0"/>
+              <a:t>does not yet completely implement the UML standard</a:t>
+            </a:r>
+            <a:r>
+              <a:rPr lang="en-US" dirty="0" smtClean="0"/>
+              <a:t>.</a:t>
+            </a:r>
+          </a:p>
+          <a:p>
+            <a:pPr marL="342900" indent="-342900">
+              <a:buFont typeface="Wingdings" panose="05000000000000000000" pitchFamily="2" charset="2"/>
+              <a:buChar char="v"/>
+            </a:pPr>
+            <a:endParaRPr lang="en-US" dirty="0" smtClean="0"/>
+          </a:p>
+          <a:p>
+            <a:pPr marL="342900" indent="-342900">
+              <a:buFont typeface="Wingdings" panose="05000000000000000000" pitchFamily="2" charset="2"/>
+              <a:buChar char="v"/>
+            </a:pPr>
+            <a:r>
+              <a:rPr lang="en-US" dirty="0" smtClean="0"/>
+              <a:t>Reverse </a:t>
+            </a:r>
+            <a:r>
+              <a:rPr lang="en-US" dirty="0"/>
+              <a:t>engineering does not  provide  all </a:t>
+            </a:r>
+            <a:r>
+              <a:rPr lang="en-US" dirty="0" smtClean="0"/>
+              <a:t>code</a:t>
+            </a:r>
+          </a:p>
+          <a:p>
+            <a:pPr marL="342900" indent="-342900">
+              <a:buFont typeface="Wingdings" panose="05000000000000000000" pitchFamily="2" charset="2"/>
+              <a:buChar char="v"/>
+            </a:pPr>
+            <a:endParaRPr lang="en-US" dirty="0"/>
+          </a:p>
+          <a:p>
+            <a:pPr marL="342900" indent="-342900">
+              <a:buFont typeface="Wingdings" panose="05000000000000000000" pitchFamily="2" charset="2"/>
+              <a:buChar char="v"/>
+            </a:pPr>
+            <a:r>
+              <a:rPr lang="en-US" dirty="0" smtClean="0"/>
+              <a:t>data </a:t>
+            </a:r>
+            <a:r>
+              <a:rPr lang="en-US" dirty="0"/>
+              <a:t>types and return value have less option and not customized only support </a:t>
+            </a:r>
+            <a:r>
+              <a:rPr lang="en-US" dirty="0" err="1" smtClean="0"/>
+              <a:t>int,bool,string</a:t>
+            </a:r>
+            <a:endParaRPr lang="en-US" dirty="0" smtClean="0"/>
+          </a:p>
+          <a:p>
+            <a:pPr marL="342900" indent="-342900">
+              <a:buFont typeface="Wingdings" panose="05000000000000000000" pitchFamily="2" charset="2"/>
+              <a:buChar char="v"/>
+            </a:pPr>
+            <a:endParaRPr lang="en-US" dirty="0" smtClean="0"/>
+          </a:p>
+          <a:p>
+            <a:pPr marL="342900" indent="-342900">
+              <a:buFont typeface="Wingdings" panose="05000000000000000000" pitchFamily="2" charset="2"/>
+              <a:buChar char="v"/>
+            </a:pPr>
+            <a:r>
+              <a:rPr lang="en-US" dirty="0" smtClean="0"/>
+              <a:t>no </a:t>
+            </a:r>
+            <a:r>
+              <a:rPr lang="en-US" dirty="0"/>
+              <a:t>navigation with keyboard such as Tab</a:t>
+            </a:r>
+          </a:p>
+          <a:p>
+            <a:endParaRPr lang="en-US" dirty="0"/>
+          </a:p>
+          <a:p>
+            <a:endParaRPr lang="en-US" dirty="0"/>
+          </a:p>
+          <a:p>
+            <a:endParaRPr lang="en-US" dirty="0"/>
+          </a:p>
+          <a:p>
+            <a:r>
+              <a:rPr lang="en-US" dirty="0" smtClean="0"/>
+              <a:t> </a:t>
+            </a:r>
+            <a:endParaRPr lang="en-US" dirty="0"/>
+          </a:p>
+          <a:p>
+            <a:endParaRPr lang="en-US" dirty="0"/>
+          </a:p>
+        </p:txBody>
+      </p:sp>
+    </p:spTree>
+    <p:extLst>
+      <p:ext uri="{BB962C8B-B14F-4D97-AF65-F5344CB8AC3E}">
+        <p14:creationId xmlns:p14="http://schemas.microsoft.com/office/powerpoint/2010/main" val="2643557229"/>
+      </p:ext>
+    </p:extLst>
+  </p:cSld>
+  <p:clrMapOvr>
+    <a:masterClrMapping/>
+  </p:clrMapOvr>
+  <p:timing>
+    <p:tnLst>
+      <p:par>
+        <p:cTn id="1" dur="indefinite" restart="never" nodeType="tmRoot"/>
+      </p:par>
+    </p:tnLst>
+  </p:timing>
+</p:sld>
+</file>
+
+<file path=ppt/slides/slide8.xml><?xml version="1.0" encoding="utf-8"?>
+<p:sld xmlns:a="http://schemas.openxmlformats.org/drawingml/2006/main" xmlns:r="http://schemas.openxmlformats.org/officeDocument/2006/relationships" xmlns:p="http://schemas.openxmlformats.org/presentationml/2006/main">
+  <p:cSld>
+    <p:bg>
+      <p:bgPr>
+        <a:solidFill>
+          <a:schemeClr val="bg1"/>
+        </a:solidFill>
+        <a:effectLst/>
+      </p:bgPr>
+    </p:bg>
+    <p:spTree>
+      <p:nvGrpSpPr>
+        <p:cNvPr id="1" name=""/>
+        <p:cNvGrpSpPr/>
+        <p:nvPr/>
+      </p:nvGrpSpPr>
+      <p:grpSpPr>
+        <a:xfrm>
+          <a:off x="0" y="0"/>
+          <a:ext cx="0" cy="0"/>
+          <a:chOff x="0" y="0"/>
+          <a:chExt cx="0" cy="0"/>
+        </a:xfrm>
+      </p:grpSpPr>
+      <p:sp>
+        <p:nvSpPr>
+          <p:cNvPr id="4" name="Text Placeholder 19"/>
+          <p:cNvSpPr txBox="1">
+            <a:spLocks/>
+          </p:cNvSpPr>
+          <p:nvPr/>
+        </p:nvSpPr>
+        <p:spPr>
+          <a:xfrm>
+            <a:off x="1" y="-1"/>
+            <a:ext cx="8174736" cy="6858001"/>
+          </a:xfrm>
+          <a:prstGeom prst="rect">
+            <a:avLst/>
+          </a:prstGeom>
+        </p:spPr>
+        <p:style>
+          <a:lnRef idx="1">
+            <a:schemeClr val="accent3"/>
+          </a:lnRef>
+          <a:fillRef idx="2">
+            <a:schemeClr val="accent3"/>
+          </a:fillRef>
+          <a:effectRef idx="1">
+            <a:schemeClr val="accent3"/>
+          </a:effectRef>
+          <a:fontRef idx="minor">
+            <a:schemeClr val="dk1"/>
+          </a:fontRef>
+        </p:style>
+        <p:txBody>
+          <a:bodyPr/>
+          <a:lstStyle>
+            <a:lvl1pPr marL="228600" indent="-228600" algn="l" defTabSz="914400" rtl="0" eaLnBrk="1" latinLnBrk="0" hangingPunct="1">
+              <a:lnSpc>
+                <a:spcPct val="90000"/>
+              </a:lnSpc>
+              <a:spcBef>
+                <a:spcPts val="1000"/>
+              </a:spcBef>
+              <a:buFont typeface="Arial" panose="020B0604020202020204" pitchFamily="34" charset="0"/>
+              <a:buChar char="•"/>
+              <a:defRPr sz="2800" kern="1200">
+                <a:solidFill>
+                  <a:schemeClr val="dk1"/>
+                </a:solidFill>
+                <a:latin typeface="+mn-lt"/>
+                <a:ea typeface="+mn-ea"/>
+                <a:cs typeface="+mn-cs"/>
+              </a:defRPr>
+            </a:lvl1pPr>
+            <a:lvl2pPr marL="685800" indent="-228600" algn="l" defTabSz="914400" rtl="0" eaLnBrk="1" latinLnBrk="0" hangingPunct="1">
+              <a:lnSpc>
+                <a:spcPct val="90000"/>
+              </a:lnSpc>
+              <a:spcBef>
+                <a:spcPts val="500"/>
+              </a:spcBef>
+              <a:buFont typeface="Arial" panose="020B0604020202020204" pitchFamily="34" charset="0"/>
+              <a:buChar char="•"/>
+              <a:defRPr sz="2400" kern="1200">
+                <a:solidFill>
+                  <a:schemeClr val="dk1"/>
+                </a:solidFill>
+                <a:latin typeface="+mn-lt"/>
+                <a:ea typeface="+mn-ea"/>
+                <a:cs typeface="+mn-cs"/>
+              </a:defRPr>
+            </a:lvl2pPr>
+            <a:lvl3pPr marL="1143000" indent="-228600" algn="l" defTabSz="914400" rtl="0" eaLnBrk="1" latinLnBrk="0" hangingPunct="1">
+              <a:lnSpc>
+                <a:spcPct val="90000"/>
+              </a:lnSpc>
+              <a:spcBef>
+                <a:spcPts val="500"/>
+              </a:spcBef>
+              <a:buFont typeface="Arial" panose="020B0604020202020204" pitchFamily="34" charset="0"/>
+              <a:buChar char="•"/>
+              <a:defRPr sz="2000" kern="1200">
+                <a:solidFill>
+                  <a:schemeClr val="dk1"/>
+                </a:solidFill>
+                <a:latin typeface="+mn-lt"/>
+                <a:ea typeface="+mn-ea"/>
+                <a:cs typeface="+mn-cs"/>
+              </a:defRPr>
+            </a:lvl3pPr>
+            <a:lvl4pPr marL="1600200" indent="-228600" algn="l" defTabSz="914400" rtl="0" eaLnBrk="1" latinLnBrk="0" hangingPunct="1">
+              <a:lnSpc>
+                <a:spcPct val="90000"/>
+              </a:lnSpc>
+              <a:spcBef>
+                <a:spcPts val="500"/>
+              </a:spcBef>
+              <a:buFont typeface="Arial" panose="020B0604020202020204" pitchFamily="34" charset="0"/>
+              <a:buChar char="•"/>
+              <a:defRPr sz="1800" kern="1200">
+                <a:solidFill>
+                  <a:schemeClr val="dk1"/>
+                </a:solidFill>
+                <a:latin typeface="+mn-lt"/>
+                <a:ea typeface="+mn-ea"/>
+                <a:cs typeface="+mn-cs"/>
+              </a:defRPr>
+            </a:lvl4pPr>
+            <a:lvl5pPr marL="2057400" indent="-228600" algn="l" defTabSz="914400" rtl="0" eaLnBrk="1" latinLnBrk="0" hangingPunct="1">
+              <a:lnSpc>
+                <a:spcPct val="90000"/>
+              </a:lnSpc>
+              <a:spcBef>
+                <a:spcPts val="500"/>
+              </a:spcBef>
+              <a:buFont typeface="Arial" panose="020B0604020202020204" pitchFamily="34" charset="0"/>
+              <a:buChar char="•"/>
+              <a:defRPr sz="1800" kern="1200">
+                <a:solidFill>
+                  <a:schemeClr val="dk1"/>
+                </a:solidFill>
+                <a:latin typeface="+mn-lt"/>
+                <a:ea typeface="+mn-ea"/>
+                <a:cs typeface="+mn-cs"/>
+              </a:defRPr>
+            </a:lvl5pPr>
+            <a:lvl6pPr marL="2514600" indent="-228600" algn="l" defTabSz="914400" rtl="0" eaLnBrk="1" latinLnBrk="0" hangingPunct="1">
+              <a:lnSpc>
+                <a:spcPct val="90000"/>
+              </a:lnSpc>
+              <a:spcBef>
+                <a:spcPts val="500"/>
+              </a:spcBef>
+              <a:buFont typeface="Arial" panose="020B0604020202020204" pitchFamily="34" charset="0"/>
+              <a:buChar char="•"/>
+              <a:defRPr sz="1800" kern="1200">
+                <a:solidFill>
+                  <a:schemeClr val="dk1"/>
+                </a:solidFill>
+                <a:latin typeface="+mn-lt"/>
+                <a:ea typeface="+mn-ea"/>
+                <a:cs typeface="+mn-cs"/>
+              </a:defRPr>
+            </a:lvl6pPr>
+            <a:lvl7pPr marL="2971800" indent="-228600" algn="l" defTabSz="914400" rtl="0" eaLnBrk="1" latinLnBrk="0" hangingPunct="1">
+              <a:lnSpc>
+                <a:spcPct val="90000"/>
+              </a:lnSpc>
+              <a:spcBef>
+                <a:spcPts val="500"/>
+              </a:spcBef>
+              <a:buFont typeface="Arial" panose="020B0604020202020204" pitchFamily="34" charset="0"/>
+              <a:buChar char="•"/>
+              <a:defRPr sz="1800" kern="1200">
+                <a:solidFill>
+                  <a:schemeClr val="dk1"/>
+                </a:solidFill>
+                <a:latin typeface="+mn-lt"/>
+                <a:ea typeface="+mn-ea"/>
+                <a:cs typeface="+mn-cs"/>
+              </a:defRPr>
+            </a:lvl7pPr>
+            <a:lvl8pPr marL="3429000" indent="-228600" algn="l" defTabSz="914400" rtl="0" eaLnBrk="1" latinLnBrk="0" hangingPunct="1">
+              <a:lnSpc>
+                <a:spcPct val="90000"/>
+              </a:lnSpc>
+              <a:spcBef>
+                <a:spcPts val="500"/>
+              </a:spcBef>
+              <a:buFont typeface="Arial" panose="020B0604020202020204" pitchFamily="34" charset="0"/>
+              <a:buChar char="•"/>
+              <a:defRPr sz="1800" kern="1200">
+                <a:solidFill>
+                  <a:schemeClr val="dk1"/>
+                </a:solidFill>
+                <a:latin typeface="+mn-lt"/>
+                <a:ea typeface="+mn-ea"/>
+                <a:cs typeface="+mn-cs"/>
+              </a:defRPr>
+            </a:lvl8pPr>
+            <a:lvl9pPr marL="3886200" indent="-228600" algn="l" defTabSz="914400" rtl="0" eaLnBrk="1" latinLnBrk="0" hangingPunct="1">
+              <a:lnSpc>
+                <a:spcPct val="90000"/>
+              </a:lnSpc>
+              <a:spcBef>
+                <a:spcPts val="500"/>
+              </a:spcBef>
+              <a:buFont typeface="Arial" panose="020B0604020202020204" pitchFamily="34" charset="0"/>
+              <a:buChar char="•"/>
+              <a:defRPr sz="1800" kern="1200">
+                <a:solidFill>
+                  <a:schemeClr val="dk1"/>
+                </a:solidFill>
+                <a:latin typeface="+mn-lt"/>
+                <a:ea typeface="+mn-ea"/>
+                <a:cs typeface="+mn-cs"/>
+              </a:defRPr>
+            </a:lvl9pPr>
+          </a:lstStyle>
+          <a:p>
+            <a:endParaRPr lang="en-US" dirty="0" smtClean="0"/>
+          </a:p>
+          <a:p>
+            <a:endParaRPr lang="en-US" dirty="0"/>
+          </a:p>
+        </p:txBody>
+      </p:sp>
+      <p:sp>
+        <p:nvSpPr>
+          <p:cNvPr id="5" name="TextBox 4"/>
+          <p:cNvSpPr txBox="1"/>
+          <p:nvPr/>
+        </p:nvSpPr>
+        <p:spPr>
+          <a:xfrm>
+            <a:off x="8357617" y="3249638"/>
+            <a:ext cx="3703258" cy="861774"/>
+          </a:xfrm>
+          <a:prstGeom prst="rect">
+            <a:avLst/>
+          </a:prstGeom>
+          <a:noFill/>
+        </p:spPr>
+        <p:txBody>
+          <a:bodyPr wrap="none" rtlCol="0">
+            <a:spAutoFit/>
+          </a:bodyPr>
+          <a:lstStyle/>
+          <a:p>
+            <a:pPr lvl="0"/>
+            <a:r>
+              <a:rPr lang="en-US" sz="3200" b="1" dirty="0">
+                <a:solidFill>
+                  <a:prstClr val="black"/>
+                </a:solidFill>
+              </a:rPr>
+              <a:t>Component Diagram</a:t>
+            </a:r>
+          </a:p>
+          <a:p>
+            <a:endParaRPr lang="en-US" dirty="0"/>
+          </a:p>
+        </p:txBody>
+      </p:sp>
+      <p:sp>
+        <p:nvSpPr>
+          <p:cNvPr id="6" name="TextBox 5"/>
+          <p:cNvSpPr txBox="1"/>
+          <p:nvPr/>
+        </p:nvSpPr>
+        <p:spPr>
+          <a:xfrm>
+            <a:off x="1" y="987480"/>
+            <a:ext cx="8174736" cy="4524315"/>
+          </a:xfrm>
+          <a:prstGeom prst="rect">
+            <a:avLst/>
+          </a:prstGeom>
+          <a:noFill/>
+        </p:spPr>
+        <p:txBody>
+          <a:bodyPr wrap="square" rtlCol="0">
+            <a:spAutoFit/>
+          </a:bodyPr>
+          <a:lstStyle/>
+          <a:p>
+            <a:pPr marL="285750" indent="-285750">
+              <a:buFont typeface="Wingdings" panose="05000000000000000000" pitchFamily="2" charset="2"/>
+              <a:buChar char="v"/>
+            </a:pPr>
+            <a:r>
+              <a:rPr lang="en-US" dirty="0" smtClean="0"/>
+              <a:t>A </a:t>
+            </a:r>
+            <a:r>
+              <a:rPr lang="en-US" dirty="0"/>
+              <a:t>component diagram describes the organization and wiring of the physical components in a system</a:t>
+            </a:r>
+            <a:r>
+              <a:rPr lang="en-US" dirty="0" smtClean="0"/>
+              <a:t>.</a:t>
+            </a:r>
+          </a:p>
+          <a:p>
+            <a:pPr marL="285750" indent="-285750">
+              <a:buFont typeface="Wingdings" panose="05000000000000000000" pitchFamily="2" charset="2"/>
+              <a:buChar char="v"/>
+            </a:pPr>
+            <a:endParaRPr lang="en-US" dirty="0"/>
+          </a:p>
+          <a:p>
+            <a:pPr marL="285750" indent="-285750">
+              <a:buFont typeface="Wingdings" panose="05000000000000000000" pitchFamily="2" charset="2"/>
+              <a:buChar char="v"/>
+            </a:pPr>
+            <a:r>
+              <a:rPr lang="en-US" dirty="0"/>
+              <a:t>Component diagrams are often drawn to help model implementation details and double-check that every aspect of the system's required functions is covered by planned development</a:t>
+            </a:r>
+          </a:p>
+          <a:p>
+            <a:pPr marL="285750" indent="-285750">
+              <a:buFont typeface="Wingdings" panose="05000000000000000000" pitchFamily="2" charset="2"/>
+              <a:buChar char="v"/>
+            </a:pPr>
+            <a:endParaRPr lang="en-US" dirty="0"/>
+          </a:p>
+          <a:p>
+            <a:pPr marL="285750" indent="-285750">
+              <a:buFont typeface="Wingdings" panose="05000000000000000000" pitchFamily="2" charset="2"/>
+              <a:buChar char="v"/>
+            </a:pPr>
+            <a:r>
+              <a:rPr lang="en-US" dirty="0"/>
+              <a:t>In the first version of UML, components included in these diagrams were physical: documents, database table, files, and executables, all physical elements with a location. </a:t>
+            </a:r>
+          </a:p>
+          <a:p>
+            <a:pPr marL="285750" indent="-285750">
+              <a:buFont typeface="Wingdings" panose="05000000000000000000" pitchFamily="2" charset="2"/>
+              <a:buChar char="v"/>
+            </a:pPr>
+            <a:endParaRPr lang="en-US" dirty="0"/>
+          </a:p>
+          <a:p>
+            <a:pPr marL="285750" indent="-285750">
+              <a:buFont typeface="Wingdings" panose="05000000000000000000" pitchFamily="2" charset="2"/>
+              <a:buChar char="v"/>
+            </a:pPr>
+            <a:r>
+              <a:rPr lang="en-US" dirty="0"/>
+              <a:t>In the world of UML 2, these components are less physical and more conceptual stand-alone design elements such as a business process that provides or requires interfaces to interact with other constructs in the system</a:t>
+            </a:r>
+          </a:p>
+          <a:p>
+            <a:endParaRPr lang="en-US" dirty="0"/>
+          </a:p>
+          <a:p>
+            <a:endParaRPr lang="en-US" dirty="0"/>
+          </a:p>
+        </p:txBody>
+      </p:sp>
+    </p:spTree>
+    <p:extLst>
+      <p:ext uri="{BB962C8B-B14F-4D97-AF65-F5344CB8AC3E}">
+        <p14:creationId xmlns:p14="http://schemas.microsoft.com/office/powerpoint/2010/main" val="416842319"/>
+      </p:ext>
+    </p:extLst>
+  </p:cSld>
+  <p:clrMapOvr>
+    <a:masterClrMapping/>
+  </p:clrMapOvr>
+  <p:timing>
+    <p:tnLst>
+      <p:par>
+        <p:cTn id="1" dur="indefinite" restart="never" nodeType="tmRoot"/>
+      </p:par>
+    </p:tnLst>
+  </p:timing>
+</p:sld>
+</file>
+
+<file path=ppt/slides/slide9.xml><?xml version="1.0" encoding="utf-8"?>
 <p:sld xmlns:a="http://schemas.openxmlformats.org/drawingml/2006/main" xmlns:r="http://schemas.openxmlformats.org/officeDocument/2006/relationships" xmlns:p="http://schemas.openxmlformats.org/presentationml/2006/main">
   <p:cSld>
     <p:spTree>
@@ -14791,458 +18555,13 @@
   <p:clrMapOvr>
     <a:masterClrMapping/>
   </p:clrMapOvr>
-</p:sld>
-</file>
-
-<file path=ppt/slides/slide8.xml><?xml version="1.0" encoding="utf-8"?>
-<p:sld xmlns:a="http://schemas.openxmlformats.org/drawingml/2006/main" xmlns:r="http://schemas.openxmlformats.org/officeDocument/2006/relationships" xmlns:p="http://schemas.openxmlformats.org/presentationml/2006/main">
-  <p:cSld>
-    <p:spTree>
-      <p:nvGrpSpPr>
-        <p:cNvPr id="1" name=""/>
-        <p:cNvGrpSpPr/>
-        <p:nvPr/>
-      </p:nvGrpSpPr>
-      <p:grpSpPr>
-        <a:xfrm>
-          <a:off x="0" y="0"/>
-          <a:ext cx="0" cy="0"/>
-          <a:chOff x="0" y="0"/>
-          <a:chExt cx="0" cy="0"/>
-        </a:xfrm>
-      </p:grpSpPr>
-      <p:sp>
-        <p:nvSpPr>
-          <p:cNvPr id="4" name="TextBox 3"/>
-          <p:cNvSpPr txBox="1"/>
-          <p:nvPr/>
-        </p:nvSpPr>
-        <p:spPr>
-          <a:xfrm>
-            <a:off x="3709116" y="296215"/>
-            <a:ext cx="4344459" cy="923330"/>
-          </a:xfrm>
-          <a:prstGeom prst="rect">
-            <a:avLst/>
-          </a:prstGeom>
-          <a:noFill/>
-        </p:spPr>
-        <p:txBody>
-          <a:bodyPr wrap="none" rtlCol="0">
-            <a:spAutoFit/>
-          </a:bodyPr>
-          <a:lstStyle/>
-          <a:p>
-            <a:r>
-              <a:rPr lang="en-US" sz="3600" b="1" dirty="0" smtClean="0"/>
-              <a:t>Component Diagram</a:t>
-            </a:r>
-          </a:p>
-          <a:p>
-            <a:endParaRPr lang="en-US" dirty="0"/>
-          </a:p>
-        </p:txBody>
-      </p:sp>
-      <p:sp>
-        <p:nvSpPr>
-          <p:cNvPr id="5" name="TextBox 4"/>
-          <p:cNvSpPr txBox="1"/>
-          <p:nvPr/>
-        </p:nvSpPr>
-        <p:spPr>
-          <a:xfrm>
-            <a:off x="0" y="1459606"/>
-            <a:ext cx="12192000" cy="2862322"/>
-          </a:xfrm>
-          <a:prstGeom prst="rect">
-            <a:avLst/>
-          </a:prstGeom>
-          <a:noFill/>
-        </p:spPr>
-        <p:txBody>
-          <a:bodyPr wrap="square" rtlCol="0">
-            <a:spAutoFit/>
-          </a:bodyPr>
-          <a:lstStyle/>
-          <a:p>
-            <a:r>
-              <a:rPr lang="en-US" dirty="0" smtClean="0"/>
-              <a:t>-    A component diagram describes the organization and wiring of the physical components in a system.</a:t>
-            </a:r>
-          </a:p>
-          <a:p>
-            <a:endParaRPr lang="en-US" dirty="0" smtClean="0"/>
-          </a:p>
-          <a:p>
-            <a:pPr marL="285750" indent="-285750">
-              <a:buFontTx/>
-              <a:buChar char="-"/>
-            </a:pPr>
-            <a:r>
-              <a:rPr lang="en-US" dirty="0" smtClean="0"/>
-              <a:t>Component diagrams are often drawn to help model implementation details and double-check that every aspect of the system's required functions is covered by planned development</a:t>
-            </a:r>
-          </a:p>
-          <a:p>
-            <a:pPr marL="285750" indent="-285750">
-              <a:buFontTx/>
-              <a:buChar char="-"/>
-            </a:pPr>
-            <a:endParaRPr lang="en-US" dirty="0"/>
-          </a:p>
-          <a:p>
-            <a:pPr marL="285750" indent="-285750">
-              <a:buFontTx/>
-              <a:buChar char="-"/>
-            </a:pPr>
-            <a:r>
-              <a:rPr lang="en-US" dirty="0" smtClean="0"/>
-              <a:t>In the first version of UML, components included in these diagrams were physical: documents, database table, files, and executables, all physical elements with a location. </a:t>
-            </a:r>
-          </a:p>
-          <a:p>
-            <a:pPr marL="285750" indent="-285750">
-              <a:buFontTx/>
-              <a:buChar char="-"/>
-            </a:pPr>
-            <a:endParaRPr lang="en-US" dirty="0"/>
-          </a:p>
-          <a:p>
-            <a:pPr marL="285750" indent="-285750">
-              <a:buFontTx/>
-              <a:buChar char="-"/>
-            </a:pPr>
-            <a:r>
-              <a:rPr lang="en-US" dirty="0" smtClean="0"/>
-              <a:t>In the world of UML 2, these components are less physical and more conceptual stand-alone design elements such as a business process that provides or requires interfaces to interact with other constructs in the system</a:t>
-            </a:r>
-            <a:endParaRPr lang="en-US" dirty="0"/>
-          </a:p>
-        </p:txBody>
-      </p:sp>
-    </p:spTree>
-    <p:extLst>
-      <p:ext uri="{BB962C8B-B14F-4D97-AF65-F5344CB8AC3E}">
-        <p14:creationId xmlns:p14="http://schemas.microsoft.com/office/powerpoint/2010/main" val="3220222200"/>
-      </p:ext>
-    </p:extLst>
-  </p:cSld>
-  <p:clrMapOvr>
-    <a:masterClrMapping/>
-  </p:clrMapOvr>
-</p:sld>
-</file>
-
-<file path=ppt/slides/slide9.xml><?xml version="1.0" encoding="utf-8"?>
-<p:sld xmlns:a="http://schemas.openxmlformats.org/drawingml/2006/main" xmlns:r="http://schemas.openxmlformats.org/officeDocument/2006/relationships" xmlns:p="http://schemas.openxmlformats.org/presentationml/2006/main">
-  <p:cSld>
-    <p:spTree>
-      <p:nvGrpSpPr>
-        <p:cNvPr id="1" name=""/>
-        <p:cNvGrpSpPr/>
-        <p:nvPr/>
-      </p:nvGrpSpPr>
-      <p:grpSpPr>
-        <a:xfrm>
-          <a:off x="0" y="0"/>
-          <a:ext cx="0" cy="0"/>
-          <a:chOff x="0" y="0"/>
-          <a:chExt cx="0" cy="0"/>
-        </a:xfrm>
-      </p:grpSpPr>
-      <p:sp>
-        <p:nvSpPr>
-          <p:cNvPr id="4" name="TextBox 3"/>
-          <p:cNvSpPr txBox="1"/>
-          <p:nvPr/>
-        </p:nvSpPr>
-        <p:spPr>
-          <a:xfrm>
-            <a:off x="154547" y="566671"/>
-            <a:ext cx="9082484" cy="923330"/>
-          </a:xfrm>
-          <a:prstGeom prst="rect">
-            <a:avLst/>
-          </a:prstGeom>
-          <a:noFill/>
-        </p:spPr>
-        <p:txBody>
-          <a:bodyPr wrap="square" rtlCol="0">
-            <a:spAutoFit/>
-          </a:bodyPr>
-          <a:lstStyle/>
-          <a:p>
-            <a:r>
-              <a:rPr lang="en-US" b="1" dirty="0" smtClean="0"/>
-              <a:t>Component</a:t>
-            </a:r>
-          </a:p>
-          <a:p>
-            <a:r>
-              <a:rPr lang="en-US" dirty="0" smtClean="0"/>
-              <a:t>A component is a logical unit block of the system, a slightly higher abstraction than classes.</a:t>
-            </a:r>
-            <a:endParaRPr lang="en-US" b="1" dirty="0" smtClean="0"/>
-          </a:p>
-          <a:p>
-            <a:endParaRPr lang="en-US" dirty="0"/>
-          </a:p>
-        </p:txBody>
-      </p:sp>
-      <p:pic>
-        <p:nvPicPr>
-          <p:cNvPr id="5" name="Picture 4"/>
-          <p:cNvPicPr>
-            <a:picLocks noChangeAspect="1"/>
-          </p:cNvPicPr>
-          <p:nvPr/>
-        </p:nvPicPr>
-        <p:blipFill>
-          <a:blip r:embed="rId2">
-            <a:extLst>
-              <a:ext uri="{28A0092B-C50C-407E-A947-70E740481C1C}">
-                <a14:useLocalDpi xmlns:a14="http://schemas.microsoft.com/office/drawing/2010/main" val="0"/>
-              </a:ext>
-            </a:extLst>
-          </a:blip>
-          <a:stretch>
-            <a:fillRect/>
-          </a:stretch>
-        </p:blipFill>
-        <p:spPr>
-          <a:xfrm>
-            <a:off x="9231804" y="515155"/>
-            <a:ext cx="2486025" cy="838200"/>
-          </a:xfrm>
-          <a:prstGeom prst="rect">
-            <a:avLst/>
-          </a:prstGeom>
-        </p:spPr>
-      </p:pic>
-      <p:sp>
-        <p:nvSpPr>
-          <p:cNvPr id="6" name="TextBox 5"/>
-          <p:cNvSpPr txBox="1"/>
-          <p:nvPr/>
-        </p:nvSpPr>
-        <p:spPr>
-          <a:xfrm>
-            <a:off x="154547" y="1996226"/>
-            <a:ext cx="8240846" cy="646331"/>
-          </a:xfrm>
-          <a:prstGeom prst="rect">
-            <a:avLst/>
-          </a:prstGeom>
-          <a:noFill/>
-        </p:spPr>
-        <p:txBody>
-          <a:bodyPr wrap="none" rtlCol="0">
-            <a:spAutoFit/>
-          </a:bodyPr>
-          <a:lstStyle/>
-          <a:p>
-            <a:r>
-              <a:rPr lang="en-US" dirty="0" smtClean="0"/>
-              <a:t> </a:t>
-            </a:r>
-            <a:r>
-              <a:rPr lang="en-US" b="1" dirty="0" smtClean="0"/>
-              <a:t>interface </a:t>
-            </a:r>
-          </a:p>
-          <a:p>
-            <a:r>
-              <a:rPr lang="en-US" dirty="0" smtClean="0"/>
-              <a:t> describes a group of operations used (required) or created (provided) by components</a:t>
-            </a:r>
-            <a:endParaRPr lang="en-US" dirty="0"/>
-          </a:p>
-        </p:txBody>
-      </p:sp>
-      <p:pic>
-        <p:nvPicPr>
-          <p:cNvPr id="7" name="Picture 6"/>
-          <p:cNvPicPr>
-            <a:picLocks noChangeAspect="1"/>
-          </p:cNvPicPr>
-          <p:nvPr/>
-        </p:nvPicPr>
-        <p:blipFill>
-          <a:blip r:embed="rId3">
-            <a:extLst>
-              <a:ext uri="{28A0092B-C50C-407E-A947-70E740481C1C}">
-                <a14:useLocalDpi xmlns:a14="http://schemas.microsoft.com/office/drawing/2010/main" val="0"/>
-              </a:ext>
-            </a:extLst>
-          </a:blip>
-          <a:stretch>
-            <a:fillRect/>
-          </a:stretch>
-        </p:blipFill>
-        <p:spPr>
-          <a:xfrm>
-            <a:off x="8395393" y="1906074"/>
-            <a:ext cx="3646353" cy="1067667"/>
-          </a:xfrm>
-          <a:prstGeom prst="rect">
-            <a:avLst/>
-          </a:prstGeom>
-        </p:spPr>
-      </p:pic>
-      <p:sp>
-        <p:nvSpPr>
-          <p:cNvPr id="8" name="TextBox 7"/>
-          <p:cNvSpPr txBox="1"/>
-          <p:nvPr/>
-        </p:nvSpPr>
-        <p:spPr>
-          <a:xfrm>
-            <a:off x="154547" y="3148782"/>
-            <a:ext cx="11902554" cy="1200329"/>
-          </a:xfrm>
-          <a:prstGeom prst="rect">
-            <a:avLst/>
-          </a:prstGeom>
-          <a:noFill/>
-        </p:spPr>
-        <p:txBody>
-          <a:bodyPr wrap="none" rtlCol="0">
-            <a:spAutoFit/>
-          </a:bodyPr>
-          <a:lstStyle/>
-          <a:p>
-            <a:r>
-              <a:rPr lang="en-US" b="1" dirty="0" smtClean="0"/>
-              <a:t>Dependencies</a:t>
-            </a:r>
-          </a:p>
-          <a:p>
-            <a:r>
-              <a:rPr lang="en-US" dirty="0" smtClean="0"/>
-              <a:t>A dependency is a relationship that signifies that a single or a set of model elements requires other model elements for their </a:t>
-            </a:r>
-            <a:endParaRPr lang="en-US" dirty="0"/>
-          </a:p>
-          <a:p>
-            <a:r>
-              <a:rPr lang="en-US" dirty="0" smtClean="0"/>
-              <a:t>implementation.</a:t>
-            </a:r>
-            <a:endParaRPr lang="en-US" b="1" dirty="0" smtClean="0"/>
-          </a:p>
-          <a:p>
-            <a:endParaRPr lang="en-US" dirty="0"/>
-          </a:p>
-        </p:txBody>
-      </p:sp>
-      <p:pic>
-        <p:nvPicPr>
-          <p:cNvPr id="10" name="Picture 9"/>
-          <p:cNvPicPr>
-            <a:picLocks noChangeAspect="1"/>
-          </p:cNvPicPr>
-          <p:nvPr/>
-        </p:nvPicPr>
-        <p:blipFill>
-          <a:blip r:embed="rId4">
-            <a:extLst>
-              <a:ext uri="{28A0092B-C50C-407E-A947-70E740481C1C}">
-                <a14:useLocalDpi xmlns:a14="http://schemas.microsoft.com/office/drawing/2010/main" val="0"/>
-              </a:ext>
-            </a:extLst>
-          </a:blip>
-          <a:stretch>
-            <a:fillRect/>
-          </a:stretch>
-        </p:blipFill>
-        <p:spPr>
-          <a:xfrm>
-            <a:off x="8203171" y="3962177"/>
-            <a:ext cx="3838575" cy="1123950"/>
-          </a:xfrm>
-          <a:prstGeom prst="rect">
-            <a:avLst/>
-          </a:prstGeom>
-        </p:spPr>
-      </p:pic>
-      <p:sp>
-        <p:nvSpPr>
-          <p:cNvPr id="11" name="TextBox 10"/>
-          <p:cNvSpPr txBox="1"/>
-          <p:nvPr/>
-        </p:nvSpPr>
-        <p:spPr>
-          <a:xfrm>
-            <a:off x="183283" y="4976192"/>
-            <a:ext cx="6786666" cy="923330"/>
-          </a:xfrm>
-          <a:prstGeom prst="rect">
-            <a:avLst/>
-          </a:prstGeom>
-          <a:noFill/>
-        </p:spPr>
-        <p:txBody>
-          <a:bodyPr wrap="none" rtlCol="0">
-            <a:spAutoFit/>
-          </a:bodyPr>
-          <a:lstStyle/>
-          <a:p>
-            <a:r>
-              <a:rPr lang="en-US" b="1" dirty="0" smtClean="0"/>
-              <a:t>Port</a:t>
-            </a:r>
-          </a:p>
-          <a:p>
-            <a:r>
-              <a:rPr lang="en-US" dirty="0" smtClean="0"/>
-              <a:t>used to help expose required and provided interfaces of a component.</a:t>
-            </a:r>
-          </a:p>
-          <a:p>
-            <a:endParaRPr lang="en-US" dirty="0"/>
-          </a:p>
-        </p:txBody>
-      </p:sp>
-      <p:pic>
-        <p:nvPicPr>
-          <p:cNvPr id="12" name="Picture 11"/>
-          <p:cNvPicPr>
-            <a:picLocks noChangeAspect="1"/>
-          </p:cNvPicPr>
-          <p:nvPr/>
-        </p:nvPicPr>
-        <p:blipFill>
-          <a:blip r:embed="rId5">
-            <a:extLst>
-              <a:ext uri="{28A0092B-C50C-407E-A947-70E740481C1C}">
-                <a14:useLocalDpi xmlns:a14="http://schemas.microsoft.com/office/drawing/2010/main" val="0"/>
-              </a:ext>
-            </a:extLst>
-          </a:blip>
-          <a:stretch>
-            <a:fillRect/>
-          </a:stretch>
-        </p:blipFill>
-        <p:spPr>
-          <a:xfrm>
-            <a:off x="8218526" y="5437857"/>
-            <a:ext cx="3838575" cy="1123950"/>
-          </a:xfrm>
-          <a:prstGeom prst="rect">
-            <a:avLst/>
-          </a:prstGeom>
-        </p:spPr>
-      </p:pic>
-    </p:spTree>
-    <p:extLst>
-      <p:ext uri="{BB962C8B-B14F-4D97-AF65-F5344CB8AC3E}">
-        <p14:creationId xmlns:p14="http://schemas.microsoft.com/office/powerpoint/2010/main" val="3381896733"/>
-      </p:ext>
-    </p:extLst>
-  </p:cSld>
-  <p:clrMapOvr>
-    <a:masterClrMapping/>
-  </p:clrMapOvr>
+  <p:timing>
+    <p:tnLst>
+      <p:par>
+        <p:cTn id="1" dur="indefinite" restart="never" nodeType="tmRoot"/>
+      </p:par>
+    </p:tnLst>
+  </p:timing>
 </p:sld>
 </file>
 
